--- a/Introducción a los algoritmos genéticos.pptx
+++ b/Introducción a los algoritmos genéticos.pptx
@@ -4,21 +4,32 @@
   <p:sldMasterIdLst>
     <p:sldMasterId id="2147483648" r:id="rId1"/>
   </p:sldMasterIdLst>
+  <p:notesMasterIdLst>
+    <p:notesMasterId r:id="rId21"/>
+  </p:notesMasterIdLst>
+  <p:handoutMasterIdLst>
+    <p:handoutMasterId r:id="rId22"/>
+  </p:handoutMasterIdLst>
   <p:sldIdLst>
     <p:sldId id="256" r:id="rId2"/>
-    <p:sldId id="257" r:id="rId3"/>
-    <p:sldId id="258" r:id="rId4"/>
-    <p:sldId id="259" r:id="rId5"/>
-    <p:sldId id="260" r:id="rId6"/>
-    <p:sldId id="261" r:id="rId7"/>
-    <p:sldId id="262" r:id="rId8"/>
-    <p:sldId id="263" r:id="rId9"/>
-    <p:sldId id="264" r:id="rId10"/>
-    <p:sldId id="265" r:id="rId11"/>
-    <p:sldId id="266" r:id="rId12"/>
-    <p:sldId id="268" r:id="rId13"/>
-    <p:sldId id="267" r:id="rId14"/>
-    <p:sldId id="269" r:id="rId15"/>
+    <p:sldId id="270" r:id="rId3"/>
+    <p:sldId id="257" r:id="rId4"/>
+    <p:sldId id="258" r:id="rId5"/>
+    <p:sldId id="259" r:id="rId6"/>
+    <p:sldId id="260" r:id="rId7"/>
+    <p:sldId id="261" r:id="rId8"/>
+    <p:sldId id="272" r:id="rId9"/>
+    <p:sldId id="273" r:id="rId10"/>
+    <p:sldId id="262" r:id="rId11"/>
+    <p:sldId id="263" r:id="rId12"/>
+    <p:sldId id="264" r:id="rId13"/>
+    <p:sldId id="265" r:id="rId14"/>
+    <p:sldId id="266" r:id="rId15"/>
+    <p:sldId id="268" r:id="rId16"/>
+    <p:sldId id="267" r:id="rId17"/>
+    <p:sldId id="269" r:id="rId18"/>
+    <p:sldId id="271" r:id="rId19"/>
+    <p:sldId id="274" r:id="rId20"/>
   </p:sldIdLst>
   <p:sldSz cx="9144000" cy="6858000" type="screen4x3"/>
   <p:notesSz cx="6858000" cy="9144000"/>
@@ -120,6 +131,607 @@
 </p:presentation>
 </file>
 
+<file path=ppt/handoutMasters/handoutMaster1.xml><?xml version="1.0" encoding="utf-8"?>
+<p:handoutMaster xmlns:a="http://schemas.openxmlformats.org/drawingml/2006/main" xmlns:r="http://schemas.openxmlformats.org/officeDocument/2006/relationships" xmlns:p="http://schemas.openxmlformats.org/presentationml/2006/main">
+  <p:cSld>
+    <p:bg>
+      <p:bgRef idx="1001">
+        <a:schemeClr val="bg1"/>
+      </p:bgRef>
+    </p:bg>
+    <p:spTree>
+      <p:nvGrpSpPr>
+        <p:cNvPr id="1" name=""/>
+        <p:cNvGrpSpPr/>
+        <p:nvPr/>
+      </p:nvGrpSpPr>
+      <p:grpSpPr>
+        <a:xfrm>
+          <a:off x="0" y="0"/>
+          <a:ext cx="0" cy="0"/>
+          <a:chOff x="0" y="0"/>
+          <a:chExt cx="0" cy="0"/>
+        </a:xfrm>
+      </p:grpSpPr>
+      <p:sp>
+        <p:nvSpPr>
+          <p:cNvPr id="2" name="1 Marcador de encabezado"/>
+          <p:cNvSpPr>
+            <a:spLocks noGrp="1"/>
+          </p:cNvSpPr>
+          <p:nvPr>
+            <p:ph type="hdr" sz="quarter"/>
+          </p:nvPr>
+        </p:nvSpPr>
+        <p:spPr>
+          <a:xfrm>
+            <a:off x="0" y="0"/>
+            <a:ext cx="2971800" cy="457200"/>
+          </a:xfrm>
+          <a:prstGeom prst="rect">
+            <a:avLst/>
+          </a:prstGeom>
+        </p:spPr>
+        <p:txBody>
+          <a:bodyPr vert="horz" lIns="91440" tIns="45720" rIns="91440" bIns="45720" rtlCol="0"/>
+          <a:lstStyle>
+            <a:lvl1pPr algn="l">
+              <a:defRPr sz="1200"/>
+            </a:lvl1pPr>
+          </a:lstStyle>
+          <a:p>
+            <a:endParaRPr lang="es-ES"/>
+          </a:p>
+        </p:txBody>
+      </p:sp>
+      <p:sp>
+        <p:nvSpPr>
+          <p:cNvPr id="3" name="2 Marcador de fecha"/>
+          <p:cNvSpPr>
+            <a:spLocks noGrp="1"/>
+          </p:cNvSpPr>
+          <p:nvPr>
+            <p:ph type="dt" sz="quarter" idx="1"/>
+          </p:nvPr>
+        </p:nvSpPr>
+        <p:spPr>
+          <a:xfrm>
+            <a:off x="3884613" y="0"/>
+            <a:ext cx="2971800" cy="457200"/>
+          </a:xfrm>
+          <a:prstGeom prst="rect">
+            <a:avLst/>
+          </a:prstGeom>
+        </p:spPr>
+        <p:txBody>
+          <a:bodyPr vert="horz" lIns="91440" tIns="45720" rIns="91440" bIns="45720" rtlCol="0"/>
+          <a:lstStyle>
+            <a:lvl1pPr algn="r">
+              <a:defRPr sz="1200"/>
+            </a:lvl1pPr>
+          </a:lstStyle>
+          <a:p>
+            <a:fld id="{30561498-6D41-45BF-9FFF-948806F91B3C}" type="datetimeFigureOut">
+              <a:rPr lang="es-ES" smtClean="0"/>
+              <a:t>17/03/2016</a:t>
+            </a:fld>
+            <a:endParaRPr lang="es-ES"/>
+          </a:p>
+        </p:txBody>
+      </p:sp>
+      <p:sp>
+        <p:nvSpPr>
+          <p:cNvPr id="4" name="3 Marcador de pie de página"/>
+          <p:cNvSpPr>
+            <a:spLocks noGrp="1"/>
+          </p:cNvSpPr>
+          <p:nvPr>
+            <p:ph type="ftr" sz="quarter" idx="2"/>
+          </p:nvPr>
+        </p:nvSpPr>
+        <p:spPr>
+          <a:xfrm>
+            <a:off x="0" y="8685213"/>
+            <a:ext cx="2971800" cy="457200"/>
+          </a:xfrm>
+          <a:prstGeom prst="rect">
+            <a:avLst/>
+          </a:prstGeom>
+        </p:spPr>
+        <p:txBody>
+          <a:bodyPr vert="horz" lIns="91440" tIns="45720" rIns="91440" bIns="45720" rtlCol="0" anchor="b"/>
+          <a:lstStyle>
+            <a:lvl1pPr algn="l">
+              <a:defRPr sz="1200"/>
+            </a:lvl1pPr>
+          </a:lstStyle>
+          <a:p>
+            <a:endParaRPr lang="es-ES"/>
+          </a:p>
+        </p:txBody>
+      </p:sp>
+      <p:sp>
+        <p:nvSpPr>
+          <p:cNvPr id="5" name="4 Marcador de número de diapositiva"/>
+          <p:cNvSpPr>
+            <a:spLocks noGrp="1"/>
+          </p:cNvSpPr>
+          <p:nvPr>
+            <p:ph type="sldNum" sz="quarter" idx="3"/>
+          </p:nvPr>
+        </p:nvSpPr>
+        <p:spPr>
+          <a:xfrm>
+            <a:off x="3884613" y="8685213"/>
+            <a:ext cx="2971800" cy="457200"/>
+          </a:xfrm>
+          <a:prstGeom prst="rect">
+            <a:avLst/>
+          </a:prstGeom>
+        </p:spPr>
+        <p:txBody>
+          <a:bodyPr vert="horz" lIns="91440" tIns="45720" rIns="91440" bIns="45720" rtlCol="0" anchor="b"/>
+          <a:lstStyle>
+            <a:lvl1pPr algn="r">
+              <a:defRPr sz="1200"/>
+            </a:lvl1pPr>
+          </a:lstStyle>
+          <a:p>
+            <a:fld id="{10F4CC5E-7D62-4F16-BE82-0BDC383756AB}" type="slidenum">
+              <a:rPr lang="es-ES" smtClean="0"/>
+              <a:t>‹Nº›</a:t>
+            </a:fld>
+            <a:endParaRPr lang="es-ES"/>
+          </a:p>
+        </p:txBody>
+      </p:sp>
+    </p:spTree>
+    <p:extLst>
+      <p:ext uri="{BB962C8B-B14F-4D97-AF65-F5344CB8AC3E}">
+        <p14:creationId xmlns:p14="http://schemas.microsoft.com/office/powerpoint/2010/main" val="1939819785"/>
+      </p:ext>
+    </p:extLst>
+  </p:cSld>
+  <p:clrMap bg1="lt1" tx1="dk1" bg2="lt2" tx2="dk2" accent1="accent1" accent2="accent2" accent3="accent3" accent4="accent4" accent5="accent5" accent6="accent6" hlink="hlink" folHlink="folHlink"/>
+  <p:hf hdr="0" ftr="0" dt="0"/>
+</p:handoutMaster>
+</file>
+
+<file path=ppt/notesMasters/notesMaster1.xml><?xml version="1.0" encoding="utf-8"?>
+<p:notesMaster xmlns:a="http://schemas.openxmlformats.org/drawingml/2006/main" xmlns:r="http://schemas.openxmlformats.org/officeDocument/2006/relationships" xmlns:p="http://schemas.openxmlformats.org/presentationml/2006/main">
+  <p:cSld>
+    <p:bg>
+      <p:bgRef idx="1001">
+        <a:schemeClr val="bg1"/>
+      </p:bgRef>
+    </p:bg>
+    <p:spTree>
+      <p:nvGrpSpPr>
+        <p:cNvPr id="1" name=""/>
+        <p:cNvGrpSpPr/>
+        <p:nvPr/>
+      </p:nvGrpSpPr>
+      <p:grpSpPr>
+        <a:xfrm>
+          <a:off x="0" y="0"/>
+          <a:ext cx="0" cy="0"/>
+          <a:chOff x="0" y="0"/>
+          <a:chExt cx="0" cy="0"/>
+        </a:xfrm>
+      </p:grpSpPr>
+      <p:sp>
+        <p:nvSpPr>
+          <p:cNvPr id="2" name="1 Marcador de encabezado"/>
+          <p:cNvSpPr>
+            <a:spLocks noGrp="1"/>
+          </p:cNvSpPr>
+          <p:nvPr>
+            <p:ph type="hdr" sz="quarter"/>
+          </p:nvPr>
+        </p:nvSpPr>
+        <p:spPr>
+          <a:xfrm>
+            <a:off x="0" y="0"/>
+            <a:ext cx="2971800" cy="457200"/>
+          </a:xfrm>
+          <a:prstGeom prst="rect">
+            <a:avLst/>
+          </a:prstGeom>
+        </p:spPr>
+        <p:txBody>
+          <a:bodyPr vert="horz" lIns="91440" tIns="45720" rIns="91440" bIns="45720" rtlCol="0"/>
+          <a:lstStyle>
+            <a:lvl1pPr algn="l">
+              <a:defRPr sz="1200"/>
+            </a:lvl1pPr>
+          </a:lstStyle>
+          <a:p>
+            <a:endParaRPr lang="es-ES"/>
+          </a:p>
+        </p:txBody>
+      </p:sp>
+      <p:sp>
+        <p:nvSpPr>
+          <p:cNvPr id="3" name="2 Marcador de fecha"/>
+          <p:cNvSpPr>
+            <a:spLocks noGrp="1"/>
+          </p:cNvSpPr>
+          <p:nvPr>
+            <p:ph type="dt" idx="1"/>
+          </p:nvPr>
+        </p:nvSpPr>
+        <p:spPr>
+          <a:xfrm>
+            <a:off x="3884613" y="0"/>
+            <a:ext cx="2971800" cy="457200"/>
+          </a:xfrm>
+          <a:prstGeom prst="rect">
+            <a:avLst/>
+          </a:prstGeom>
+        </p:spPr>
+        <p:txBody>
+          <a:bodyPr vert="horz" lIns="91440" tIns="45720" rIns="91440" bIns="45720" rtlCol="0"/>
+          <a:lstStyle>
+            <a:lvl1pPr algn="r">
+              <a:defRPr sz="1200"/>
+            </a:lvl1pPr>
+          </a:lstStyle>
+          <a:p>
+            <a:fld id="{6C9F97B2-FA6F-4A19-B9D6-91CA6166614A}" type="datetimeFigureOut">
+              <a:rPr lang="es-ES" smtClean="0"/>
+              <a:t>17/03/2016</a:t>
+            </a:fld>
+            <a:endParaRPr lang="es-ES"/>
+          </a:p>
+        </p:txBody>
+      </p:sp>
+      <p:sp>
+        <p:nvSpPr>
+          <p:cNvPr id="4" name="3 Marcador de imagen de diapositiva"/>
+          <p:cNvSpPr>
+            <a:spLocks noGrp="1" noRot="1" noChangeAspect="1"/>
+          </p:cNvSpPr>
+          <p:nvPr>
+            <p:ph type="sldImg" idx="2"/>
+          </p:nvPr>
+        </p:nvSpPr>
+        <p:spPr>
+          <a:xfrm>
+            <a:off x="1143000" y="685800"/>
+            <a:ext cx="4572000" cy="3429000"/>
+          </a:xfrm>
+          <a:prstGeom prst="rect">
+            <a:avLst/>
+          </a:prstGeom>
+          <a:noFill/>
+          <a:ln w="12700">
+            <a:solidFill>
+              <a:prstClr val="black"/>
+            </a:solidFill>
+          </a:ln>
+        </p:spPr>
+        <p:txBody>
+          <a:bodyPr vert="horz" lIns="91440" tIns="45720" rIns="91440" bIns="45720" rtlCol="0" anchor="ctr"/>
+          <a:lstStyle/>
+          <a:p>
+            <a:endParaRPr lang="es-ES"/>
+          </a:p>
+        </p:txBody>
+      </p:sp>
+      <p:sp>
+        <p:nvSpPr>
+          <p:cNvPr id="5" name="4 Marcador de notas"/>
+          <p:cNvSpPr>
+            <a:spLocks noGrp="1"/>
+          </p:cNvSpPr>
+          <p:nvPr>
+            <p:ph type="body" sz="quarter" idx="3"/>
+          </p:nvPr>
+        </p:nvSpPr>
+        <p:spPr>
+          <a:xfrm>
+            <a:off x="685800" y="4343400"/>
+            <a:ext cx="5486400" cy="4114800"/>
+          </a:xfrm>
+          <a:prstGeom prst="rect">
+            <a:avLst/>
+          </a:prstGeom>
+        </p:spPr>
+        <p:txBody>
+          <a:bodyPr vert="horz" lIns="91440" tIns="45720" rIns="91440" bIns="45720" rtlCol="0"/>
+          <a:lstStyle/>
+          <a:p>
+            <a:pPr lvl="0"/>
+            <a:r>
+              <a:rPr lang="es-ES" smtClean="0"/>
+              <a:t>Haga clic para modificar el estilo de texto del patrón</a:t>
+            </a:r>
+          </a:p>
+          <a:p>
+            <a:pPr lvl="1"/>
+            <a:r>
+              <a:rPr lang="es-ES" smtClean="0"/>
+              <a:t>Segundo nivel</a:t>
+            </a:r>
+          </a:p>
+          <a:p>
+            <a:pPr lvl="2"/>
+            <a:r>
+              <a:rPr lang="es-ES" smtClean="0"/>
+              <a:t>Tercer nivel</a:t>
+            </a:r>
+          </a:p>
+          <a:p>
+            <a:pPr lvl="3"/>
+            <a:r>
+              <a:rPr lang="es-ES" smtClean="0"/>
+              <a:t>Cuarto nivel</a:t>
+            </a:r>
+          </a:p>
+          <a:p>
+            <a:pPr lvl="4"/>
+            <a:r>
+              <a:rPr lang="es-ES" smtClean="0"/>
+              <a:t>Quinto nivel</a:t>
+            </a:r>
+            <a:endParaRPr lang="es-ES"/>
+          </a:p>
+        </p:txBody>
+      </p:sp>
+      <p:sp>
+        <p:nvSpPr>
+          <p:cNvPr id="6" name="5 Marcador de pie de página"/>
+          <p:cNvSpPr>
+            <a:spLocks noGrp="1"/>
+          </p:cNvSpPr>
+          <p:nvPr>
+            <p:ph type="ftr" sz="quarter" idx="4"/>
+          </p:nvPr>
+        </p:nvSpPr>
+        <p:spPr>
+          <a:xfrm>
+            <a:off x="0" y="8685213"/>
+            <a:ext cx="2971800" cy="457200"/>
+          </a:xfrm>
+          <a:prstGeom prst="rect">
+            <a:avLst/>
+          </a:prstGeom>
+        </p:spPr>
+        <p:txBody>
+          <a:bodyPr vert="horz" lIns="91440" tIns="45720" rIns="91440" bIns="45720" rtlCol="0" anchor="b"/>
+          <a:lstStyle>
+            <a:lvl1pPr algn="l">
+              <a:defRPr sz="1200"/>
+            </a:lvl1pPr>
+          </a:lstStyle>
+          <a:p>
+            <a:endParaRPr lang="es-ES"/>
+          </a:p>
+        </p:txBody>
+      </p:sp>
+      <p:sp>
+        <p:nvSpPr>
+          <p:cNvPr id="7" name="6 Marcador de número de diapositiva"/>
+          <p:cNvSpPr>
+            <a:spLocks noGrp="1"/>
+          </p:cNvSpPr>
+          <p:nvPr>
+            <p:ph type="sldNum" sz="quarter" idx="5"/>
+          </p:nvPr>
+        </p:nvSpPr>
+        <p:spPr>
+          <a:xfrm>
+            <a:off x="3884613" y="8685213"/>
+            <a:ext cx="2971800" cy="457200"/>
+          </a:xfrm>
+          <a:prstGeom prst="rect">
+            <a:avLst/>
+          </a:prstGeom>
+        </p:spPr>
+        <p:txBody>
+          <a:bodyPr vert="horz" lIns="91440" tIns="45720" rIns="91440" bIns="45720" rtlCol="0" anchor="b"/>
+          <a:lstStyle>
+            <a:lvl1pPr algn="r">
+              <a:defRPr sz="1200"/>
+            </a:lvl1pPr>
+          </a:lstStyle>
+          <a:p>
+            <a:fld id="{98220C06-4269-47EE-B399-42CEFAFBB23A}" type="slidenum">
+              <a:rPr lang="es-ES" smtClean="0"/>
+              <a:t>‹Nº›</a:t>
+            </a:fld>
+            <a:endParaRPr lang="es-ES"/>
+          </a:p>
+        </p:txBody>
+      </p:sp>
+    </p:spTree>
+    <p:extLst>
+      <p:ext uri="{BB962C8B-B14F-4D97-AF65-F5344CB8AC3E}">
+        <p14:creationId xmlns:p14="http://schemas.microsoft.com/office/powerpoint/2010/main" val="3276741103"/>
+      </p:ext>
+    </p:extLst>
+  </p:cSld>
+  <p:clrMap bg1="lt1" tx1="dk1" bg2="lt2" tx2="dk2" accent1="accent1" accent2="accent2" accent3="accent3" accent4="accent4" accent5="accent5" accent6="accent6" hlink="hlink" folHlink="folHlink"/>
+  <p:hf hdr="0" ftr="0" dt="0"/>
+  <p:notesStyle>
+    <a:lvl1pPr marL="0" algn="l" defTabSz="914400" rtl="0" eaLnBrk="1" latinLnBrk="0" hangingPunct="1">
+      <a:defRPr sz="1200" kern="1200">
+        <a:solidFill>
+          <a:schemeClr val="tx1"/>
+        </a:solidFill>
+        <a:latin typeface="+mn-lt"/>
+        <a:ea typeface="+mn-ea"/>
+        <a:cs typeface="+mn-cs"/>
+      </a:defRPr>
+    </a:lvl1pPr>
+    <a:lvl2pPr marL="457200" algn="l" defTabSz="914400" rtl="0" eaLnBrk="1" latinLnBrk="0" hangingPunct="1">
+      <a:defRPr sz="1200" kern="1200">
+        <a:solidFill>
+          <a:schemeClr val="tx1"/>
+        </a:solidFill>
+        <a:latin typeface="+mn-lt"/>
+        <a:ea typeface="+mn-ea"/>
+        <a:cs typeface="+mn-cs"/>
+      </a:defRPr>
+    </a:lvl2pPr>
+    <a:lvl3pPr marL="914400" algn="l" defTabSz="914400" rtl="0" eaLnBrk="1" latinLnBrk="0" hangingPunct="1">
+      <a:defRPr sz="1200" kern="1200">
+        <a:solidFill>
+          <a:schemeClr val="tx1"/>
+        </a:solidFill>
+        <a:latin typeface="+mn-lt"/>
+        <a:ea typeface="+mn-ea"/>
+        <a:cs typeface="+mn-cs"/>
+      </a:defRPr>
+    </a:lvl3pPr>
+    <a:lvl4pPr marL="1371600" algn="l" defTabSz="914400" rtl="0" eaLnBrk="1" latinLnBrk="0" hangingPunct="1">
+      <a:defRPr sz="1200" kern="1200">
+        <a:solidFill>
+          <a:schemeClr val="tx1"/>
+        </a:solidFill>
+        <a:latin typeface="+mn-lt"/>
+        <a:ea typeface="+mn-ea"/>
+        <a:cs typeface="+mn-cs"/>
+      </a:defRPr>
+    </a:lvl4pPr>
+    <a:lvl5pPr marL="1828800" algn="l" defTabSz="914400" rtl="0" eaLnBrk="1" latinLnBrk="0" hangingPunct="1">
+      <a:defRPr sz="1200" kern="1200">
+        <a:solidFill>
+          <a:schemeClr val="tx1"/>
+        </a:solidFill>
+        <a:latin typeface="+mn-lt"/>
+        <a:ea typeface="+mn-ea"/>
+        <a:cs typeface="+mn-cs"/>
+      </a:defRPr>
+    </a:lvl5pPr>
+    <a:lvl6pPr marL="2286000" algn="l" defTabSz="914400" rtl="0" eaLnBrk="1" latinLnBrk="0" hangingPunct="1">
+      <a:defRPr sz="1200" kern="1200">
+        <a:solidFill>
+          <a:schemeClr val="tx1"/>
+        </a:solidFill>
+        <a:latin typeface="+mn-lt"/>
+        <a:ea typeface="+mn-ea"/>
+        <a:cs typeface="+mn-cs"/>
+      </a:defRPr>
+    </a:lvl6pPr>
+    <a:lvl7pPr marL="2743200" algn="l" defTabSz="914400" rtl="0" eaLnBrk="1" latinLnBrk="0" hangingPunct="1">
+      <a:defRPr sz="1200" kern="1200">
+        <a:solidFill>
+          <a:schemeClr val="tx1"/>
+        </a:solidFill>
+        <a:latin typeface="+mn-lt"/>
+        <a:ea typeface="+mn-ea"/>
+        <a:cs typeface="+mn-cs"/>
+      </a:defRPr>
+    </a:lvl7pPr>
+    <a:lvl8pPr marL="3200400" algn="l" defTabSz="914400" rtl="0" eaLnBrk="1" latinLnBrk="0" hangingPunct="1">
+      <a:defRPr sz="1200" kern="1200">
+        <a:solidFill>
+          <a:schemeClr val="tx1"/>
+        </a:solidFill>
+        <a:latin typeface="+mn-lt"/>
+        <a:ea typeface="+mn-ea"/>
+        <a:cs typeface="+mn-cs"/>
+      </a:defRPr>
+    </a:lvl8pPr>
+    <a:lvl9pPr marL="3657600" algn="l" defTabSz="914400" rtl="0" eaLnBrk="1" latinLnBrk="0" hangingPunct="1">
+      <a:defRPr sz="1200" kern="1200">
+        <a:solidFill>
+          <a:schemeClr val="tx1"/>
+        </a:solidFill>
+        <a:latin typeface="+mn-lt"/>
+        <a:ea typeface="+mn-ea"/>
+        <a:cs typeface="+mn-cs"/>
+      </a:defRPr>
+    </a:lvl9pPr>
+  </p:notesStyle>
+</p:notesMaster>
+</file>
+
+<file path=ppt/notesSlides/notesSlide1.xml><?xml version="1.0" encoding="utf-8"?>
+<p:notes xmlns:a="http://schemas.openxmlformats.org/drawingml/2006/main" xmlns:r="http://schemas.openxmlformats.org/officeDocument/2006/relationships" xmlns:p="http://schemas.openxmlformats.org/presentationml/2006/main">
+  <p:cSld>
+    <p:spTree>
+      <p:nvGrpSpPr>
+        <p:cNvPr id="1" name=""/>
+        <p:cNvGrpSpPr/>
+        <p:nvPr/>
+      </p:nvGrpSpPr>
+      <p:grpSpPr>
+        <a:xfrm>
+          <a:off x="0" y="0"/>
+          <a:ext cx="0" cy="0"/>
+          <a:chOff x="0" y="0"/>
+          <a:chExt cx="0" cy="0"/>
+        </a:xfrm>
+      </p:grpSpPr>
+      <p:sp>
+        <p:nvSpPr>
+          <p:cNvPr id="2" name="1 Marcador de imagen de diapositiva"/>
+          <p:cNvSpPr>
+            <a:spLocks noGrp="1" noRot="1" noChangeAspect="1"/>
+          </p:cNvSpPr>
+          <p:nvPr>
+            <p:ph type="sldImg"/>
+          </p:nvPr>
+        </p:nvSpPr>
+        <p:spPr/>
+      </p:sp>
+      <p:sp>
+        <p:nvSpPr>
+          <p:cNvPr id="3" name="2 Marcador de notas"/>
+          <p:cNvSpPr>
+            <a:spLocks noGrp="1"/>
+          </p:cNvSpPr>
+          <p:nvPr>
+            <p:ph type="body" idx="1"/>
+          </p:nvPr>
+        </p:nvSpPr>
+        <p:spPr/>
+        <p:txBody>
+          <a:bodyPr/>
+          <a:lstStyle/>
+          <a:p>
+            <a:endParaRPr lang="es-ES"/>
+          </a:p>
+        </p:txBody>
+      </p:sp>
+      <p:sp>
+        <p:nvSpPr>
+          <p:cNvPr id="4" name="3 Marcador de número de diapositiva"/>
+          <p:cNvSpPr>
+            <a:spLocks noGrp="1"/>
+          </p:cNvSpPr>
+          <p:nvPr>
+            <p:ph type="sldNum" sz="quarter" idx="10"/>
+          </p:nvPr>
+        </p:nvSpPr>
+        <p:spPr/>
+        <p:txBody>
+          <a:bodyPr/>
+          <a:lstStyle/>
+          <a:p>
+            <a:fld id="{98220C06-4269-47EE-B399-42CEFAFBB23A}" type="slidenum">
+              <a:rPr lang="es-ES" smtClean="0"/>
+              <a:t>1</a:t>
+            </a:fld>
+            <a:endParaRPr lang="es-ES"/>
+          </a:p>
+        </p:txBody>
+      </p:sp>
+    </p:spTree>
+    <p:extLst>
+      <p:ext uri="{BB962C8B-B14F-4D97-AF65-F5344CB8AC3E}">
+        <p14:creationId xmlns:p14="http://schemas.microsoft.com/office/powerpoint/2010/main" val="2306708150"/>
+      </p:ext>
+    </p:extLst>
+  </p:cSld>
+  <p:clrMapOvr>
+    <a:masterClrMapping/>
+  </p:clrMapOvr>
+</p:notes>
+</file>
+
 <file path=ppt/slideLayouts/slideLayout1.xml><?xml version="1.0" encoding="utf-8"?>
 <p:sldLayout xmlns:a="http://schemas.openxmlformats.org/drawingml/2006/main" xmlns:r="http://schemas.openxmlformats.org/officeDocument/2006/relationships" xmlns:p="http://schemas.openxmlformats.org/presentationml/2006/main" type="title" preserve="1">
   <p:cSld name="Diapositiva de título">
@@ -299,7 +911,7 @@
           <a:bodyPr/>
           <a:lstStyle/>
           <a:p>
-            <a:fld id="{7A847CFC-816F-41D0-AAC0-9BF4FEBC753E}" type="datetimeFigureOut">
+            <a:fld id="{B8C2EBDF-5902-4D59-891D-BB85862C56D0}" type="datetime1">
               <a:rPr lang="es-ES" smtClean="0"/>
               <a:t>17/03/2016</a:t>
             </a:fld>
@@ -464,7 +1076,7 @@
           <a:bodyPr/>
           <a:lstStyle/>
           <a:p>
-            <a:fld id="{7A847CFC-816F-41D0-AAC0-9BF4FEBC753E}" type="datetimeFigureOut">
+            <a:fld id="{EEB31622-1785-4D5F-9235-54C875669824}" type="datetime1">
               <a:rPr lang="es-ES" smtClean="0"/>
               <a:t>17/03/2016</a:t>
             </a:fld>
@@ -639,7 +1251,7 @@
           <a:bodyPr/>
           <a:lstStyle/>
           <a:p>
-            <a:fld id="{7A847CFC-816F-41D0-AAC0-9BF4FEBC753E}" type="datetimeFigureOut">
+            <a:fld id="{7FDBE087-EE27-4445-A3C9-DA3FBA0ABB30}" type="datetime1">
               <a:rPr lang="es-ES" smtClean="0"/>
               <a:t>17/03/2016</a:t>
             </a:fld>
@@ -804,7 +1416,7 @@
           <a:bodyPr/>
           <a:lstStyle/>
           <a:p>
-            <a:fld id="{7A847CFC-816F-41D0-AAC0-9BF4FEBC753E}" type="datetimeFigureOut">
+            <a:fld id="{9C942F8D-1CE3-4F86-A095-862A1D6DA881}" type="datetime1">
               <a:rPr lang="es-ES" smtClean="0"/>
               <a:t>17/03/2016</a:t>
             </a:fld>
@@ -1045,7 +1657,7 @@
           <a:bodyPr/>
           <a:lstStyle/>
           <a:p>
-            <a:fld id="{7A847CFC-816F-41D0-AAC0-9BF4FEBC753E}" type="datetimeFigureOut">
+            <a:fld id="{247C69B3-CA84-49FF-843E-C1E864FB4AE0}" type="datetime1">
               <a:rPr lang="es-ES" smtClean="0"/>
               <a:t>17/03/2016</a:t>
             </a:fld>
@@ -1328,7 +1940,7 @@
           <a:bodyPr/>
           <a:lstStyle/>
           <a:p>
-            <a:fld id="{7A847CFC-816F-41D0-AAC0-9BF4FEBC753E}" type="datetimeFigureOut">
+            <a:fld id="{F682690F-30EC-490E-8F6D-424A85DBFF6C}" type="datetime1">
               <a:rPr lang="es-ES" smtClean="0"/>
               <a:t>17/03/2016</a:t>
             </a:fld>
@@ -1745,7 +2357,7 @@
           <a:bodyPr/>
           <a:lstStyle/>
           <a:p>
-            <a:fld id="{7A847CFC-816F-41D0-AAC0-9BF4FEBC753E}" type="datetimeFigureOut">
+            <a:fld id="{D145A1D4-2EE2-44C8-9796-4F957B12987C}" type="datetime1">
               <a:rPr lang="es-ES" smtClean="0"/>
               <a:t>17/03/2016</a:t>
             </a:fld>
@@ -1858,7 +2470,7 @@
           <a:bodyPr/>
           <a:lstStyle/>
           <a:p>
-            <a:fld id="{7A847CFC-816F-41D0-AAC0-9BF4FEBC753E}" type="datetimeFigureOut">
+            <a:fld id="{A5DB5D0D-6318-42C6-8F02-61D71CE0EE0E}" type="datetime1">
               <a:rPr lang="es-ES" smtClean="0"/>
               <a:t>17/03/2016</a:t>
             </a:fld>
@@ -1948,7 +2560,7 @@
           <a:bodyPr/>
           <a:lstStyle/>
           <a:p>
-            <a:fld id="{7A847CFC-816F-41D0-AAC0-9BF4FEBC753E}" type="datetimeFigureOut">
+            <a:fld id="{BEFE5504-E9AC-465C-9784-7C7185850FB8}" type="datetime1">
               <a:rPr lang="es-ES" smtClean="0"/>
               <a:t>17/03/2016</a:t>
             </a:fld>
@@ -2220,7 +2832,7 @@
           <a:bodyPr/>
           <a:lstStyle/>
           <a:p>
-            <a:fld id="{7A847CFC-816F-41D0-AAC0-9BF4FEBC753E}" type="datetimeFigureOut">
+            <a:fld id="{42A7D66D-CE1B-4FE1-83AC-FEC14A53D69F}" type="datetime1">
               <a:rPr lang="es-ES" smtClean="0"/>
               <a:t>17/03/2016</a:t>
             </a:fld>
@@ -2468,7 +3080,7 @@
           <a:bodyPr/>
           <a:lstStyle/>
           <a:p>
-            <a:fld id="{7A847CFC-816F-41D0-AAC0-9BF4FEBC753E}" type="datetimeFigureOut">
+            <a:fld id="{46C01723-5AC3-4049-8A0F-4B69F7E3C71B}" type="datetime1">
               <a:rPr lang="es-ES" smtClean="0"/>
               <a:t>17/03/2016</a:t>
             </a:fld>
@@ -2530,9 +3142,35 @@
 <p:sldMaster xmlns:a="http://schemas.openxmlformats.org/drawingml/2006/main" xmlns:r="http://schemas.openxmlformats.org/officeDocument/2006/relationships" xmlns:p="http://schemas.openxmlformats.org/presentationml/2006/main">
   <p:cSld>
     <p:bg>
-      <p:bgRef idx="1001">
-        <a:schemeClr val="bg1"/>
-      </p:bgRef>
+      <p:bgPr>
+        <a:gradFill flip="none" rotWithShape="1">
+          <a:gsLst>
+            <a:gs pos="0">
+              <a:schemeClr val="accent1">
+                <a:lumMod val="20000"/>
+                <a:lumOff val="80000"/>
+              </a:schemeClr>
+            </a:gs>
+            <a:gs pos="50000">
+              <a:schemeClr val="accent1">
+                <a:tint val="44500"/>
+                <a:satMod val="160000"/>
+                <a:lumMod val="0"/>
+                <a:lumOff val="100000"/>
+              </a:schemeClr>
+            </a:gs>
+            <a:gs pos="100000">
+              <a:schemeClr val="accent1">
+                <a:tint val="23500"/>
+                <a:satMod val="160000"/>
+              </a:schemeClr>
+            </a:gs>
+          </a:gsLst>
+          <a:lin ang="5400000" scaled="0"/>
+          <a:tileRect/>
+        </a:gradFill>
+        <a:effectLst/>
+      </p:bgPr>
     </p:bg>
     <p:spTree>
       <p:nvGrpSpPr>
@@ -2676,7 +3314,7 @@
             </a:lvl1pPr>
           </a:lstStyle>
           <a:p>
-            <a:fld id="{7A847CFC-816F-41D0-AAC0-9BF4FEBC753E}" type="datetimeFigureOut">
+            <a:fld id="{099E8483-0BC0-46E0-B731-C3ED6F1AA412}" type="datetime1">
               <a:rPr lang="es-ES" smtClean="0"/>
               <a:t>17/03/2016</a:t>
             </a:fld>
@@ -2778,6 +3416,7 @@
     <p:sldLayoutId id="2147483658" r:id="rId10"/>
     <p:sldLayoutId id="2147483659" r:id="rId11"/>
   </p:sldLayoutIdLst>
+  <p:hf sldNum="0" hdr="0" ftr="0" dt="0"/>
   <p:txStyles>
     <p:titleStyle>
       <a:lvl1pPr algn="ctr" defTabSz="914400" rtl="0" eaLnBrk="1" latinLnBrk="0" hangingPunct="1">
@@ -3087,7 +3726,7 @@
           <p:nvPr/>
         </p:nvPicPr>
         <p:blipFill>
-          <a:blip r:embed="rId2">
+          <a:blip r:embed="rId3">
             <a:extLst>
               <a:ext uri="{28A0092B-C50C-407E-A947-70E740481C1C}">
                 <a14:useLocalDpi xmlns:a14="http://schemas.microsoft.com/office/drawing/2010/main" val="0"/>
@@ -3146,6 +3785,36 @@
               <a:t>Siro Moreno</a:t>
             </a:r>
             <a:endParaRPr lang="es-ES" sz="4000" dirty="0"/>
+          </a:p>
+        </p:txBody>
+      </p:sp>
+      <p:sp>
+        <p:nvSpPr>
+          <p:cNvPr id="6" name="5 CuadroTexto"/>
+          <p:cNvSpPr txBox="1"/>
+          <p:nvPr/>
+        </p:nvSpPr>
+        <p:spPr>
+          <a:xfrm>
+            <a:off x="8388424" y="6382052"/>
+            <a:ext cx="625492" cy="369332"/>
+          </a:xfrm>
+          <a:prstGeom prst="rect">
+            <a:avLst/>
+          </a:prstGeom>
+          <a:noFill/>
+        </p:spPr>
+        <p:txBody>
+          <a:bodyPr wrap="none" rtlCol="0">
+            <a:spAutoFit/>
+          </a:bodyPr>
+          <a:lstStyle/>
+          <a:p>
+            <a:r>
+              <a:rPr lang="es-ES" dirty="0" smtClean="0"/>
+              <a:t>1/18</a:t>
+            </a:r>
+            <a:endParaRPr lang="es-ES" dirty="0"/>
           </a:p>
         </p:txBody>
       </p:sp>
@@ -3194,18 +3863,12 @@
         </p:nvSpPr>
         <p:spPr>
           <a:xfrm>
-            <a:off x="2411760" y="2204864"/>
-            <a:ext cx="648072" cy="504056"/>
+            <a:off x="827584" y="1484784"/>
+            <a:ext cx="2592288" cy="720080"/>
           </a:xfrm>
           <a:prstGeom prst="rect">
             <a:avLst/>
           </a:prstGeom>
-          <a:solidFill>
-            <a:schemeClr val="accent5">
-              <a:lumMod val="40000"/>
-              <a:lumOff val="60000"/>
-            </a:schemeClr>
-          </a:solidFill>
         </p:spPr>
         <p:style>
           <a:lnRef idx="2">
@@ -3228,30 +3891,59 @@
           <a:lstStyle/>
           <a:p>
             <a:pPr algn="ctr"/>
-            <a:endParaRPr lang="es-ES"/>
-          </a:p>
-        </p:txBody>
-      </p:sp>
-      <p:sp>
-        <p:nvSpPr>
-          <p:cNvPr id="5" name="4 Rectángulo"/>
-          <p:cNvSpPr/>
+            <a:r>
+              <a:rPr lang="es-ES" sz="2800" dirty="0" smtClean="0"/>
+              <a:t>Población inicial</a:t>
+            </a:r>
+            <a:endParaRPr lang="es-ES" sz="2800" dirty="0"/>
+          </a:p>
+        </p:txBody>
+      </p:sp>
+      <p:sp>
+        <p:nvSpPr>
+          <p:cNvPr id="5" name="4 CuadroTexto"/>
+          <p:cNvSpPr txBox="1"/>
           <p:nvPr/>
         </p:nvSpPr>
         <p:spPr>
           <a:xfrm>
-            <a:off x="3059832" y="1700808"/>
-            <a:ext cx="1656184" cy="504056"/>
+            <a:off x="2190091" y="216443"/>
+            <a:ext cx="4752840" cy="584775"/>
           </a:xfrm>
           <a:prstGeom prst="rect">
             <a:avLst/>
           </a:prstGeom>
-          <a:solidFill>
-            <a:schemeClr val="accent5">
-              <a:lumMod val="40000"/>
-              <a:lumOff val="60000"/>
-            </a:schemeClr>
-          </a:solidFill>
+          <a:noFill/>
+        </p:spPr>
+        <p:txBody>
+          <a:bodyPr wrap="none" rtlCol="0">
+            <a:spAutoFit/>
+          </a:bodyPr>
+          <a:lstStyle/>
+          <a:p>
+            <a:pPr algn="ctr"/>
+            <a:r>
+              <a:rPr lang="es-ES" sz="3200" dirty="0" smtClean="0"/>
+              <a:t>Bucle principal: Generación</a:t>
+            </a:r>
+            <a:endParaRPr lang="es-ES" sz="3200" dirty="0"/>
+          </a:p>
+        </p:txBody>
+      </p:sp>
+      <p:sp>
+        <p:nvSpPr>
+          <p:cNvPr id="6" name="5 Rectángulo"/>
+          <p:cNvSpPr/>
+          <p:nvPr/>
+        </p:nvSpPr>
+        <p:spPr>
+          <a:xfrm>
+            <a:off x="5713151" y="1481962"/>
+            <a:ext cx="2592288" cy="720080"/>
+          </a:xfrm>
+          <a:prstGeom prst="rect">
+            <a:avLst/>
+          </a:prstGeom>
         </p:spPr>
         <p:style>
           <a:lnRef idx="2">
@@ -3274,30 +3966,28 @@
           <a:lstStyle/>
           <a:p>
             <a:pPr algn="ctr"/>
-            <a:endParaRPr lang="es-ES"/>
-          </a:p>
-        </p:txBody>
-      </p:sp>
-      <p:sp>
-        <p:nvSpPr>
-          <p:cNvPr id="6" name="5 Rectángulo"/>
+            <a:r>
+              <a:rPr lang="es-ES" sz="2800" dirty="0" smtClean="0"/>
+              <a:t>Análisis</a:t>
+            </a:r>
+            <a:endParaRPr lang="es-ES" sz="2800" dirty="0"/>
+          </a:p>
+        </p:txBody>
+      </p:sp>
+      <p:sp>
+        <p:nvSpPr>
+          <p:cNvPr id="7" name="6 Rectángulo"/>
           <p:cNvSpPr/>
           <p:nvPr/>
         </p:nvSpPr>
         <p:spPr>
           <a:xfrm>
-            <a:off x="4716016" y="2204864"/>
-            <a:ext cx="1368152" cy="504056"/>
+            <a:off x="5713151" y="3789040"/>
+            <a:ext cx="2592288" cy="720080"/>
           </a:xfrm>
           <a:prstGeom prst="rect">
             <a:avLst/>
           </a:prstGeom>
-          <a:solidFill>
-            <a:schemeClr val="accent5">
-              <a:lumMod val="40000"/>
-              <a:lumOff val="60000"/>
-            </a:schemeClr>
-          </a:solidFill>
         </p:spPr>
         <p:style>
           <a:lnRef idx="2">
@@ -3320,30 +4010,28 @@
           <a:lstStyle/>
           <a:p>
             <a:pPr algn="ctr"/>
-            <a:endParaRPr lang="es-ES"/>
-          </a:p>
-        </p:txBody>
-      </p:sp>
-      <p:sp>
-        <p:nvSpPr>
-          <p:cNvPr id="7" name="6 Rectángulo"/>
+            <a:r>
+              <a:rPr lang="es-ES" sz="2800" dirty="0" smtClean="0"/>
+              <a:t>Selección</a:t>
+            </a:r>
+            <a:endParaRPr lang="es-ES" sz="2800" dirty="0"/>
+          </a:p>
+        </p:txBody>
+      </p:sp>
+      <p:sp>
+        <p:nvSpPr>
+          <p:cNvPr id="8" name="7 Rectángulo"/>
           <p:cNvSpPr/>
           <p:nvPr/>
         </p:nvSpPr>
         <p:spPr>
           <a:xfrm>
-            <a:off x="6084168" y="1700808"/>
-            <a:ext cx="432048" cy="504056"/>
+            <a:off x="827584" y="3789040"/>
+            <a:ext cx="2592288" cy="720080"/>
           </a:xfrm>
           <a:prstGeom prst="rect">
             <a:avLst/>
           </a:prstGeom>
-          <a:solidFill>
-            <a:schemeClr val="accent5">
-              <a:lumMod val="40000"/>
-              <a:lumOff val="60000"/>
-            </a:schemeClr>
-          </a:solidFill>
         </p:spPr>
         <p:style>
           <a:lnRef idx="2">
@@ -3366,86 +4054,409 @@
           <a:lstStyle/>
           <a:p>
             <a:pPr algn="ctr"/>
-            <a:endParaRPr lang="es-ES"/>
-          </a:p>
-        </p:txBody>
-      </p:sp>
-      <p:sp>
-        <p:nvSpPr>
-          <p:cNvPr id="2" name="1 Título"/>
-          <p:cNvSpPr>
-            <a:spLocks noGrp="1"/>
-          </p:cNvSpPr>
+            <a:r>
+              <a:rPr lang="es-ES" sz="2800" dirty="0" smtClean="0"/>
+              <a:t>Reproducción</a:t>
+            </a:r>
+            <a:endParaRPr lang="es-ES" sz="2800" dirty="0"/>
+          </a:p>
+        </p:txBody>
+      </p:sp>
+      <p:cxnSp>
+        <p:nvCxnSpPr>
+          <p:cNvPr id="10" name="9 Conector recto de flecha"/>
+          <p:cNvCxnSpPr>
+            <a:stCxn id="4" idx="3"/>
+            <a:endCxn id="6" idx="1"/>
+          </p:cNvCxnSpPr>
+          <p:nvPr/>
+        </p:nvCxnSpPr>
+        <p:spPr>
+          <a:xfrm flipV="1">
+            <a:off x="3419872" y="1842002"/>
+            <a:ext cx="2293279" cy="2822"/>
+          </a:xfrm>
+          <a:prstGeom prst="straightConnector1">
+            <a:avLst/>
+          </a:prstGeom>
+          <a:ln w="38100">
+            <a:tailEnd type="arrow"/>
+          </a:ln>
+        </p:spPr>
+        <p:style>
+          <a:lnRef idx="1">
+            <a:schemeClr val="accent1"/>
+          </a:lnRef>
+          <a:fillRef idx="0">
+            <a:schemeClr val="accent1"/>
+          </a:fillRef>
+          <a:effectRef idx="0">
+            <a:schemeClr val="accent1"/>
+          </a:effectRef>
+          <a:fontRef idx="minor">
+            <a:schemeClr val="tx1"/>
+          </a:fontRef>
+        </p:style>
+      </p:cxnSp>
+      <p:cxnSp>
+        <p:nvCxnSpPr>
+          <p:cNvPr id="12" name="11 Conector recto de flecha"/>
+          <p:cNvCxnSpPr>
+            <a:stCxn id="6" idx="2"/>
+            <a:endCxn id="7" idx="0"/>
+          </p:cNvCxnSpPr>
+          <p:nvPr/>
+        </p:nvCxnSpPr>
+        <p:spPr>
+          <a:xfrm>
+            <a:off x="7009295" y="2202042"/>
+            <a:ext cx="0" cy="1586998"/>
+          </a:xfrm>
+          <a:prstGeom prst="straightConnector1">
+            <a:avLst/>
+          </a:prstGeom>
+          <a:ln w="38100">
+            <a:tailEnd type="arrow"/>
+          </a:ln>
+        </p:spPr>
+        <p:style>
+          <a:lnRef idx="1">
+            <a:schemeClr val="accent1"/>
+          </a:lnRef>
+          <a:fillRef idx="0">
+            <a:schemeClr val="accent1"/>
+          </a:fillRef>
+          <a:effectRef idx="0">
+            <a:schemeClr val="accent1"/>
+          </a:effectRef>
+          <a:fontRef idx="minor">
+            <a:schemeClr val="tx1"/>
+          </a:fontRef>
+        </p:style>
+      </p:cxnSp>
+      <p:cxnSp>
+        <p:nvCxnSpPr>
+          <p:cNvPr id="14" name="13 Conector recto de flecha"/>
+          <p:cNvCxnSpPr>
+            <a:stCxn id="7" idx="1"/>
+            <a:endCxn id="8" idx="3"/>
+          </p:cNvCxnSpPr>
+          <p:nvPr/>
+        </p:nvCxnSpPr>
+        <p:spPr>
+          <a:xfrm flipH="1">
+            <a:off x="3419872" y="4149080"/>
+            <a:ext cx="2293279" cy="0"/>
+          </a:xfrm>
+          <a:prstGeom prst="straightConnector1">
+            <a:avLst/>
+          </a:prstGeom>
+          <a:ln w="38100">
+            <a:tailEnd type="arrow"/>
+          </a:ln>
+        </p:spPr>
+        <p:style>
+          <a:lnRef idx="1">
+            <a:schemeClr val="accent1"/>
+          </a:lnRef>
+          <a:fillRef idx="0">
+            <a:schemeClr val="accent1"/>
+          </a:fillRef>
+          <a:effectRef idx="0">
+            <a:schemeClr val="accent1"/>
+          </a:effectRef>
+          <a:fontRef idx="minor">
+            <a:schemeClr val="tx1"/>
+          </a:fontRef>
+        </p:style>
+      </p:cxnSp>
+      <p:cxnSp>
+        <p:nvCxnSpPr>
+          <p:cNvPr id="16" name="15 Conector recto de flecha"/>
+          <p:cNvCxnSpPr>
+            <a:stCxn id="8" idx="0"/>
+            <a:endCxn id="4" idx="2"/>
+          </p:cNvCxnSpPr>
+          <p:nvPr/>
+        </p:nvCxnSpPr>
+        <p:spPr>
+          <a:xfrm flipV="1">
+            <a:off x="2123728" y="2204864"/>
+            <a:ext cx="0" cy="1584176"/>
+          </a:xfrm>
+          <a:prstGeom prst="straightConnector1">
+            <a:avLst/>
+          </a:prstGeom>
+          <a:ln w="38100">
+            <a:tailEnd type="arrow"/>
+          </a:ln>
+        </p:spPr>
+        <p:style>
+          <a:lnRef idx="1">
+            <a:schemeClr val="accent1"/>
+          </a:lnRef>
+          <a:fillRef idx="0">
+            <a:schemeClr val="accent1"/>
+          </a:fillRef>
+          <a:effectRef idx="0">
+            <a:schemeClr val="accent1"/>
+          </a:effectRef>
+          <a:fontRef idx="minor">
+            <a:schemeClr val="tx1"/>
+          </a:fontRef>
+        </p:style>
+      </p:cxnSp>
+      <p:pic>
+        <p:nvPicPr>
+          <p:cNvPr id="7170" name="Picture 2" descr="C:\Users\Usuario\Desktop\charla genéticos\imagenes\generaciones copia.jpg"/>
+          <p:cNvPicPr>
+            <a:picLocks noChangeAspect="1" noChangeArrowheads="1"/>
+          </p:cNvPicPr>
+          <p:nvPr/>
+        </p:nvPicPr>
+        <p:blipFill>
+          <a:blip r:embed="rId2" cstate="print">
+            <a:extLst>
+              <a:ext uri="{28A0092B-C50C-407E-A947-70E740481C1C}">
+                <a14:useLocalDpi xmlns:a14="http://schemas.microsoft.com/office/drawing/2010/main" val="0"/>
+              </a:ext>
+            </a:extLst>
+          </a:blip>
+          <a:srcRect/>
+          <a:stretch>
+            <a:fillRect/>
+          </a:stretch>
+        </p:blipFill>
+        <p:spPr bwMode="auto">
+          <a:xfrm>
+            <a:off x="0" y="5206631"/>
+            <a:ext cx="9144000" cy="1028924"/>
+          </a:xfrm>
+          <a:prstGeom prst="rect">
+            <a:avLst/>
+          </a:prstGeom>
+          <a:noFill/>
+          <a:extLst>
+            <a:ext uri="{909E8E84-426E-40DD-AFC4-6F175D3DCCD1}">
+              <a14:hiddenFill xmlns:a14="http://schemas.microsoft.com/office/drawing/2010/main">
+                <a:solidFill>
+                  <a:srgbClr val="FFFFFF"/>
+                </a:solidFill>
+              </a14:hiddenFill>
+            </a:ext>
+          </a:extLst>
+        </p:spPr>
+      </p:pic>
+      <p:sp>
+        <p:nvSpPr>
+          <p:cNvPr id="17" name="16 CuadroTexto"/>
+          <p:cNvSpPr txBox="1"/>
+          <p:nvPr/>
+        </p:nvSpPr>
+        <p:spPr>
+          <a:xfrm>
+            <a:off x="7884368" y="6597352"/>
+            <a:ext cx="184731" cy="369332"/>
+          </a:xfrm>
+          <a:prstGeom prst="rect">
+            <a:avLst/>
+          </a:prstGeom>
+          <a:noFill/>
+        </p:spPr>
+        <p:txBody>
+          <a:bodyPr wrap="none" rtlCol="0">
+            <a:spAutoFit/>
+          </a:bodyPr>
+          <a:lstStyle/>
+          <a:p>
+            <a:endParaRPr lang="es-ES" dirty="0"/>
+          </a:p>
+        </p:txBody>
+      </p:sp>
+      <p:graphicFrame>
+        <p:nvGraphicFramePr>
+          <p:cNvPr id="18" name="17 Tabla"/>
+          <p:cNvGraphicFramePr>
+            <a:graphicFrameLocks noGrp="1"/>
+          </p:cNvGraphicFramePr>
           <p:nvPr>
-            <p:ph type="title"/>
+            <p:extLst>
+              <p:ext uri="{D42A27DB-BD31-4B8C-83A1-F6EECF244321}">
+                <p14:modId xmlns:p14="http://schemas.microsoft.com/office/powerpoint/2010/main" val="799986323"/>
+              </p:ext>
+            </p:extLst>
           </p:nvPr>
-        </p:nvSpPr>
-        <p:spPr/>
-        <p:txBody>
-          <a:bodyPr/>
+        </p:nvGraphicFramePr>
+        <p:xfrm>
+          <a:off x="8122052" y="6057689"/>
+          <a:ext cx="1037274" cy="236220"/>
+        </p:xfrm>
+        <a:graphic>
+          <a:graphicData uri="http://schemas.openxmlformats.org/drawingml/2006/table">
+            <a:tbl>
+              <a:tblPr/>
+              <a:tblGrid>
+                <a:gridCol w="101600"/>
+                <a:gridCol w="935674"/>
+              </a:tblGrid>
+              <a:tr h="0">
+                <a:tc>
+                  <a:txBody>
+                    <a:bodyPr/>
+                    <a:lstStyle/>
+                    <a:p>
+                      <a:endParaRPr lang="es-ES" sz="1050" dirty="0"/>
+                    </a:p>
+                  </a:txBody>
+                  <a:tcPr marL="38100" marR="38100" marT="38100" marB="38100">
+                    <a:lnL>
+                      <a:noFill/>
+                    </a:lnL>
+                    <a:lnR>
+                      <a:noFill/>
+                    </a:lnR>
+                    <a:lnT>
+                      <a:noFill/>
+                    </a:lnT>
+                    <a:lnB>
+                      <a:noFill/>
+                    </a:lnB>
+                  </a:tcPr>
+                </a:tc>
+                <a:tc>
+                  <a:txBody>
+                    <a:bodyPr/>
+                    <a:lstStyle/>
+                    <a:p>
+                      <a:r>
+                        <a:rPr lang="es-ES" sz="1050" dirty="0" err="1">
+                          <a:hlinkClick r:id="rId3" tooltip="User:Grendelkhan"/>
+                        </a:rPr>
+                        <a:t>Grendelkhan</a:t>
+                      </a:r>
+                      <a:endParaRPr lang="es-ES" sz="1050" dirty="0"/>
+                    </a:p>
+                  </a:txBody>
+                  <a:tcPr marL="38100" marR="38100" marT="38100" marB="38100">
+                    <a:lnL>
+                      <a:noFill/>
+                    </a:lnL>
+                    <a:lnR>
+                      <a:noFill/>
+                    </a:lnR>
+                    <a:lnT>
+                      <a:noFill/>
+                    </a:lnT>
+                    <a:lnB>
+                      <a:noFill/>
+                    </a:lnB>
+                  </a:tcPr>
+                </a:tc>
+              </a:tr>
+            </a:tbl>
+          </a:graphicData>
+        </a:graphic>
+      </p:graphicFrame>
+      <p:sp>
+        <p:nvSpPr>
+          <p:cNvPr id="19" name="18 Rectángulo"/>
+          <p:cNvSpPr/>
+          <p:nvPr/>
+        </p:nvSpPr>
+        <p:spPr>
+          <a:xfrm>
+            <a:off x="5456889" y="6011833"/>
+            <a:ext cx="788999" cy="261610"/>
+          </a:xfrm>
+          <a:prstGeom prst="rect">
+            <a:avLst/>
+          </a:prstGeom>
+          <a:noFill/>
+        </p:spPr>
+        <p:txBody>
+          <a:bodyPr wrap="none">
+            <a:spAutoFit/>
+          </a:bodyPr>
+          <a:lstStyle/>
+          <a:p>
+            <a:r>
+              <a:rPr lang="es-ES" sz="1050" dirty="0">
+                <a:hlinkClick r:id="rId4"/>
+              </a:rPr>
+              <a:t>order_242</a:t>
+            </a:r>
+            <a:endParaRPr lang="es-ES" sz="1050" dirty="0"/>
+          </a:p>
+        </p:txBody>
+      </p:sp>
+      <p:sp>
+        <p:nvSpPr>
+          <p:cNvPr id="20" name="19 Rectángulo"/>
+          <p:cNvSpPr/>
+          <p:nvPr/>
+        </p:nvSpPr>
+        <p:spPr>
+          <a:xfrm>
+            <a:off x="2771800" y="5973945"/>
+            <a:ext cx="1603324" cy="261610"/>
+          </a:xfrm>
+          <a:prstGeom prst="rect">
+            <a:avLst/>
+          </a:prstGeom>
+        </p:spPr>
+        <p:txBody>
+          <a:bodyPr wrap="none">
+            <a:spAutoFit/>
+          </a:bodyPr>
+          <a:lstStyle/>
+          <a:p>
+            <a:r>
+              <a:rPr lang="es-ES" sz="1100" dirty="0">
+                <a:hlinkClick r:id="rId5"/>
+              </a:rPr>
+              <a:t>José Carlos </a:t>
+            </a:r>
+            <a:r>
+              <a:rPr lang="es-ES" sz="1100" dirty="0" err="1">
+                <a:hlinkClick r:id="rId5"/>
+              </a:rPr>
+              <a:t>Cortizo</a:t>
+            </a:r>
+            <a:r>
+              <a:rPr lang="es-ES" sz="1100" dirty="0">
+                <a:hlinkClick r:id="rId5"/>
+              </a:rPr>
+              <a:t> Pérez</a:t>
+            </a:r>
+            <a:endParaRPr lang="es-ES" sz="1100" dirty="0"/>
+          </a:p>
+        </p:txBody>
+      </p:sp>
+      <p:sp>
+        <p:nvSpPr>
+          <p:cNvPr id="21" name="20 CuadroTexto"/>
+          <p:cNvSpPr txBox="1"/>
+          <p:nvPr/>
+        </p:nvSpPr>
+        <p:spPr>
+          <a:xfrm>
+            <a:off x="8388424" y="6382052"/>
+            <a:ext cx="742511" cy="369332"/>
+          </a:xfrm>
+          <a:prstGeom prst="rect">
+            <a:avLst/>
+          </a:prstGeom>
+          <a:noFill/>
+        </p:spPr>
+        <p:txBody>
+          <a:bodyPr wrap="none" rtlCol="0">
+            <a:spAutoFit/>
+          </a:bodyPr>
           <a:lstStyle/>
           <a:p>
             <a:r>
               <a:rPr lang="es-ES" dirty="0" smtClean="0"/>
-              <a:t>Cruzamiento</a:t>
-            </a:r>
-            <a:endParaRPr lang="es-ES" dirty="0"/>
-          </a:p>
-        </p:txBody>
-      </p:sp>
-      <p:sp>
-        <p:nvSpPr>
-          <p:cNvPr id="3" name="2 Marcador de contenido"/>
-          <p:cNvSpPr>
-            <a:spLocks noGrp="1"/>
-          </p:cNvSpPr>
-          <p:nvPr>
-            <p:ph idx="1"/>
-          </p:nvPr>
-        </p:nvSpPr>
-        <p:spPr/>
-        <p:txBody>
-          <a:bodyPr/>
-          <a:lstStyle/>
-          <a:p>
-            <a:r>
-              <a:rPr lang="es-ES" dirty="0" smtClean="0"/>
-              <a:t>Padre 1 : 10010100101010010101</a:t>
-            </a:r>
-          </a:p>
-          <a:p>
-            <a:r>
-              <a:rPr lang="es-ES" dirty="0" smtClean="0"/>
-              <a:t>Padre 2 : 10101001100101001100</a:t>
-            </a:r>
-          </a:p>
-          <a:p>
-            <a:r>
-              <a:rPr lang="es-ES" dirty="0" smtClean="0"/>
-              <a:t>Hijo:        10110100101101001101</a:t>
-            </a:r>
-          </a:p>
-          <a:p>
-            <a:endParaRPr lang="es-ES" dirty="0"/>
-          </a:p>
-          <a:p>
-            <a:r>
-              <a:rPr lang="es-ES" dirty="0" smtClean="0"/>
-              <a:t>Parámetros:</a:t>
-            </a:r>
-          </a:p>
-          <a:p>
-            <a:pPr lvl="1"/>
-            <a:r>
-              <a:rPr lang="es-ES" dirty="0" smtClean="0"/>
-              <a:t>Número de puntos de corte</a:t>
-            </a:r>
-          </a:p>
-          <a:p>
-            <a:pPr lvl="1"/>
-            <a:r>
-              <a:rPr lang="es-ES" dirty="0" smtClean="0"/>
-              <a:t>Posición de los puntos de corte</a:t>
+              <a:t>10/18</a:t>
             </a:r>
             <a:endParaRPr lang="es-ES" dirty="0"/>
           </a:p>
@@ -3454,13 +4465,20 @@
     </p:spTree>
     <p:extLst>
       <p:ext uri="{BB962C8B-B14F-4D97-AF65-F5344CB8AC3E}">
-        <p14:creationId xmlns:p14="http://schemas.microsoft.com/office/powerpoint/2010/main" val="1765149402"/>
+        <p14:creationId xmlns:p14="http://schemas.microsoft.com/office/powerpoint/2010/main" val="2781133528"/>
       </p:ext>
     </p:extLst>
   </p:cSld>
   <p:clrMapOvr>
     <a:masterClrMapping/>
   </p:clrMapOvr>
+  <p:timing>
+    <p:tnLst>
+      <p:par>
+        <p:cTn id="1" dur="indefinite" restart="never" nodeType="tmRoot"/>
+      </p:par>
+    </p:tnLst>
+  </p:timing>
 </p:sld>
 </file>
 
@@ -3483,98 +4501,6 @@
       </p:grpSpPr>
       <p:sp>
         <p:nvSpPr>
-          <p:cNvPr id="4" name="3 Rectángulo"/>
-          <p:cNvSpPr/>
-          <p:nvPr/>
-        </p:nvSpPr>
-        <p:spPr>
-          <a:xfrm>
-            <a:off x="5364088" y="3429000"/>
-            <a:ext cx="216024" cy="1008112"/>
-          </a:xfrm>
-          <a:prstGeom prst="rect">
-            <a:avLst/>
-          </a:prstGeom>
-          <a:solidFill>
-            <a:schemeClr val="tx2">
-              <a:lumMod val="40000"/>
-              <a:lumOff val="60000"/>
-            </a:schemeClr>
-          </a:solidFill>
-        </p:spPr>
-        <p:style>
-          <a:lnRef idx="2">
-            <a:schemeClr val="accent1">
-              <a:shade val="50000"/>
-            </a:schemeClr>
-          </a:lnRef>
-          <a:fillRef idx="1">
-            <a:schemeClr val="accent1"/>
-          </a:fillRef>
-          <a:effectRef idx="0">
-            <a:schemeClr val="accent1"/>
-          </a:effectRef>
-          <a:fontRef idx="minor">
-            <a:schemeClr val="lt1"/>
-          </a:fontRef>
-        </p:style>
-        <p:txBody>
-          <a:bodyPr rtlCol="0" anchor="ctr"/>
-          <a:lstStyle/>
-          <a:p>
-            <a:pPr algn="ctr"/>
-            <a:endParaRPr lang="es-ES"/>
-          </a:p>
-        </p:txBody>
-      </p:sp>
-      <p:sp>
-        <p:nvSpPr>
-          <p:cNvPr id="5" name="4 Rectángulo"/>
-          <p:cNvSpPr/>
-          <p:nvPr/>
-        </p:nvSpPr>
-        <p:spPr>
-          <a:xfrm>
-            <a:off x="7020272" y="3429000"/>
-            <a:ext cx="216024" cy="1008112"/>
-          </a:xfrm>
-          <a:prstGeom prst="rect">
-            <a:avLst/>
-          </a:prstGeom>
-          <a:solidFill>
-            <a:schemeClr val="tx2">
-              <a:lumMod val="40000"/>
-              <a:lumOff val="60000"/>
-            </a:schemeClr>
-          </a:solidFill>
-        </p:spPr>
-        <p:style>
-          <a:lnRef idx="2">
-            <a:schemeClr val="accent1">
-              <a:shade val="50000"/>
-            </a:schemeClr>
-          </a:lnRef>
-          <a:fillRef idx="1">
-            <a:schemeClr val="accent1"/>
-          </a:fillRef>
-          <a:effectRef idx="0">
-            <a:schemeClr val="accent1"/>
-          </a:effectRef>
-          <a:fontRef idx="minor">
-            <a:schemeClr val="lt1"/>
-          </a:fontRef>
-        </p:style>
-        <p:txBody>
-          <a:bodyPr rtlCol="0" anchor="ctr"/>
-          <a:lstStyle/>
-          <a:p>
-            <a:pPr algn="ctr"/>
-            <a:endParaRPr lang="es-ES"/>
-          </a:p>
-        </p:txBody>
-      </p:sp>
-      <p:sp>
-        <p:nvSpPr>
           <p:cNvPr id="2" name="1 Título"/>
           <p:cNvSpPr>
             <a:spLocks noGrp="1"/>
@@ -3590,7 +4516,7 @@
           <a:p>
             <a:r>
               <a:rPr lang="es-ES" dirty="0" smtClean="0"/>
-              <a:t>Mutación</a:t>
+              <a:t>Selección</a:t>
             </a:r>
             <a:endParaRPr lang="es-ES" dirty="0"/>
           </a:p>
@@ -3606,113 +4532,100 @@
             <p:ph idx="1"/>
           </p:nvPr>
         </p:nvSpPr>
+        <p:spPr/>
+        <p:txBody>
+          <a:bodyPr/>
+          <a:lstStyle/>
+          <a:p>
+            <a:r>
+              <a:rPr lang="es-ES" dirty="0" smtClean="0"/>
+              <a:t>Mortalidad diferencial, aleatoria o </a:t>
+            </a:r>
+            <a:r>
+              <a:rPr lang="es-ES" dirty="0" err="1" smtClean="0"/>
+              <a:t>semi</a:t>
+            </a:r>
+            <a:r>
+              <a:rPr lang="es-ES" dirty="0" smtClean="0"/>
+              <a:t>-aleatoria</a:t>
+            </a:r>
+          </a:p>
+          <a:p>
+            <a:r>
+              <a:rPr lang="es-ES" dirty="0" smtClean="0"/>
+              <a:t>Elegir qué individuos mueren y cuáles se reproducen</a:t>
+            </a:r>
+          </a:p>
+          <a:p>
+            <a:r>
+              <a:rPr lang="es-ES" dirty="0" smtClean="0"/>
+              <a:t>Equilibrio:</a:t>
+            </a:r>
+          </a:p>
+          <a:p>
+            <a:pPr lvl="1"/>
+            <a:r>
+              <a:rPr lang="es-ES" dirty="0" smtClean="0"/>
+              <a:t>Suficientes plazas para la siguiente generación</a:t>
+            </a:r>
+          </a:p>
+          <a:p>
+            <a:pPr lvl="1"/>
+            <a:r>
+              <a:rPr lang="es-ES" dirty="0" smtClean="0"/>
+              <a:t>Pérdida de información</a:t>
+            </a:r>
+            <a:endParaRPr lang="es-ES" dirty="0"/>
+          </a:p>
+        </p:txBody>
+      </p:sp>
+      <p:sp>
+        <p:nvSpPr>
+          <p:cNvPr id="5" name="4 CuadroTexto"/>
+          <p:cNvSpPr txBox="1"/>
+          <p:nvPr/>
+        </p:nvSpPr>
         <p:spPr>
           <a:xfrm>
-            <a:off x="457200" y="1600200"/>
-            <a:ext cx="8229600" cy="4853136"/>
-          </a:xfrm>
-        </p:spPr>
-        <p:txBody>
-          <a:bodyPr>
-            <a:normAutofit/>
-          </a:bodyPr>
-          <a:lstStyle/>
-          <a:p>
-            <a:r>
-              <a:rPr lang="es-ES" dirty="0" smtClean="0"/>
-              <a:t>Añade variedad al acervo genético (gene pool)</a:t>
-            </a:r>
-          </a:p>
-          <a:p>
-            <a:r>
-              <a:rPr lang="es-ES" dirty="0" smtClean="0"/>
-              <a:t>Permite explorar soluciones nuevas</a:t>
-            </a:r>
-          </a:p>
-          <a:p>
-            <a:endParaRPr lang="es-ES" dirty="0"/>
-          </a:p>
-          <a:p>
-            <a:r>
-              <a:rPr lang="es-ES" dirty="0" smtClean="0"/>
-              <a:t>Antes de la mutación:     1001010010101</a:t>
-            </a:r>
-          </a:p>
-          <a:p>
-            <a:r>
-              <a:rPr lang="es-ES" dirty="0" smtClean="0"/>
-              <a:t>Después de la mutación:1011010010001</a:t>
-            </a:r>
-          </a:p>
-          <a:p>
-            <a:endParaRPr lang="es-ES" dirty="0"/>
-          </a:p>
-          <a:p>
-            <a:r>
-              <a:rPr lang="es-ES" dirty="0" smtClean="0"/>
-              <a:t>Importancia de la variedad</a:t>
-            </a:r>
-            <a:br>
-              <a:rPr lang="es-ES" dirty="0" smtClean="0"/>
-            </a:br>
-            <a:r>
-              <a:rPr lang="es-ES" dirty="0" smtClean="0"/>
-              <a:t>genética</a:t>
-            </a:r>
-          </a:p>
-        </p:txBody>
-      </p:sp>
-      <p:pic>
-        <p:nvPicPr>
-          <p:cNvPr id="5122" name="Picture 2" descr="C:\Users\Usuario\Desktop\charla genéticos\imagenes\Bananen_Frucht.jpg"/>
-          <p:cNvPicPr>
-            <a:picLocks noChangeAspect="1" noChangeArrowheads="1"/>
-          </p:cNvPicPr>
-          <p:nvPr/>
-        </p:nvPicPr>
-        <p:blipFill>
-          <a:blip r:embed="rId2" cstate="print">
-            <a:extLst>
-              <a:ext uri="{28A0092B-C50C-407E-A947-70E740481C1C}">
-                <a14:useLocalDpi xmlns:a14="http://schemas.microsoft.com/office/drawing/2010/main" val="0"/>
-              </a:ext>
-            </a:extLst>
-          </a:blip>
-          <a:srcRect/>
-          <a:stretch>
-            <a:fillRect/>
-          </a:stretch>
-        </p:blipFill>
-        <p:spPr bwMode="auto">
-          <a:xfrm rot="16200000">
-            <a:off x="6227249" y="3955302"/>
-            <a:ext cx="1516204" cy="3199903"/>
+            <a:off x="8388424" y="6382052"/>
+            <a:ext cx="742511" cy="369332"/>
           </a:xfrm>
           <a:prstGeom prst="rect">
             <a:avLst/>
           </a:prstGeom>
           <a:noFill/>
-          <a:extLst>
-            <a:ext uri="{909E8E84-426E-40DD-AFC4-6F175D3DCCD1}">
-              <a14:hiddenFill xmlns:a14="http://schemas.microsoft.com/office/drawing/2010/main">
-                <a:solidFill>
-                  <a:srgbClr val="FFFFFF"/>
-                </a:solidFill>
-              </a14:hiddenFill>
-            </a:ext>
-          </a:extLst>
-        </p:spPr>
-      </p:pic>
+        </p:spPr>
+        <p:txBody>
+          <a:bodyPr wrap="none" rtlCol="0">
+            <a:spAutoFit/>
+          </a:bodyPr>
+          <a:lstStyle/>
+          <a:p>
+            <a:r>
+              <a:rPr lang="es-ES" dirty="0" smtClean="0"/>
+              <a:t>11/18</a:t>
+            </a:r>
+            <a:endParaRPr lang="es-ES" dirty="0"/>
+          </a:p>
+        </p:txBody>
+      </p:sp>
     </p:spTree>
     <p:extLst>
       <p:ext uri="{BB962C8B-B14F-4D97-AF65-F5344CB8AC3E}">
-        <p14:creationId xmlns:p14="http://schemas.microsoft.com/office/powerpoint/2010/main" val="1397868507"/>
+        <p14:creationId xmlns:p14="http://schemas.microsoft.com/office/powerpoint/2010/main" val="2205181209"/>
       </p:ext>
     </p:extLst>
   </p:cSld>
   <p:clrMapOvr>
     <a:masterClrMapping/>
   </p:clrMapOvr>
+  <p:timing>
+    <p:tnLst>
+      <p:par>
+        <p:cTn id="1" dur="indefinite" restart="never" nodeType="tmRoot"/>
+      </p:par>
+    </p:tnLst>
+  </p:timing>
 </p:sld>
 </file>
 
@@ -3750,7 +4663,7 @@
           <a:p>
             <a:r>
               <a:rPr lang="es-ES" dirty="0" smtClean="0"/>
-              <a:t>Apertura y cierre del algoritmo</a:t>
+              <a:t>Reproducción</a:t>
             </a:r>
             <a:endParaRPr lang="es-ES" dirty="0"/>
           </a:p>
@@ -3768,6 +4681,798 @@
         </p:nvSpPr>
         <p:spPr/>
         <p:txBody>
+          <a:bodyPr>
+            <a:normAutofit lnSpcReduction="10000"/>
+          </a:bodyPr>
+          <a:lstStyle/>
+          <a:p>
+            <a:r>
+              <a:rPr lang="es-ES" dirty="0" smtClean="0"/>
+              <a:t>Reproducción diferencial, aleatoria o </a:t>
+            </a:r>
+            <a:r>
+              <a:rPr lang="es-ES" dirty="0" err="1" smtClean="0"/>
+              <a:t>semi</a:t>
+            </a:r>
+            <a:r>
+              <a:rPr lang="es-ES" dirty="0" smtClean="0"/>
+              <a:t>-aleatoria.</a:t>
+            </a:r>
+          </a:p>
+          <a:p>
+            <a:r>
+              <a:rPr lang="es-ES" dirty="0" smtClean="0"/>
+              <a:t>Genera una población nueva </a:t>
+            </a:r>
+            <a:r>
+              <a:rPr lang="es-ES" dirty="0" smtClean="0"/>
+              <a:t/>
+            </a:r>
+            <a:br>
+              <a:rPr lang="es-ES" dirty="0" smtClean="0"/>
+            </a:br>
+            <a:r>
+              <a:rPr lang="es-ES" dirty="0" smtClean="0"/>
+              <a:t>para </a:t>
+            </a:r>
+            <a:r>
+              <a:rPr lang="es-ES" dirty="0" smtClean="0"/>
+              <a:t>la siguiente generación.</a:t>
+            </a:r>
+          </a:p>
+          <a:p>
+            <a:r>
+              <a:rPr lang="es-ES" dirty="0" smtClean="0"/>
+              <a:t>2 fases:</a:t>
+            </a:r>
+          </a:p>
+          <a:p>
+            <a:pPr lvl="1"/>
+            <a:r>
+              <a:rPr lang="es-ES" dirty="0" smtClean="0"/>
+              <a:t>Cruzamiento</a:t>
+            </a:r>
+          </a:p>
+          <a:p>
+            <a:pPr lvl="1"/>
+            <a:r>
+              <a:rPr lang="es-ES" dirty="0" smtClean="0"/>
+              <a:t>Mutación </a:t>
+            </a:r>
+          </a:p>
+          <a:p>
+            <a:r>
+              <a:rPr lang="es-ES" dirty="0" smtClean="0"/>
+              <a:t>Si se conservan pocos de la </a:t>
+            </a:r>
+            <a:r>
+              <a:rPr lang="es-ES" dirty="0" smtClean="0"/>
+              <a:t/>
+            </a:r>
+            <a:br>
+              <a:rPr lang="es-ES" dirty="0" smtClean="0"/>
+            </a:br>
+            <a:r>
+              <a:rPr lang="es-ES" dirty="0" smtClean="0"/>
+              <a:t>generación </a:t>
+            </a:r>
+            <a:r>
+              <a:rPr lang="es-ES" dirty="0" smtClean="0"/>
+              <a:t>anterior: Elite Clones</a:t>
+            </a:r>
+          </a:p>
+        </p:txBody>
+      </p:sp>
+      <p:pic>
+        <p:nvPicPr>
+          <p:cNvPr id="4098" name="Picture 2" descr="C:\Users\Usuario\Desktop\charla genéticos\imagenes\snuz.JPG"/>
+          <p:cNvPicPr>
+            <a:picLocks noChangeAspect="1" noChangeArrowheads="1"/>
+          </p:cNvPicPr>
+          <p:nvPr/>
+        </p:nvPicPr>
+        <p:blipFill>
+          <a:blip r:embed="rId2">
+            <a:extLst>
+              <a:ext uri="{28A0092B-C50C-407E-A947-70E740481C1C}">
+                <a14:useLocalDpi xmlns:a14="http://schemas.microsoft.com/office/drawing/2010/main" val="0"/>
+              </a:ext>
+            </a:extLst>
+          </a:blip>
+          <a:srcRect/>
+          <a:stretch>
+            <a:fillRect/>
+          </a:stretch>
+        </p:blipFill>
+        <p:spPr bwMode="auto">
+          <a:xfrm>
+            <a:off x="5944962" y="2276872"/>
+            <a:ext cx="3199038" cy="3168352"/>
+          </a:xfrm>
+          <a:prstGeom prst="rect">
+            <a:avLst/>
+          </a:prstGeom>
+          <a:noFill/>
+          <a:extLst>
+            <a:ext uri="{909E8E84-426E-40DD-AFC4-6F175D3DCCD1}">
+              <a14:hiddenFill xmlns:a14="http://schemas.microsoft.com/office/drawing/2010/main">
+                <a:solidFill>
+                  <a:srgbClr val="FFFFFF"/>
+                </a:solidFill>
+              </a14:hiddenFill>
+            </a:ext>
+          </a:extLst>
+        </p:spPr>
+      </p:pic>
+      <p:sp>
+        <p:nvSpPr>
+          <p:cNvPr id="6" name="5 CuadroTexto"/>
+          <p:cNvSpPr txBox="1"/>
+          <p:nvPr/>
+        </p:nvSpPr>
+        <p:spPr>
+          <a:xfrm>
+            <a:off x="8388424" y="6382052"/>
+            <a:ext cx="742511" cy="369332"/>
+          </a:xfrm>
+          <a:prstGeom prst="rect">
+            <a:avLst/>
+          </a:prstGeom>
+          <a:noFill/>
+        </p:spPr>
+        <p:txBody>
+          <a:bodyPr wrap="none" rtlCol="0">
+            <a:spAutoFit/>
+          </a:bodyPr>
+          <a:lstStyle/>
+          <a:p>
+            <a:r>
+              <a:rPr lang="es-ES" dirty="0" smtClean="0"/>
+              <a:t>12/18</a:t>
+            </a:r>
+            <a:endParaRPr lang="es-ES" dirty="0"/>
+          </a:p>
+        </p:txBody>
+      </p:sp>
+    </p:spTree>
+    <p:extLst>
+      <p:ext uri="{BB962C8B-B14F-4D97-AF65-F5344CB8AC3E}">
+        <p14:creationId xmlns:p14="http://schemas.microsoft.com/office/powerpoint/2010/main" val="990687312"/>
+      </p:ext>
+    </p:extLst>
+  </p:cSld>
+  <p:clrMapOvr>
+    <a:masterClrMapping/>
+  </p:clrMapOvr>
+  <p:timing>
+    <p:tnLst>
+      <p:par>
+        <p:cTn id="1" dur="indefinite" restart="never" nodeType="tmRoot"/>
+      </p:par>
+    </p:tnLst>
+  </p:timing>
+</p:sld>
+</file>
+
+<file path=ppt/slides/slide13.xml><?xml version="1.0" encoding="utf-8"?>
+<p:sld xmlns:a="http://schemas.openxmlformats.org/drawingml/2006/main" xmlns:r="http://schemas.openxmlformats.org/officeDocument/2006/relationships" xmlns:p="http://schemas.openxmlformats.org/presentationml/2006/main">
+  <p:cSld>
+    <p:spTree>
+      <p:nvGrpSpPr>
+        <p:cNvPr id="1" name=""/>
+        <p:cNvGrpSpPr/>
+        <p:nvPr/>
+      </p:nvGrpSpPr>
+      <p:grpSpPr>
+        <a:xfrm>
+          <a:off x="0" y="0"/>
+          <a:ext cx="0" cy="0"/>
+          <a:chOff x="0" y="0"/>
+          <a:chExt cx="0" cy="0"/>
+        </a:xfrm>
+      </p:grpSpPr>
+      <p:sp>
+        <p:nvSpPr>
+          <p:cNvPr id="4" name="3 Rectángulo"/>
+          <p:cNvSpPr/>
+          <p:nvPr/>
+        </p:nvSpPr>
+        <p:spPr>
+          <a:xfrm>
+            <a:off x="2411760" y="2204864"/>
+            <a:ext cx="648072" cy="504056"/>
+          </a:xfrm>
+          <a:prstGeom prst="rect">
+            <a:avLst/>
+          </a:prstGeom>
+          <a:solidFill>
+            <a:schemeClr val="accent5">
+              <a:lumMod val="40000"/>
+              <a:lumOff val="60000"/>
+            </a:schemeClr>
+          </a:solidFill>
+        </p:spPr>
+        <p:style>
+          <a:lnRef idx="2">
+            <a:schemeClr val="accent1">
+              <a:shade val="50000"/>
+            </a:schemeClr>
+          </a:lnRef>
+          <a:fillRef idx="1">
+            <a:schemeClr val="accent1"/>
+          </a:fillRef>
+          <a:effectRef idx="0">
+            <a:schemeClr val="accent1"/>
+          </a:effectRef>
+          <a:fontRef idx="minor">
+            <a:schemeClr val="lt1"/>
+          </a:fontRef>
+        </p:style>
+        <p:txBody>
+          <a:bodyPr rtlCol="0" anchor="ctr"/>
+          <a:lstStyle/>
+          <a:p>
+            <a:pPr algn="ctr"/>
+            <a:endParaRPr lang="es-ES"/>
+          </a:p>
+        </p:txBody>
+      </p:sp>
+      <p:sp>
+        <p:nvSpPr>
+          <p:cNvPr id="5" name="4 Rectángulo"/>
+          <p:cNvSpPr/>
+          <p:nvPr/>
+        </p:nvSpPr>
+        <p:spPr>
+          <a:xfrm>
+            <a:off x="3059832" y="1700808"/>
+            <a:ext cx="1656184" cy="504056"/>
+          </a:xfrm>
+          <a:prstGeom prst="rect">
+            <a:avLst/>
+          </a:prstGeom>
+          <a:solidFill>
+            <a:schemeClr val="accent5">
+              <a:lumMod val="40000"/>
+              <a:lumOff val="60000"/>
+            </a:schemeClr>
+          </a:solidFill>
+        </p:spPr>
+        <p:style>
+          <a:lnRef idx="2">
+            <a:schemeClr val="accent1">
+              <a:shade val="50000"/>
+            </a:schemeClr>
+          </a:lnRef>
+          <a:fillRef idx="1">
+            <a:schemeClr val="accent1"/>
+          </a:fillRef>
+          <a:effectRef idx="0">
+            <a:schemeClr val="accent1"/>
+          </a:effectRef>
+          <a:fontRef idx="minor">
+            <a:schemeClr val="lt1"/>
+          </a:fontRef>
+        </p:style>
+        <p:txBody>
+          <a:bodyPr rtlCol="0" anchor="ctr"/>
+          <a:lstStyle/>
+          <a:p>
+            <a:pPr algn="ctr"/>
+            <a:endParaRPr lang="es-ES"/>
+          </a:p>
+        </p:txBody>
+      </p:sp>
+      <p:sp>
+        <p:nvSpPr>
+          <p:cNvPr id="6" name="5 Rectángulo"/>
+          <p:cNvSpPr/>
+          <p:nvPr/>
+        </p:nvSpPr>
+        <p:spPr>
+          <a:xfrm>
+            <a:off x="4716016" y="2204864"/>
+            <a:ext cx="1368152" cy="504056"/>
+          </a:xfrm>
+          <a:prstGeom prst="rect">
+            <a:avLst/>
+          </a:prstGeom>
+          <a:solidFill>
+            <a:schemeClr val="accent5">
+              <a:lumMod val="40000"/>
+              <a:lumOff val="60000"/>
+            </a:schemeClr>
+          </a:solidFill>
+        </p:spPr>
+        <p:style>
+          <a:lnRef idx="2">
+            <a:schemeClr val="accent1">
+              <a:shade val="50000"/>
+            </a:schemeClr>
+          </a:lnRef>
+          <a:fillRef idx="1">
+            <a:schemeClr val="accent1"/>
+          </a:fillRef>
+          <a:effectRef idx="0">
+            <a:schemeClr val="accent1"/>
+          </a:effectRef>
+          <a:fontRef idx="minor">
+            <a:schemeClr val="lt1"/>
+          </a:fontRef>
+        </p:style>
+        <p:txBody>
+          <a:bodyPr rtlCol="0" anchor="ctr"/>
+          <a:lstStyle/>
+          <a:p>
+            <a:pPr algn="ctr"/>
+            <a:endParaRPr lang="es-ES"/>
+          </a:p>
+        </p:txBody>
+      </p:sp>
+      <p:sp>
+        <p:nvSpPr>
+          <p:cNvPr id="7" name="6 Rectángulo"/>
+          <p:cNvSpPr/>
+          <p:nvPr/>
+        </p:nvSpPr>
+        <p:spPr>
+          <a:xfrm>
+            <a:off x="6084168" y="1700808"/>
+            <a:ext cx="432048" cy="504056"/>
+          </a:xfrm>
+          <a:prstGeom prst="rect">
+            <a:avLst/>
+          </a:prstGeom>
+          <a:solidFill>
+            <a:schemeClr val="accent5">
+              <a:lumMod val="40000"/>
+              <a:lumOff val="60000"/>
+            </a:schemeClr>
+          </a:solidFill>
+        </p:spPr>
+        <p:style>
+          <a:lnRef idx="2">
+            <a:schemeClr val="accent1">
+              <a:shade val="50000"/>
+            </a:schemeClr>
+          </a:lnRef>
+          <a:fillRef idx="1">
+            <a:schemeClr val="accent1"/>
+          </a:fillRef>
+          <a:effectRef idx="0">
+            <a:schemeClr val="accent1"/>
+          </a:effectRef>
+          <a:fontRef idx="minor">
+            <a:schemeClr val="lt1"/>
+          </a:fontRef>
+        </p:style>
+        <p:txBody>
+          <a:bodyPr rtlCol="0" anchor="ctr"/>
+          <a:lstStyle/>
+          <a:p>
+            <a:pPr algn="ctr"/>
+            <a:endParaRPr lang="es-ES"/>
+          </a:p>
+        </p:txBody>
+      </p:sp>
+      <p:sp>
+        <p:nvSpPr>
+          <p:cNvPr id="2" name="1 Título"/>
+          <p:cNvSpPr>
+            <a:spLocks noGrp="1"/>
+          </p:cNvSpPr>
+          <p:nvPr>
+            <p:ph type="title"/>
+          </p:nvPr>
+        </p:nvSpPr>
+        <p:spPr/>
+        <p:txBody>
+          <a:bodyPr/>
+          <a:lstStyle/>
+          <a:p>
+            <a:r>
+              <a:rPr lang="es-ES" dirty="0" smtClean="0"/>
+              <a:t>Cruzamiento</a:t>
+            </a:r>
+            <a:endParaRPr lang="es-ES" dirty="0"/>
+          </a:p>
+        </p:txBody>
+      </p:sp>
+      <p:sp>
+        <p:nvSpPr>
+          <p:cNvPr id="3" name="2 Marcador de contenido"/>
+          <p:cNvSpPr>
+            <a:spLocks noGrp="1"/>
+          </p:cNvSpPr>
+          <p:nvPr>
+            <p:ph idx="1"/>
+          </p:nvPr>
+        </p:nvSpPr>
+        <p:spPr/>
+        <p:txBody>
+          <a:bodyPr/>
+          <a:lstStyle/>
+          <a:p>
+            <a:r>
+              <a:rPr lang="es-ES" dirty="0" smtClean="0"/>
+              <a:t>Padre 1 : 10010100101010010101</a:t>
+            </a:r>
+          </a:p>
+          <a:p>
+            <a:r>
+              <a:rPr lang="es-ES" dirty="0" smtClean="0"/>
+              <a:t>Padre 2 : 10101001100101001100</a:t>
+            </a:r>
+          </a:p>
+          <a:p>
+            <a:r>
+              <a:rPr lang="es-ES" dirty="0" smtClean="0"/>
+              <a:t>Hijo:        10110100101101001101</a:t>
+            </a:r>
+          </a:p>
+          <a:p>
+            <a:endParaRPr lang="es-ES" dirty="0"/>
+          </a:p>
+          <a:p>
+            <a:r>
+              <a:rPr lang="es-ES" dirty="0" smtClean="0"/>
+              <a:t>Parámetros:</a:t>
+            </a:r>
+          </a:p>
+          <a:p>
+            <a:pPr lvl="1"/>
+            <a:r>
+              <a:rPr lang="es-ES" dirty="0" smtClean="0"/>
+              <a:t>Número de puntos de corte</a:t>
+            </a:r>
+          </a:p>
+          <a:p>
+            <a:pPr lvl="1"/>
+            <a:r>
+              <a:rPr lang="es-ES" dirty="0" smtClean="0"/>
+              <a:t>Posición de los puntos de corte</a:t>
+            </a:r>
+            <a:endParaRPr lang="es-ES" dirty="0"/>
+          </a:p>
+        </p:txBody>
+      </p:sp>
+      <p:sp>
+        <p:nvSpPr>
+          <p:cNvPr id="9" name="8 CuadroTexto"/>
+          <p:cNvSpPr txBox="1"/>
+          <p:nvPr/>
+        </p:nvSpPr>
+        <p:spPr>
+          <a:xfrm>
+            <a:off x="8388424" y="6382052"/>
+            <a:ext cx="742511" cy="369332"/>
+          </a:xfrm>
+          <a:prstGeom prst="rect">
+            <a:avLst/>
+          </a:prstGeom>
+          <a:noFill/>
+        </p:spPr>
+        <p:txBody>
+          <a:bodyPr wrap="none" rtlCol="0">
+            <a:spAutoFit/>
+          </a:bodyPr>
+          <a:lstStyle/>
+          <a:p>
+            <a:r>
+              <a:rPr lang="es-ES" dirty="0" smtClean="0"/>
+              <a:t>13/18</a:t>
+            </a:r>
+            <a:endParaRPr lang="es-ES" dirty="0"/>
+          </a:p>
+        </p:txBody>
+      </p:sp>
+    </p:spTree>
+    <p:extLst>
+      <p:ext uri="{BB962C8B-B14F-4D97-AF65-F5344CB8AC3E}">
+        <p14:creationId xmlns:p14="http://schemas.microsoft.com/office/powerpoint/2010/main" val="1765149402"/>
+      </p:ext>
+    </p:extLst>
+  </p:cSld>
+  <p:clrMapOvr>
+    <a:masterClrMapping/>
+  </p:clrMapOvr>
+  <p:timing>
+    <p:tnLst>
+      <p:par>
+        <p:cTn id="1" dur="indefinite" restart="never" nodeType="tmRoot"/>
+      </p:par>
+    </p:tnLst>
+  </p:timing>
+</p:sld>
+</file>
+
+<file path=ppt/slides/slide14.xml><?xml version="1.0" encoding="utf-8"?>
+<p:sld xmlns:a="http://schemas.openxmlformats.org/drawingml/2006/main" xmlns:r="http://schemas.openxmlformats.org/officeDocument/2006/relationships" xmlns:p="http://schemas.openxmlformats.org/presentationml/2006/main">
+  <p:cSld>
+    <p:spTree>
+      <p:nvGrpSpPr>
+        <p:cNvPr id="1" name=""/>
+        <p:cNvGrpSpPr/>
+        <p:nvPr/>
+      </p:nvGrpSpPr>
+      <p:grpSpPr>
+        <a:xfrm>
+          <a:off x="0" y="0"/>
+          <a:ext cx="0" cy="0"/>
+          <a:chOff x="0" y="0"/>
+          <a:chExt cx="0" cy="0"/>
+        </a:xfrm>
+      </p:grpSpPr>
+      <p:sp>
+        <p:nvSpPr>
+          <p:cNvPr id="4" name="3 Rectángulo"/>
+          <p:cNvSpPr/>
+          <p:nvPr/>
+        </p:nvSpPr>
+        <p:spPr>
+          <a:xfrm>
+            <a:off x="5364088" y="3429000"/>
+            <a:ext cx="216024" cy="1008112"/>
+          </a:xfrm>
+          <a:prstGeom prst="rect">
+            <a:avLst/>
+          </a:prstGeom>
+          <a:solidFill>
+            <a:schemeClr val="tx2">
+              <a:lumMod val="40000"/>
+              <a:lumOff val="60000"/>
+            </a:schemeClr>
+          </a:solidFill>
+        </p:spPr>
+        <p:style>
+          <a:lnRef idx="2">
+            <a:schemeClr val="accent1">
+              <a:shade val="50000"/>
+            </a:schemeClr>
+          </a:lnRef>
+          <a:fillRef idx="1">
+            <a:schemeClr val="accent1"/>
+          </a:fillRef>
+          <a:effectRef idx="0">
+            <a:schemeClr val="accent1"/>
+          </a:effectRef>
+          <a:fontRef idx="minor">
+            <a:schemeClr val="lt1"/>
+          </a:fontRef>
+        </p:style>
+        <p:txBody>
+          <a:bodyPr rtlCol="0" anchor="ctr"/>
+          <a:lstStyle/>
+          <a:p>
+            <a:pPr algn="ctr"/>
+            <a:endParaRPr lang="es-ES"/>
+          </a:p>
+        </p:txBody>
+      </p:sp>
+      <p:sp>
+        <p:nvSpPr>
+          <p:cNvPr id="5" name="4 Rectángulo"/>
+          <p:cNvSpPr/>
+          <p:nvPr/>
+        </p:nvSpPr>
+        <p:spPr>
+          <a:xfrm>
+            <a:off x="7020272" y="3429000"/>
+            <a:ext cx="216024" cy="1008112"/>
+          </a:xfrm>
+          <a:prstGeom prst="rect">
+            <a:avLst/>
+          </a:prstGeom>
+          <a:solidFill>
+            <a:schemeClr val="tx2">
+              <a:lumMod val="40000"/>
+              <a:lumOff val="60000"/>
+            </a:schemeClr>
+          </a:solidFill>
+        </p:spPr>
+        <p:style>
+          <a:lnRef idx="2">
+            <a:schemeClr val="accent1">
+              <a:shade val="50000"/>
+            </a:schemeClr>
+          </a:lnRef>
+          <a:fillRef idx="1">
+            <a:schemeClr val="accent1"/>
+          </a:fillRef>
+          <a:effectRef idx="0">
+            <a:schemeClr val="accent1"/>
+          </a:effectRef>
+          <a:fontRef idx="minor">
+            <a:schemeClr val="lt1"/>
+          </a:fontRef>
+        </p:style>
+        <p:txBody>
+          <a:bodyPr rtlCol="0" anchor="ctr"/>
+          <a:lstStyle/>
+          <a:p>
+            <a:pPr algn="ctr"/>
+            <a:endParaRPr lang="es-ES"/>
+          </a:p>
+        </p:txBody>
+      </p:sp>
+      <p:sp>
+        <p:nvSpPr>
+          <p:cNvPr id="2" name="1 Título"/>
+          <p:cNvSpPr>
+            <a:spLocks noGrp="1"/>
+          </p:cNvSpPr>
+          <p:nvPr>
+            <p:ph type="title"/>
+          </p:nvPr>
+        </p:nvSpPr>
+        <p:spPr/>
+        <p:txBody>
+          <a:bodyPr/>
+          <a:lstStyle/>
+          <a:p>
+            <a:r>
+              <a:rPr lang="es-ES" dirty="0" smtClean="0"/>
+              <a:t>Mutación</a:t>
+            </a:r>
+            <a:endParaRPr lang="es-ES" dirty="0"/>
+          </a:p>
+        </p:txBody>
+      </p:sp>
+      <p:sp>
+        <p:nvSpPr>
+          <p:cNvPr id="3" name="2 Marcador de contenido"/>
+          <p:cNvSpPr>
+            <a:spLocks noGrp="1"/>
+          </p:cNvSpPr>
+          <p:nvPr>
+            <p:ph idx="1"/>
+          </p:nvPr>
+        </p:nvSpPr>
+        <p:spPr>
+          <a:xfrm>
+            <a:off x="457200" y="1600200"/>
+            <a:ext cx="8229600" cy="4853136"/>
+          </a:xfrm>
+        </p:spPr>
+        <p:txBody>
+          <a:bodyPr>
+            <a:normAutofit/>
+          </a:bodyPr>
+          <a:lstStyle/>
+          <a:p>
+            <a:r>
+              <a:rPr lang="es-ES" dirty="0" smtClean="0"/>
+              <a:t>Añade variedad al acervo genético (gene pool)</a:t>
+            </a:r>
+          </a:p>
+          <a:p>
+            <a:r>
+              <a:rPr lang="es-ES" dirty="0" smtClean="0"/>
+              <a:t>Permite explorar soluciones nuevas</a:t>
+            </a:r>
+          </a:p>
+          <a:p>
+            <a:endParaRPr lang="es-ES" dirty="0"/>
+          </a:p>
+          <a:p>
+            <a:r>
+              <a:rPr lang="es-ES" dirty="0" smtClean="0"/>
+              <a:t>Antes de la mutación:     1001010010101</a:t>
+            </a:r>
+          </a:p>
+          <a:p>
+            <a:r>
+              <a:rPr lang="es-ES" dirty="0" smtClean="0"/>
+              <a:t>Después de la mutación:1011010010001</a:t>
+            </a:r>
+          </a:p>
+          <a:p>
+            <a:endParaRPr lang="es-ES" dirty="0"/>
+          </a:p>
+        </p:txBody>
+      </p:sp>
+      <p:sp>
+        <p:nvSpPr>
+          <p:cNvPr id="8" name="7 CuadroTexto"/>
+          <p:cNvSpPr txBox="1"/>
+          <p:nvPr/>
+        </p:nvSpPr>
+        <p:spPr>
+          <a:xfrm>
+            <a:off x="8388424" y="6382052"/>
+            <a:ext cx="742511" cy="369332"/>
+          </a:xfrm>
+          <a:prstGeom prst="rect">
+            <a:avLst/>
+          </a:prstGeom>
+          <a:noFill/>
+        </p:spPr>
+        <p:txBody>
+          <a:bodyPr wrap="none" rtlCol="0">
+            <a:spAutoFit/>
+          </a:bodyPr>
+          <a:lstStyle/>
+          <a:p>
+            <a:r>
+              <a:rPr lang="es-ES" dirty="0" smtClean="0"/>
+              <a:t>14/18</a:t>
+            </a:r>
+            <a:endParaRPr lang="es-ES" dirty="0"/>
+          </a:p>
+        </p:txBody>
+      </p:sp>
+    </p:spTree>
+    <p:extLst>
+      <p:ext uri="{BB962C8B-B14F-4D97-AF65-F5344CB8AC3E}">
+        <p14:creationId xmlns:p14="http://schemas.microsoft.com/office/powerpoint/2010/main" val="1397868507"/>
+      </p:ext>
+    </p:extLst>
+  </p:cSld>
+  <p:clrMapOvr>
+    <a:masterClrMapping/>
+  </p:clrMapOvr>
+  <p:timing>
+    <p:tnLst>
+      <p:par>
+        <p:cTn id="1" dur="indefinite" restart="never" nodeType="tmRoot"/>
+      </p:par>
+    </p:tnLst>
+  </p:timing>
+</p:sld>
+</file>
+
+<file path=ppt/slides/slide15.xml><?xml version="1.0" encoding="utf-8"?>
+<p:sld xmlns:a="http://schemas.openxmlformats.org/drawingml/2006/main" xmlns:r="http://schemas.openxmlformats.org/officeDocument/2006/relationships" xmlns:p="http://schemas.openxmlformats.org/presentationml/2006/main">
+  <p:cSld>
+    <p:spTree>
+      <p:nvGrpSpPr>
+        <p:cNvPr id="1" name=""/>
+        <p:cNvGrpSpPr/>
+        <p:nvPr/>
+      </p:nvGrpSpPr>
+      <p:grpSpPr>
+        <a:xfrm>
+          <a:off x="0" y="0"/>
+          <a:ext cx="0" cy="0"/>
+          <a:chOff x="0" y="0"/>
+          <a:chExt cx="0" cy="0"/>
+        </a:xfrm>
+      </p:grpSpPr>
+      <p:sp>
+        <p:nvSpPr>
+          <p:cNvPr id="2" name="1 Título"/>
+          <p:cNvSpPr>
+            <a:spLocks noGrp="1"/>
+          </p:cNvSpPr>
+          <p:nvPr>
+            <p:ph type="title"/>
+          </p:nvPr>
+        </p:nvSpPr>
+        <p:spPr/>
+        <p:txBody>
+          <a:bodyPr/>
+          <a:lstStyle/>
+          <a:p>
+            <a:r>
+              <a:rPr lang="es-ES" dirty="0" smtClean="0"/>
+              <a:t>Apertura y cierre del algoritmo</a:t>
+            </a:r>
+            <a:endParaRPr lang="es-ES" dirty="0"/>
+          </a:p>
+        </p:txBody>
+      </p:sp>
+      <p:sp>
+        <p:nvSpPr>
+          <p:cNvPr id="3" name="2 Marcador de contenido"/>
+          <p:cNvSpPr>
+            <a:spLocks noGrp="1"/>
+          </p:cNvSpPr>
+          <p:nvPr>
+            <p:ph idx="1"/>
+          </p:nvPr>
+        </p:nvSpPr>
+        <p:spPr/>
+        <p:txBody>
           <a:bodyPr/>
           <a:lstStyle/>
           <a:p>
@@ -3797,6 +5502,77 @@
             <a:r>
               <a:rPr lang="es-ES" dirty="0" smtClean="0"/>
               <a:t>Estabilidad </a:t>
+            </a:r>
+            <a:endParaRPr lang="es-ES" dirty="0"/>
+          </a:p>
+        </p:txBody>
+      </p:sp>
+      <p:pic>
+        <p:nvPicPr>
+          <p:cNvPr id="3074" name="Picture 2" descr="C:\Users\Usuario\Desktop\charla genéticos\imagenes\maxresdefault.jpg"/>
+          <p:cNvPicPr>
+            <a:picLocks noChangeAspect="1" noChangeArrowheads="1"/>
+          </p:cNvPicPr>
+          <p:nvPr/>
+        </p:nvPicPr>
+        <p:blipFill>
+          <a:blip r:embed="rId2">
+            <a:extLst>
+              <a:ext uri="{28A0092B-C50C-407E-A947-70E740481C1C}">
+                <a14:useLocalDpi xmlns:a14="http://schemas.microsoft.com/office/drawing/2010/main" val="0"/>
+              </a:ext>
+            </a:extLst>
+          </a:blip>
+          <a:srcRect/>
+          <a:stretch>
+            <a:fillRect/>
+          </a:stretch>
+        </p:blipFill>
+        <p:spPr bwMode="auto">
+          <a:xfrm>
+            <a:off x="5370840" y="1340768"/>
+            <a:ext cx="3534244" cy="2982429"/>
+          </a:xfrm>
+          <a:prstGeom prst="rect">
+            <a:avLst/>
+          </a:prstGeom>
+          <a:noFill/>
+          <a:extLst>
+            <a:ext uri="{909E8E84-426E-40DD-AFC4-6F175D3DCCD1}">
+              <a14:hiddenFill xmlns:a14="http://schemas.microsoft.com/office/drawing/2010/main">
+                <a:solidFill>
+                  <a:srgbClr val="FFFFFF"/>
+                </a:solidFill>
+              </a14:hiddenFill>
+            </a:ext>
+          </a:extLst>
+        </p:spPr>
+      </p:pic>
+      <p:sp>
+        <p:nvSpPr>
+          <p:cNvPr id="6" name="5 CuadroTexto"/>
+          <p:cNvSpPr txBox="1"/>
+          <p:nvPr/>
+        </p:nvSpPr>
+        <p:spPr>
+          <a:xfrm>
+            <a:off x="8388424" y="6382052"/>
+            <a:ext cx="742511" cy="369332"/>
+          </a:xfrm>
+          <a:prstGeom prst="rect">
+            <a:avLst/>
+          </a:prstGeom>
+          <a:noFill/>
+        </p:spPr>
+        <p:txBody>
+          <a:bodyPr wrap="none" rtlCol="0">
+            <a:spAutoFit/>
+          </a:bodyPr>
+          <a:lstStyle/>
+          <a:p>
+            <a:r>
+              <a:rPr lang="es-ES" dirty="0" smtClean="0"/>
+              <a:t>15/18</a:t>
             </a:r>
             <a:endParaRPr lang="es-ES" dirty="0"/>
           </a:p>
@@ -3812,10 +5588,17 @@
   <p:clrMapOvr>
     <a:masterClrMapping/>
   </p:clrMapOvr>
+  <p:timing>
+    <p:tnLst>
+      <p:par>
+        <p:cTn id="1" dur="indefinite" restart="never" nodeType="tmRoot"/>
+      </p:par>
+    </p:tnLst>
+  </p:timing>
 </p:sld>
 </file>
 
-<file path=ppt/slides/slide13.xml><?xml version="1.0" encoding="utf-8"?>
+<file path=ppt/slides/slide16.xml><?xml version="1.0" encoding="utf-8"?>
 <p:sld xmlns:a="http://schemas.openxmlformats.org/drawingml/2006/main" xmlns:r="http://schemas.openxmlformats.org/officeDocument/2006/relationships" xmlns:p="http://schemas.openxmlformats.org/presentationml/2006/main">
   <p:cSld>
     <p:spTree>
@@ -4023,6 +5806,36 @@
           </a:p>
         </p:txBody>
       </p:sp>
+      <p:sp>
+        <p:nvSpPr>
+          <p:cNvPr id="7" name="6 CuadroTexto"/>
+          <p:cNvSpPr txBox="1"/>
+          <p:nvPr/>
+        </p:nvSpPr>
+        <p:spPr>
+          <a:xfrm>
+            <a:off x="8388424" y="6382052"/>
+            <a:ext cx="742511" cy="369332"/>
+          </a:xfrm>
+          <a:prstGeom prst="rect">
+            <a:avLst/>
+          </a:prstGeom>
+          <a:noFill/>
+        </p:spPr>
+        <p:txBody>
+          <a:bodyPr wrap="none" rtlCol="0">
+            <a:spAutoFit/>
+          </a:bodyPr>
+          <a:lstStyle/>
+          <a:p>
+            <a:r>
+              <a:rPr lang="es-ES" dirty="0" smtClean="0"/>
+              <a:t>16/18</a:t>
+            </a:r>
+            <a:endParaRPr lang="es-ES" dirty="0"/>
+          </a:p>
+        </p:txBody>
+      </p:sp>
     </p:spTree>
     <p:extLst>
       <p:ext uri="{BB962C8B-B14F-4D97-AF65-F5344CB8AC3E}">
@@ -4033,10 +5846,17 @@
   <p:clrMapOvr>
     <a:masterClrMapping/>
   </p:clrMapOvr>
+  <p:timing>
+    <p:tnLst>
+      <p:par>
+        <p:cTn id="1" dur="indefinite" restart="never" nodeType="tmRoot"/>
+      </p:par>
+    </p:tnLst>
+  </p:timing>
 </p:sld>
 </file>
 
-<file path=ppt/slides/slide14.xml><?xml version="1.0" encoding="utf-8"?>
+<file path=ppt/slides/slide17.xml><?xml version="1.0" encoding="utf-8"?>
 <p:sld xmlns:a="http://schemas.openxmlformats.org/drawingml/2006/main" xmlns:r="http://schemas.openxmlformats.org/officeDocument/2006/relationships" xmlns:p="http://schemas.openxmlformats.org/presentationml/2006/main">
   <p:cSld>
     <p:spTree>
@@ -4180,6 +6000,77 @@
           </a:p>
         </p:txBody>
       </p:sp>
+      <p:pic>
+        <p:nvPicPr>
+          <p:cNvPr id="1026" name="Picture 2" descr="C:\Users\Usuario\Desktop\charla genéticos\imagenes\jBli3.png"/>
+          <p:cNvPicPr>
+            <a:picLocks noChangeAspect="1" noChangeArrowheads="1"/>
+          </p:cNvPicPr>
+          <p:nvPr/>
+        </p:nvPicPr>
+        <p:blipFill>
+          <a:blip r:embed="rId2">
+            <a:extLst>
+              <a:ext uri="{28A0092B-C50C-407E-A947-70E740481C1C}">
+                <a14:useLocalDpi xmlns:a14="http://schemas.microsoft.com/office/drawing/2010/main" val="0"/>
+              </a:ext>
+            </a:extLst>
+          </a:blip>
+          <a:srcRect/>
+          <a:stretch>
+            <a:fillRect/>
+          </a:stretch>
+        </p:blipFill>
+        <p:spPr bwMode="auto">
+          <a:xfrm>
+            <a:off x="6228184" y="260425"/>
+            <a:ext cx="2520278" cy="2520280"/>
+          </a:xfrm>
+          <a:prstGeom prst="rect">
+            <a:avLst/>
+          </a:prstGeom>
+          <a:noFill/>
+          <a:extLst>
+            <a:ext uri="{909E8E84-426E-40DD-AFC4-6F175D3DCCD1}">
+              <a14:hiddenFill xmlns:a14="http://schemas.microsoft.com/office/drawing/2010/main">
+                <a:solidFill>
+                  <a:srgbClr val="FFFFFF"/>
+                </a:solidFill>
+              </a14:hiddenFill>
+            </a:ext>
+          </a:extLst>
+        </p:spPr>
+      </p:pic>
+      <p:sp>
+        <p:nvSpPr>
+          <p:cNvPr id="6" name="5 CuadroTexto"/>
+          <p:cNvSpPr txBox="1"/>
+          <p:nvPr/>
+        </p:nvSpPr>
+        <p:spPr>
+          <a:xfrm>
+            <a:off x="8388424" y="6382052"/>
+            <a:ext cx="742511" cy="369332"/>
+          </a:xfrm>
+          <a:prstGeom prst="rect">
+            <a:avLst/>
+          </a:prstGeom>
+          <a:noFill/>
+        </p:spPr>
+        <p:txBody>
+          <a:bodyPr wrap="none" rtlCol="0">
+            <a:spAutoFit/>
+          </a:bodyPr>
+          <a:lstStyle/>
+          <a:p>
+            <a:r>
+              <a:rPr lang="es-ES" dirty="0" smtClean="0"/>
+              <a:t>17/18</a:t>
+            </a:r>
+            <a:endParaRPr lang="es-ES" dirty="0"/>
+          </a:p>
+        </p:txBody>
+      </p:sp>
     </p:spTree>
     <p:extLst>
       <p:ext uri="{BB962C8B-B14F-4D97-AF65-F5344CB8AC3E}">
@@ -4190,10 +6081,706 @@
   <p:clrMapOvr>
     <a:masterClrMapping/>
   </p:clrMapOvr>
+  <p:timing>
+    <p:tnLst>
+      <p:par>
+        <p:cTn id="1" dur="indefinite" restart="never" nodeType="tmRoot"/>
+      </p:par>
+    </p:tnLst>
+  </p:timing>
+</p:sld>
+</file>
+
+<file path=ppt/slides/slide18.xml><?xml version="1.0" encoding="utf-8"?>
+<p:sld xmlns:a="http://schemas.openxmlformats.org/drawingml/2006/main" xmlns:r="http://schemas.openxmlformats.org/officeDocument/2006/relationships" xmlns:p="http://schemas.openxmlformats.org/presentationml/2006/main">
+  <p:cSld>
+    <p:spTree>
+      <p:nvGrpSpPr>
+        <p:cNvPr id="1" name=""/>
+        <p:cNvGrpSpPr/>
+        <p:nvPr/>
+      </p:nvGrpSpPr>
+      <p:grpSpPr>
+        <a:xfrm>
+          <a:off x="0" y="0"/>
+          <a:ext cx="0" cy="0"/>
+          <a:chOff x="0" y="0"/>
+          <a:chExt cx="0" cy="0"/>
+        </a:xfrm>
+      </p:grpSpPr>
+      <p:sp>
+        <p:nvSpPr>
+          <p:cNvPr id="2" name="1 Título"/>
+          <p:cNvSpPr>
+            <a:spLocks noGrp="1"/>
+          </p:cNvSpPr>
+          <p:nvPr>
+            <p:ph type="title"/>
+          </p:nvPr>
+        </p:nvSpPr>
+        <p:spPr/>
+        <p:txBody>
+          <a:bodyPr/>
+          <a:lstStyle/>
+          <a:p>
+            <a:r>
+              <a:rPr lang="es-ES" dirty="0" smtClean="0"/>
+              <a:t>Aeropython</a:t>
+            </a:r>
+            <a:endParaRPr lang="es-ES" dirty="0"/>
+          </a:p>
+        </p:txBody>
+      </p:sp>
+      <p:pic>
+        <p:nvPicPr>
+          <p:cNvPr id="2050" name="Picture 2" descr="C:\Users\Usuario\Desktop\charla genéticos\imagenes\logo.png"/>
+          <p:cNvPicPr>
+            <a:picLocks noChangeAspect="1" noChangeArrowheads="1"/>
+          </p:cNvPicPr>
+          <p:nvPr/>
+        </p:nvPicPr>
+        <p:blipFill>
+          <a:blip r:embed="rId2">
+            <a:extLst>
+              <a:ext uri="{28A0092B-C50C-407E-A947-70E740481C1C}">
+                <a14:useLocalDpi xmlns:a14="http://schemas.microsoft.com/office/drawing/2010/main" val="0"/>
+              </a:ext>
+            </a:extLst>
+          </a:blip>
+          <a:srcRect/>
+          <a:stretch>
+            <a:fillRect/>
+          </a:stretch>
+        </p:blipFill>
+        <p:spPr bwMode="auto">
+          <a:xfrm>
+            <a:off x="899592" y="0"/>
+            <a:ext cx="1573113" cy="1573114"/>
+          </a:xfrm>
+          <a:prstGeom prst="rect">
+            <a:avLst/>
+          </a:prstGeom>
+          <a:noFill/>
+          <a:extLst>
+            <a:ext uri="{909E8E84-426E-40DD-AFC4-6F175D3DCCD1}">
+              <a14:hiddenFill xmlns:a14="http://schemas.microsoft.com/office/drawing/2010/main">
+                <a:solidFill>
+                  <a:srgbClr val="FFFFFF"/>
+                </a:solidFill>
+              </a14:hiddenFill>
+            </a:ext>
+          </a:extLst>
+        </p:spPr>
+      </p:pic>
+      <p:sp>
+        <p:nvSpPr>
+          <p:cNvPr id="4" name="3 CuadroTexto"/>
+          <p:cNvSpPr txBox="1"/>
+          <p:nvPr/>
+        </p:nvSpPr>
+        <p:spPr>
+          <a:xfrm>
+            <a:off x="925976" y="1584310"/>
+            <a:ext cx="6354368" cy="707886"/>
+          </a:xfrm>
+          <a:prstGeom prst="rect">
+            <a:avLst/>
+          </a:prstGeom>
+          <a:noFill/>
+        </p:spPr>
+        <p:txBody>
+          <a:bodyPr wrap="none" rtlCol="0">
+            <a:spAutoFit/>
+          </a:bodyPr>
+          <a:lstStyle/>
+          <a:p>
+            <a:r>
+              <a:rPr lang="es-ES" sz="4000" dirty="0" err="1" smtClean="0"/>
+              <a:t>GitHub</a:t>
+            </a:r>
+            <a:r>
+              <a:rPr lang="es-ES" sz="4000" dirty="0"/>
+              <a:t>	</a:t>
+            </a:r>
+            <a:r>
+              <a:rPr lang="es-ES" sz="4000" dirty="0" smtClean="0"/>
+              <a:t>		Aeropython</a:t>
+            </a:r>
+            <a:endParaRPr lang="es-ES" sz="4000" dirty="0"/>
+          </a:p>
+        </p:txBody>
+      </p:sp>
+      <p:cxnSp>
+        <p:nvCxnSpPr>
+          <p:cNvPr id="6" name="5 Conector recto de flecha"/>
+          <p:cNvCxnSpPr/>
+          <p:nvPr/>
+        </p:nvCxnSpPr>
+        <p:spPr>
+          <a:xfrm>
+            <a:off x="2472705" y="1938253"/>
+            <a:ext cx="2027287" cy="0"/>
+          </a:xfrm>
+          <a:prstGeom prst="straightConnector1">
+            <a:avLst/>
+          </a:prstGeom>
+          <a:ln w="38100">
+            <a:solidFill>
+              <a:schemeClr val="tx1"/>
+            </a:solidFill>
+            <a:tailEnd type="arrow"/>
+          </a:ln>
+        </p:spPr>
+        <p:style>
+          <a:lnRef idx="1">
+            <a:schemeClr val="accent1"/>
+          </a:lnRef>
+          <a:fillRef idx="0">
+            <a:schemeClr val="accent1"/>
+          </a:fillRef>
+          <a:effectRef idx="0">
+            <a:schemeClr val="accent1"/>
+          </a:effectRef>
+          <a:fontRef idx="minor">
+            <a:schemeClr val="tx1"/>
+          </a:fontRef>
+        </p:style>
+      </p:cxnSp>
+      <p:sp>
+        <p:nvSpPr>
+          <p:cNvPr id="7" name="6 CuadroTexto"/>
+          <p:cNvSpPr txBox="1"/>
+          <p:nvPr/>
+        </p:nvSpPr>
+        <p:spPr>
+          <a:xfrm>
+            <a:off x="871261" y="2292196"/>
+            <a:ext cx="7925631" cy="1077218"/>
+          </a:xfrm>
+          <a:prstGeom prst="rect">
+            <a:avLst/>
+          </a:prstGeom>
+          <a:noFill/>
+        </p:spPr>
+        <p:txBody>
+          <a:bodyPr wrap="none" rtlCol="0">
+            <a:spAutoFit/>
+          </a:bodyPr>
+          <a:lstStyle/>
+          <a:p>
+            <a:pPr marL="457200" indent="-457200">
+              <a:buFont typeface="Arial" panose="020B0604020202020204" pitchFamily="34" charset="0"/>
+              <a:buChar char="•"/>
+            </a:pPr>
+            <a:r>
+              <a:rPr lang="es-ES" sz="3200" dirty="0" smtClean="0"/>
+              <a:t>Repo: Taller </a:t>
+            </a:r>
+            <a:r>
+              <a:rPr lang="es-ES" sz="3200" dirty="0" err="1" smtClean="0"/>
+              <a:t>PyConEs</a:t>
+            </a:r>
+            <a:r>
+              <a:rPr lang="es-ES" sz="3200" dirty="0" smtClean="0"/>
+              <a:t> 2015</a:t>
+            </a:r>
+          </a:p>
+          <a:p>
+            <a:pPr marL="457200" indent="-457200">
+              <a:buFont typeface="Arial" panose="020B0604020202020204" pitchFamily="34" charset="0"/>
+              <a:buChar char="•"/>
+            </a:pPr>
+            <a:r>
+              <a:rPr lang="es-ES" sz="3200" dirty="0" smtClean="0"/>
+              <a:t>Repo: </a:t>
+            </a:r>
+            <a:r>
+              <a:rPr lang="es-ES" sz="3200" dirty="0" err="1" smtClean="0"/>
+              <a:t>Aeropy</a:t>
+            </a:r>
+            <a:r>
+              <a:rPr lang="es-ES" sz="3200" dirty="0" smtClean="0"/>
+              <a:t>		</a:t>
+            </a:r>
+            <a:r>
+              <a:rPr lang="es-ES" sz="3200" b="1" dirty="0" err="1" smtClean="0"/>
+              <a:t>Branch</a:t>
+            </a:r>
+            <a:r>
+              <a:rPr lang="es-ES" sz="3200" dirty="0" smtClean="0"/>
+              <a:t>: Xfoil-</a:t>
+            </a:r>
+            <a:r>
+              <a:rPr lang="es-ES" sz="3200" dirty="0" err="1" smtClean="0"/>
+              <a:t>Interaction</a:t>
+            </a:r>
+            <a:endParaRPr lang="es-ES" sz="3200" dirty="0"/>
+          </a:p>
+        </p:txBody>
+      </p:sp>
+      <p:cxnSp>
+        <p:nvCxnSpPr>
+          <p:cNvPr id="9" name="8 Conector recto de flecha"/>
+          <p:cNvCxnSpPr/>
+          <p:nvPr/>
+        </p:nvCxnSpPr>
+        <p:spPr>
+          <a:xfrm>
+            <a:off x="3779912" y="3068960"/>
+            <a:ext cx="720080" cy="0"/>
+          </a:xfrm>
+          <a:prstGeom prst="straightConnector1">
+            <a:avLst/>
+          </a:prstGeom>
+          <a:ln w="38100">
+            <a:solidFill>
+              <a:schemeClr val="tx1"/>
+            </a:solidFill>
+            <a:tailEnd type="arrow"/>
+          </a:ln>
+        </p:spPr>
+        <p:style>
+          <a:lnRef idx="1">
+            <a:schemeClr val="accent1"/>
+          </a:lnRef>
+          <a:fillRef idx="0">
+            <a:schemeClr val="accent1"/>
+          </a:fillRef>
+          <a:effectRef idx="0">
+            <a:schemeClr val="accent1"/>
+          </a:effectRef>
+          <a:fontRef idx="minor">
+            <a:schemeClr val="tx1"/>
+          </a:fontRef>
+        </p:style>
+      </p:cxnSp>
+      <p:pic>
+        <p:nvPicPr>
+          <p:cNvPr id="2051" name="Picture 3" descr="C:\Users\Usuario\Desktop\charla genéticos\imagenes\tumblr_n7cb0qdrfj1qewacoo1_1280.jpg"/>
+          <p:cNvPicPr>
+            <a:picLocks noChangeAspect="1" noChangeArrowheads="1"/>
+          </p:cNvPicPr>
+          <p:nvPr/>
+        </p:nvPicPr>
+        <p:blipFill rotWithShape="1">
+          <a:blip r:embed="rId3">
+            <a:extLst>
+              <a:ext uri="{28A0092B-C50C-407E-A947-70E740481C1C}">
+                <a14:useLocalDpi xmlns:a14="http://schemas.microsoft.com/office/drawing/2010/main" val="0"/>
+              </a:ext>
+            </a:extLst>
+          </a:blip>
+          <a:srcRect l="8779" t="32497" b="25104"/>
+          <a:stretch/>
+        </p:blipFill>
+        <p:spPr bwMode="auto">
+          <a:xfrm>
+            <a:off x="925976" y="3717032"/>
+            <a:ext cx="7233461" cy="2839362"/>
+          </a:xfrm>
+          <a:prstGeom prst="rect">
+            <a:avLst/>
+          </a:prstGeom>
+          <a:noFill/>
+          <a:extLst>
+            <a:ext uri="{909E8E84-426E-40DD-AFC4-6F175D3DCCD1}">
+              <a14:hiddenFill xmlns:a14="http://schemas.microsoft.com/office/drawing/2010/main">
+                <a:solidFill>
+                  <a:srgbClr val="FFFFFF"/>
+                </a:solidFill>
+              </a14:hiddenFill>
+            </a:ext>
+          </a:extLst>
+        </p:spPr>
+      </p:pic>
+      <p:sp>
+        <p:nvSpPr>
+          <p:cNvPr id="13" name="12 CuadroTexto"/>
+          <p:cNvSpPr txBox="1"/>
+          <p:nvPr/>
+        </p:nvSpPr>
+        <p:spPr>
+          <a:xfrm>
+            <a:off x="8388424" y="6382052"/>
+            <a:ext cx="742511" cy="369332"/>
+          </a:xfrm>
+          <a:prstGeom prst="rect">
+            <a:avLst/>
+          </a:prstGeom>
+          <a:noFill/>
+        </p:spPr>
+        <p:txBody>
+          <a:bodyPr wrap="none" rtlCol="0">
+            <a:spAutoFit/>
+          </a:bodyPr>
+          <a:lstStyle/>
+          <a:p>
+            <a:r>
+              <a:rPr lang="es-ES" dirty="0" smtClean="0"/>
+              <a:t>18/18</a:t>
+            </a:r>
+            <a:endParaRPr lang="es-ES" dirty="0"/>
+          </a:p>
+        </p:txBody>
+      </p:sp>
+    </p:spTree>
+    <p:extLst>
+      <p:ext uri="{BB962C8B-B14F-4D97-AF65-F5344CB8AC3E}">
+        <p14:creationId xmlns:p14="http://schemas.microsoft.com/office/powerpoint/2010/main" val="3868142016"/>
+      </p:ext>
+    </p:extLst>
+  </p:cSld>
+  <p:clrMapOvr>
+    <a:masterClrMapping/>
+  </p:clrMapOvr>
+  <p:timing>
+    <p:tnLst>
+      <p:par>
+        <p:cTn id="1" dur="indefinite" restart="never" nodeType="tmRoot"/>
+      </p:par>
+    </p:tnLst>
+  </p:timing>
+</p:sld>
+</file>
+
+<file path=ppt/slides/slide19.xml><?xml version="1.0" encoding="utf-8"?>
+<p:sld xmlns:a="http://schemas.openxmlformats.org/drawingml/2006/main" xmlns:r="http://schemas.openxmlformats.org/officeDocument/2006/relationships" xmlns:p="http://schemas.openxmlformats.org/presentationml/2006/main">
+  <p:cSld>
+    <p:spTree>
+      <p:nvGrpSpPr>
+        <p:cNvPr id="1" name=""/>
+        <p:cNvGrpSpPr/>
+        <p:nvPr/>
+      </p:nvGrpSpPr>
+      <p:grpSpPr>
+        <a:xfrm>
+          <a:off x="0" y="0"/>
+          <a:ext cx="0" cy="0"/>
+          <a:chOff x="0" y="0"/>
+          <a:chExt cx="0" cy="0"/>
+        </a:xfrm>
+      </p:grpSpPr>
+      <p:sp>
+        <p:nvSpPr>
+          <p:cNvPr id="2" name="1 Título"/>
+          <p:cNvSpPr>
+            <a:spLocks noGrp="1"/>
+          </p:cNvSpPr>
+          <p:nvPr>
+            <p:ph type="title"/>
+          </p:nvPr>
+        </p:nvSpPr>
+        <p:spPr/>
+        <p:txBody>
+          <a:bodyPr>
+            <a:normAutofit/>
+          </a:bodyPr>
+          <a:lstStyle/>
+          <a:p>
+            <a:r>
+              <a:rPr lang="es-ES" dirty="0" smtClean="0"/>
+              <a:t>Muchas gracias</a:t>
+            </a:r>
+            <a:endParaRPr lang="es-ES" dirty="0"/>
+          </a:p>
+        </p:txBody>
+      </p:sp>
+      <p:pic>
+        <p:nvPicPr>
+          <p:cNvPr id="5122" name="Picture 2" descr="C:\Users\Usuario\Desktop\charla genéticos\imagenes\Knowmore.jpg"/>
+          <p:cNvPicPr>
+            <a:picLocks noChangeAspect="1" noChangeArrowheads="1"/>
+          </p:cNvPicPr>
+          <p:nvPr/>
+        </p:nvPicPr>
+        <p:blipFill>
+          <a:blip r:embed="rId2">
+            <a:extLst>
+              <a:ext uri="{28A0092B-C50C-407E-A947-70E740481C1C}">
+                <a14:useLocalDpi xmlns:a14="http://schemas.microsoft.com/office/drawing/2010/main" val="0"/>
+              </a:ext>
+            </a:extLst>
+          </a:blip>
+          <a:srcRect/>
+          <a:stretch>
+            <a:fillRect/>
+          </a:stretch>
+        </p:blipFill>
+        <p:spPr bwMode="auto">
+          <a:xfrm>
+            <a:off x="1259632" y="1484783"/>
+            <a:ext cx="6552728" cy="5237834"/>
+          </a:xfrm>
+          <a:prstGeom prst="rect">
+            <a:avLst/>
+          </a:prstGeom>
+          <a:noFill/>
+          <a:extLst>
+            <a:ext uri="{909E8E84-426E-40DD-AFC4-6F175D3DCCD1}">
+              <a14:hiddenFill xmlns:a14="http://schemas.microsoft.com/office/drawing/2010/main">
+                <a:solidFill>
+                  <a:srgbClr val="FFFFFF"/>
+                </a:solidFill>
+              </a14:hiddenFill>
+            </a:ext>
+          </a:extLst>
+        </p:spPr>
+      </p:pic>
+    </p:spTree>
+    <p:extLst>
+      <p:ext uri="{BB962C8B-B14F-4D97-AF65-F5344CB8AC3E}">
+        <p14:creationId xmlns:p14="http://schemas.microsoft.com/office/powerpoint/2010/main" val="1905764330"/>
+      </p:ext>
+    </p:extLst>
+  </p:cSld>
+  <p:clrMapOvr>
+    <a:masterClrMapping/>
+  </p:clrMapOvr>
+  <p:timing>
+    <p:tnLst>
+      <p:par>
+        <p:cTn id="1" dur="indefinite" restart="never" nodeType="tmRoot"/>
+      </p:par>
+    </p:tnLst>
+  </p:timing>
 </p:sld>
 </file>
 
 <file path=ppt/slides/slide2.xml><?xml version="1.0" encoding="utf-8"?>
+<p:sld xmlns:a="http://schemas.openxmlformats.org/drawingml/2006/main" xmlns:r="http://schemas.openxmlformats.org/officeDocument/2006/relationships" xmlns:p="http://schemas.openxmlformats.org/presentationml/2006/main">
+  <p:cSld>
+    <p:spTree>
+      <p:nvGrpSpPr>
+        <p:cNvPr id="1" name=""/>
+        <p:cNvGrpSpPr/>
+        <p:nvPr/>
+      </p:nvGrpSpPr>
+      <p:grpSpPr>
+        <a:xfrm>
+          <a:off x="0" y="0"/>
+          <a:ext cx="0" cy="0"/>
+          <a:chOff x="0" y="0"/>
+          <a:chExt cx="0" cy="0"/>
+        </a:xfrm>
+      </p:grpSpPr>
+      <p:sp>
+        <p:nvSpPr>
+          <p:cNvPr id="2" name="1 Título"/>
+          <p:cNvSpPr>
+            <a:spLocks noGrp="1"/>
+          </p:cNvSpPr>
+          <p:nvPr>
+            <p:ph type="title"/>
+          </p:nvPr>
+        </p:nvSpPr>
+        <p:spPr/>
+        <p:txBody>
+          <a:bodyPr/>
+          <a:lstStyle/>
+          <a:p>
+            <a:r>
+              <a:rPr lang="es-ES" dirty="0" smtClean="0"/>
+              <a:t>Descargar esta presentación</a:t>
+            </a:r>
+            <a:endParaRPr lang="es-ES" dirty="0"/>
+          </a:p>
+        </p:txBody>
+      </p:sp>
+      <p:sp>
+        <p:nvSpPr>
+          <p:cNvPr id="3" name="2 Marcador de contenido"/>
+          <p:cNvSpPr>
+            <a:spLocks noGrp="1"/>
+          </p:cNvSpPr>
+          <p:nvPr>
+            <p:ph idx="1"/>
+          </p:nvPr>
+        </p:nvSpPr>
+        <p:spPr/>
+        <p:txBody>
+          <a:bodyPr>
+            <a:normAutofit/>
+          </a:bodyPr>
+          <a:lstStyle/>
+          <a:p>
+            <a:pPr marL="0" indent="0" algn="ctr">
+              <a:buNone/>
+            </a:pPr>
+            <a:r>
+              <a:rPr lang="es-ES" sz="3600" b="1" dirty="0" err="1" smtClean="0"/>
+              <a:t>GitHub</a:t>
+            </a:r>
+            <a:endParaRPr lang="es-ES" sz="3600" b="1" dirty="0" smtClean="0"/>
+          </a:p>
+          <a:p>
+            <a:pPr algn="ctr"/>
+            <a:endParaRPr lang="es-ES" sz="3600" b="1" dirty="0"/>
+          </a:p>
+          <a:p>
+            <a:pPr marL="0" indent="0" algn="ctr">
+              <a:buNone/>
+            </a:pPr>
+            <a:r>
+              <a:rPr lang="es-ES" sz="3600" b="1" dirty="0" err="1" smtClean="0"/>
+              <a:t>AunSiro</a:t>
+            </a:r>
+            <a:endParaRPr lang="es-ES" sz="3600" b="1" dirty="0" smtClean="0"/>
+          </a:p>
+          <a:p>
+            <a:pPr algn="ctr"/>
+            <a:endParaRPr lang="es-ES" sz="3600" b="1" dirty="0"/>
+          </a:p>
+          <a:p>
+            <a:pPr marL="0" indent="0" algn="ctr">
+              <a:buNone/>
+            </a:pPr>
+            <a:r>
+              <a:rPr lang="es-ES" sz="3600" b="1" dirty="0"/>
+              <a:t>Algoritmos-</a:t>
+            </a:r>
+            <a:r>
+              <a:rPr lang="es-ES" sz="3600" b="1" dirty="0" err="1"/>
+              <a:t>Geneticos</a:t>
+            </a:r>
+            <a:r>
+              <a:rPr lang="es-ES" sz="3600" b="1" dirty="0"/>
+              <a:t>-R-Python-</a:t>
+            </a:r>
+            <a:r>
+              <a:rPr lang="es-ES" sz="3600" b="1" dirty="0" err="1"/>
+              <a:t>Meetup</a:t>
+            </a:r>
+            <a:endParaRPr lang="es-ES" sz="3600" b="1" dirty="0"/>
+          </a:p>
+          <a:p>
+            <a:pPr algn="ctr"/>
+            <a:endParaRPr lang="es-ES" sz="3600" b="1" dirty="0"/>
+          </a:p>
+        </p:txBody>
+      </p:sp>
+      <p:cxnSp>
+        <p:nvCxnSpPr>
+          <p:cNvPr id="5" name="4 Conector recto de flecha"/>
+          <p:cNvCxnSpPr/>
+          <p:nvPr/>
+        </p:nvCxnSpPr>
+        <p:spPr>
+          <a:xfrm>
+            <a:off x="4572000" y="2204864"/>
+            <a:ext cx="0" cy="792088"/>
+          </a:xfrm>
+          <a:prstGeom prst="straightConnector1">
+            <a:avLst/>
+          </a:prstGeom>
+          <a:ln w="57150">
+            <a:solidFill>
+              <a:schemeClr val="tx1"/>
+            </a:solidFill>
+            <a:tailEnd type="arrow"/>
+          </a:ln>
+        </p:spPr>
+        <p:style>
+          <a:lnRef idx="1">
+            <a:schemeClr val="accent1"/>
+          </a:lnRef>
+          <a:fillRef idx="0">
+            <a:schemeClr val="accent1"/>
+          </a:fillRef>
+          <a:effectRef idx="0">
+            <a:schemeClr val="accent1"/>
+          </a:effectRef>
+          <a:fontRef idx="minor">
+            <a:schemeClr val="tx1"/>
+          </a:fontRef>
+        </p:style>
+      </p:cxnSp>
+      <p:cxnSp>
+        <p:nvCxnSpPr>
+          <p:cNvPr id="7" name="6 Conector recto de flecha"/>
+          <p:cNvCxnSpPr/>
+          <p:nvPr/>
+        </p:nvCxnSpPr>
+        <p:spPr>
+          <a:xfrm>
+            <a:off x="4573698" y="3501008"/>
+            <a:ext cx="0" cy="864096"/>
+          </a:xfrm>
+          <a:prstGeom prst="straightConnector1">
+            <a:avLst/>
+          </a:prstGeom>
+          <a:ln w="57150">
+            <a:solidFill>
+              <a:schemeClr val="tx1"/>
+            </a:solidFill>
+            <a:tailEnd type="arrow"/>
+          </a:ln>
+        </p:spPr>
+        <p:style>
+          <a:lnRef idx="1">
+            <a:schemeClr val="accent1"/>
+          </a:lnRef>
+          <a:fillRef idx="0">
+            <a:schemeClr val="accent1"/>
+          </a:fillRef>
+          <a:effectRef idx="0">
+            <a:schemeClr val="accent1"/>
+          </a:effectRef>
+          <a:fontRef idx="minor">
+            <a:schemeClr val="tx1"/>
+          </a:fontRef>
+        </p:style>
+      </p:cxnSp>
+      <p:sp>
+        <p:nvSpPr>
+          <p:cNvPr id="9" name="8 CuadroTexto"/>
+          <p:cNvSpPr txBox="1"/>
+          <p:nvPr/>
+        </p:nvSpPr>
+        <p:spPr>
+          <a:xfrm>
+            <a:off x="8388424" y="6382052"/>
+            <a:ext cx="625492" cy="369332"/>
+          </a:xfrm>
+          <a:prstGeom prst="rect">
+            <a:avLst/>
+          </a:prstGeom>
+          <a:noFill/>
+        </p:spPr>
+        <p:txBody>
+          <a:bodyPr wrap="none" rtlCol="0">
+            <a:spAutoFit/>
+          </a:bodyPr>
+          <a:lstStyle/>
+          <a:p>
+            <a:r>
+              <a:rPr lang="es-ES" dirty="0" smtClean="0"/>
+              <a:t>2/18</a:t>
+            </a:r>
+            <a:endParaRPr lang="es-ES" dirty="0"/>
+          </a:p>
+        </p:txBody>
+      </p:sp>
+    </p:spTree>
+    <p:extLst>
+      <p:ext uri="{BB962C8B-B14F-4D97-AF65-F5344CB8AC3E}">
+        <p14:creationId xmlns:p14="http://schemas.microsoft.com/office/powerpoint/2010/main" val="2381521908"/>
+      </p:ext>
+    </p:extLst>
+  </p:cSld>
+  <p:clrMapOvr>
+    <a:masterClrMapping/>
+  </p:clrMapOvr>
+  <p:timing>
+    <p:tnLst>
+      <p:par>
+        <p:cTn id="1" dur="indefinite" restart="never" nodeType="tmRoot"/>
+      </p:par>
+    </p:tnLst>
+  </p:timing>
+</p:sld>
+</file>
+
+<file path=ppt/slides/slide3.xml><?xml version="1.0" encoding="utf-8"?>
 <p:sld xmlns:a="http://schemas.openxmlformats.org/drawingml/2006/main" xmlns:r="http://schemas.openxmlformats.org/officeDocument/2006/relationships" xmlns:p="http://schemas.openxmlformats.org/presentationml/2006/main">
   <p:cSld>
     <p:spTree>
@@ -4436,6 +7023,36 @@
           </a:p>
         </p:txBody>
       </p:sp>
+      <p:sp>
+        <p:nvSpPr>
+          <p:cNvPr id="8" name="7 CuadroTexto"/>
+          <p:cNvSpPr txBox="1"/>
+          <p:nvPr/>
+        </p:nvSpPr>
+        <p:spPr>
+          <a:xfrm>
+            <a:off x="8388424" y="6382052"/>
+            <a:ext cx="625492" cy="369332"/>
+          </a:xfrm>
+          <a:prstGeom prst="rect">
+            <a:avLst/>
+          </a:prstGeom>
+          <a:noFill/>
+        </p:spPr>
+        <p:txBody>
+          <a:bodyPr wrap="none" rtlCol="0">
+            <a:spAutoFit/>
+          </a:bodyPr>
+          <a:lstStyle/>
+          <a:p>
+            <a:r>
+              <a:rPr lang="es-ES" dirty="0" smtClean="0"/>
+              <a:t>3/18</a:t>
+            </a:r>
+            <a:endParaRPr lang="es-ES" dirty="0"/>
+          </a:p>
+        </p:txBody>
+      </p:sp>
     </p:spTree>
     <p:extLst>
       <p:ext uri="{BB962C8B-B14F-4D97-AF65-F5344CB8AC3E}">
@@ -4456,7 +7073,7 @@
 </p:sld>
 </file>
 
-<file path=ppt/slides/slide3.xml><?xml version="1.0" encoding="utf-8"?>
+<file path=ppt/slides/slide4.xml><?xml version="1.0" encoding="utf-8"?>
 <p:sld xmlns:a="http://schemas.openxmlformats.org/drawingml/2006/main" xmlns:r="http://schemas.openxmlformats.org/officeDocument/2006/relationships" xmlns:p="http://schemas.openxmlformats.org/presentationml/2006/main">
   <p:cSld>
     <p:spTree>
@@ -4768,6 +7385,36 @@
           </a:extLst>
         </p:spPr>
       </p:pic>
+      <p:sp>
+        <p:nvSpPr>
+          <p:cNvPr id="8" name="7 CuadroTexto"/>
+          <p:cNvSpPr txBox="1"/>
+          <p:nvPr/>
+        </p:nvSpPr>
+        <p:spPr>
+          <a:xfrm>
+            <a:off x="8388424" y="6382052"/>
+            <a:ext cx="625492" cy="369332"/>
+          </a:xfrm>
+          <a:prstGeom prst="rect">
+            <a:avLst/>
+          </a:prstGeom>
+          <a:noFill/>
+        </p:spPr>
+        <p:txBody>
+          <a:bodyPr wrap="none" rtlCol="0">
+            <a:spAutoFit/>
+          </a:bodyPr>
+          <a:lstStyle/>
+          <a:p>
+            <a:r>
+              <a:rPr lang="es-ES" dirty="0" smtClean="0"/>
+              <a:t>4/18</a:t>
+            </a:r>
+            <a:endParaRPr lang="es-ES" dirty="0"/>
+          </a:p>
+        </p:txBody>
+      </p:sp>
     </p:spTree>
     <p:extLst>
       <p:ext uri="{BB962C8B-B14F-4D97-AF65-F5344CB8AC3E}">
@@ -4781,14 +7428,140 @@
   <p:timing>
     <p:tnLst>
       <p:par>
-        <p:cTn id="1" dur="indefinite" restart="never" nodeType="tmRoot"/>
+        <p:cTn id="1" dur="indefinite" restart="never" nodeType="tmRoot">
+          <p:childTnLst>
+            <p:seq concurrent="1" nextAc="seek">
+              <p:cTn id="2" dur="indefinite" nodeType="mainSeq">
+                <p:childTnLst>
+                  <p:par>
+                    <p:cTn id="3" fill="hold">
+                      <p:stCondLst>
+                        <p:cond delay="indefinite"/>
+                      </p:stCondLst>
+                      <p:childTnLst>
+                        <p:par>
+                          <p:cTn id="4" fill="hold">
+                            <p:stCondLst>
+                              <p:cond delay="0"/>
+                            </p:stCondLst>
+                            <p:childTnLst>
+                              <p:par>
+                                <p:cTn id="5" presetID="1" presetClass="entr" presetSubtype="0" fill="hold" grpId="0" nodeType="clickEffect">
+                                  <p:stCondLst>
+                                    <p:cond delay="0"/>
+                                  </p:stCondLst>
+                                  <p:childTnLst>
+                                    <p:set>
+                                      <p:cBhvr>
+                                        <p:cTn id="6" dur="1" fill="hold">
+                                          <p:stCondLst>
+                                            <p:cond delay="0"/>
+                                          </p:stCondLst>
+                                        </p:cTn>
+                                        <p:tgtEl>
+                                          <p:spTgt spid="5"/>
+                                        </p:tgtEl>
+                                        <p:attrNameLst>
+                                          <p:attrName>style.visibility</p:attrName>
+                                        </p:attrNameLst>
+                                      </p:cBhvr>
+                                      <p:to>
+                                        <p:strVal val="visible"/>
+                                      </p:to>
+                                    </p:set>
+                                  </p:childTnLst>
+                                </p:cTn>
+                              </p:par>
+                              <p:par>
+                                <p:cTn id="7" presetID="1" presetClass="entr" presetSubtype="0" fill="hold" grpId="0" nodeType="withEffect">
+                                  <p:stCondLst>
+                                    <p:cond delay="0"/>
+                                  </p:stCondLst>
+                                  <p:childTnLst>
+                                    <p:set>
+                                      <p:cBhvr>
+                                        <p:cTn id="8" dur="1" fill="hold">
+                                          <p:stCondLst>
+                                            <p:cond delay="0"/>
+                                          </p:stCondLst>
+                                        </p:cTn>
+                                        <p:tgtEl>
+                                          <p:spTgt spid="4"/>
+                                        </p:tgtEl>
+                                        <p:attrNameLst>
+                                          <p:attrName>style.visibility</p:attrName>
+                                        </p:attrNameLst>
+                                      </p:cBhvr>
+                                      <p:to>
+                                        <p:strVal val="visible"/>
+                                      </p:to>
+                                    </p:set>
+                                  </p:childTnLst>
+                                </p:cTn>
+                              </p:par>
+                              <p:par>
+                                <p:cTn id="9" presetID="1" presetClass="entr" presetSubtype="0" fill="hold" nodeType="withEffect">
+                                  <p:stCondLst>
+                                    <p:cond delay="0"/>
+                                  </p:stCondLst>
+                                  <p:childTnLst>
+                                    <p:set>
+                                      <p:cBhvr>
+                                        <p:cTn id="10" dur="1" fill="hold">
+                                          <p:stCondLst>
+                                            <p:cond delay="0"/>
+                                          </p:stCondLst>
+                                        </p:cTn>
+                                        <p:tgtEl>
+                                          <p:spTgt spid="1026"/>
+                                        </p:tgtEl>
+                                        <p:attrNameLst>
+                                          <p:attrName>style.visibility</p:attrName>
+                                        </p:attrNameLst>
+                                      </p:cBhvr>
+                                      <p:to>
+                                        <p:strVal val="visible"/>
+                                      </p:to>
+                                    </p:set>
+                                  </p:childTnLst>
+                                </p:cTn>
+                              </p:par>
+                            </p:childTnLst>
+                          </p:cTn>
+                        </p:par>
+                      </p:childTnLst>
+                    </p:cTn>
+                  </p:par>
+                </p:childTnLst>
+              </p:cTn>
+              <p:prevCondLst>
+                <p:cond evt="onPrev" delay="0">
+                  <p:tgtEl>
+                    <p:sldTgt/>
+                  </p:tgtEl>
+                </p:cond>
+              </p:prevCondLst>
+              <p:nextCondLst>
+                <p:cond evt="onNext" delay="0">
+                  <p:tgtEl>
+                    <p:sldTgt/>
+                  </p:tgtEl>
+                </p:cond>
+              </p:nextCondLst>
+            </p:seq>
+          </p:childTnLst>
+        </p:cTn>
       </p:par>
     </p:tnLst>
+    <p:bldLst>
+      <p:bldP spid="4" grpId="0"/>
+      <p:bldP spid="5" grpId="0"/>
+    </p:bldLst>
   </p:timing>
 </p:sld>
 </file>
 
-<file path=ppt/slides/slide4.xml><?xml version="1.0" encoding="utf-8"?>
+<file path=ppt/slides/slide5.xml><?xml version="1.0" encoding="utf-8"?>
 <p:sld xmlns:a="http://schemas.openxmlformats.org/drawingml/2006/main" xmlns:r="http://schemas.openxmlformats.org/officeDocument/2006/relationships" xmlns:p="http://schemas.openxmlformats.org/presentationml/2006/main">
   <p:cSld>
     <p:spTree>
@@ -4928,6 +7701,36 @@
           </a:p>
         </p:txBody>
       </p:sp>
+      <p:sp>
+        <p:nvSpPr>
+          <p:cNvPr id="7" name="6 CuadroTexto"/>
+          <p:cNvSpPr txBox="1"/>
+          <p:nvPr/>
+        </p:nvSpPr>
+        <p:spPr>
+          <a:xfrm>
+            <a:off x="8388424" y="6382052"/>
+            <a:ext cx="625492" cy="369332"/>
+          </a:xfrm>
+          <a:prstGeom prst="rect">
+            <a:avLst/>
+          </a:prstGeom>
+          <a:noFill/>
+        </p:spPr>
+        <p:txBody>
+          <a:bodyPr wrap="none" rtlCol="0">
+            <a:spAutoFit/>
+          </a:bodyPr>
+          <a:lstStyle/>
+          <a:p>
+            <a:r>
+              <a:rPr lang="es-ES" dirty="0" smtClean="0"/>
+              <a:t>5/18</a:t>
+            </a:r>
+            <a:endParaRPr lang="es-ES" dirty="0"/>
+          </a:p>
+        </p:txBody>
+      </p:sp>
     </p:spTree>
     <p:extLst>
       <p:ext uri="{BB962C8B-B14F-4D97-AF65-F5344CB8AC3E}">
@@ -4941,14 +7744,112 @@
   <p:timing>
     <p:tnLst>
       <p:par>
-        <p:cTn id="1" dur="indefinite" restart="never" nodeType="tmRoot"/>
+        <p:cTn id="1" dur="indefinite" restart="never" nodeType="tmRoot">
+          <p:childTnLst>
+            <p:seq concurrent="1" nextAc="seek">
+              <p:cTn id="2" dur="indefinite" nodeType="mainSeq">
+                <p:childTnLst>
+                  <p:par>
+                    <p:cTn id="3" fill="hold">
+                      <p:stCondLst>
+                        <p:cond delay="indefinite"/>
+                      </p:stCondLst>
+                      <p:childTnLst>
+                        <p:par>
+                          <p:cTn id="4" fill="hold">
+                            <p:stCondLst>
+                              <p:cond delay="0"/>
+                            </p:stCondLst>
+                            <p:childTnLst>
+                              <p:par>
+                                <p:cTn id="5" presetID="1" presetClass="entr" presetSubtype="0" fill="hold" grpId="0" nodeType="clickEffect">
+                                  <p:stCondLst>
+                                    <p:cond delay="0"/>
+                                  </p:stCondLst>
+                                  <p:childTnLst>
+                                    <p:set>
+                                      <p:cBhvr>
+                                        <p:cTn id="6" dur="1" fill="hold">
+                                          <p:stCondLst>
+                                            <p:cond delay="0"/>
+                                          </p:stCondLst>
+                                        </p:cTn>
+                                        <p:tgtEl>
+                                          <p:spTgt spid="4"/>
+                                        </p:tgtEl>
+                                        <p:attrNameLst>
+                                          <p:attrName>style.visibility</p:attrName>
+                                        </p:attrNameLst>
+                                      </p:cBhvr>
+                                      <p:to>
+                                        <p:strVal val="visible"/>
+                                      </p:to>
+                                    </p:set>
+                                  </p:childTnLst>
+                                </p:cTn>
+                              </p:par>
+                              <p:par>
+                                <p:cTn id="7" presetID="1" presetClass="entr" presetSubtype="0" fill="hold" nodeType="withEffect">
+                                  <p:stCondLst>
+                                    <p:cond delay="0"/>
+                                  </p:stCondLst>
+                                  <p:childTnLst>
+                                    <p:set>
+                                      <p:cBhvr>
+                                        <p:cTn id="8" dur="1" fill="hold">
+                                          <p:stCondLst>
+                                            <p:cond delay="0"/>
+                                          </p:stCondLst>
+                                        </p:cTn>
+                                        <p:tgtEl>
+                                          <p:spTgt spid="2051"/>
+                                        </p:tgtEl>
+                                        <p:attrNameLst>
+                                          <p:attrName>style.visibility</p:attrName>
+                                        </p:attrNameLst>
+                                      </p:cBhvr>
+                                      <p:to>
+                                        <p:strVal val="visible"/>
+                                      </p:to>
+                                    </p:set>
+                                  </p:childTnLst>
+                                </p:cTn>
+                              </p:par>
+                            </p:childTnLst>
+                          </p:cTn>
+                        </p:par>
+                      </p:childTnLst>
+                    </p:cTn>
+                  </p:par>
+                </p:childTnLst>
+              </p:cTn>
+              <p:prevCondLst>
+                <p:cond evt="onPrev" delay="0">
+                  <p:tgtEl>
+                    <p:sldTgt/>
+                  </p:tgtEl>
+                </p:cond>
+              </p:prevCondLst>
+              <p:nextCondLst>
+                <p:cond evt="onNext" delay="0">
+                  <p:tgtEl>
+                    <p:sldTgt/>
+                  </p:tgtEl>
+                </p:cond>
+              </p:nextCondLst>
+            </p:seq>
+          </p:childTnLst>
+        </p:cTn>
       </p:par>
     </p:tnLst>
+    <p:bldLst>
+      <p:bldP spid="4" grpId="0"/>
+    </p:bldLst>
   </p:timing>
 </p:sld>
 </file>
 
-<file path=ppt/slides/slide5.xml><?xml version="1.0" encoding="utf-8"?>
+<file path=ppt/slides/slide6.xml><?xml version="1.0" encoding="utf-8"?>
 <p:sld xmlns:a="http://schemas.openxmlformats.org/drawingml/2006/main" xmlns:r="http://schemas.openxmlformats.org/officeDocument/2006/relationships" xmlns:p="http://schemas.openxmlformats.org/presentationml/2006/main">
   <p:cSld>
     <p:spTree>
@@ -5665,6 +8566,36 @@
           </a:fontRef>
         </p:style>
       </p:cxnSp>
+      <p:sp>
+        <p:nvSpPr>
+          <p:cNvPr id="18" name="17 CuadroTexto"/>
+          <p:cNvSpPr txBox="1"/>
+          <p:nvPr/>
+        </p:nvSpPr>
+        <p:spPr>
+          <a:xfrm>
+            <a:off x="8388424" y="6382052"/>
+            <a:ext cx="625492" cy="369332"/>
+          </a:xfrm>
+          <a:prstGeom prst="rect">
+            <a:avLst/>
+          </a:prstGeom>
+          <a:noFill/>
+        </p:spPr>
+        <p:txBody>
+          <a:bodyPr wrap="none" rtlCol="0">
+            <a:spAutoFit/>
+          </a:bodyPr>
+          <a:lstStyle/>
+          <a:p>
+            <a:r>
+              <a:rPr lang="es-ES" dirty="0" smtClean="0"/>
+              <a:t>6/18</a:t>
+            </a:r>
+            <a:endParaRPr lang="es-ES" dirty="0"/>
+          </a:p>
+        </p:txBody>
+      </p:sp>
     </p:spTree>
     <p:extLst>
       <p:ext uri="{BB962C8B-B14F-4D97-AF65-F5344CB8AC3E}">
@@ -5678,14 +8609,440 @@
   <p:timing>
     <p:tnLst>
       <p:par>
-        <p:cTn id="1" dur="indefinite" restart="never" nodeType="tmRoot"/>
+        <p:cTn id="1" dur="indefinite" restart="never" nodeType="tmRoot">
+          <p:childTnLst>
+            <p:seq concurrent="1" nextAc="seek">
+              <p:cTn id="2" dur="indefinite" nodeType="mainSeq">
+                <p:childTnLst>
+                  <p:par>
+                    <p:cTn id="3" fill="hold">
+                      <p:stCondLst>
+                        <p:cond delay="indefinite"/>
+                      </p:stCondLst>
+                      <p:childTnLst>
+                        <p:par>
+                          <p:cTn id="4" fill="hold">
+                            <p:stCondLst>
+                              <p:cond delay="0"/>
+                            </p:stCondLst>
+                            <p:childTnLst>
+                              <p:par>
+                                <p:cTn id="5" presetID="1" presetClass="entr" presetSubtype="0" fill="hold" nodeType="clickEffect">
+                                  <p:stCondLst>
+                                    <p:cond delay="0"/>
+                                  </p:stCondLst>
+                                  <p:childTnLst>
+                                    <p:set>
+                                      <p:cBhvr>
+                                        <p:cTn id="6" dur="1" fill="hold">
+                                          <p:stCondLst>
+                                            <p:cond delay="0"/>
+                                          </p:stCondLst>
+                                        </p:cTn>
+                                        <p:tgtEl>
+                                          <p:spTgt spid="9"/>
+                                        </p:tgtEl>
+                                        <p:attrNameLst>
+                                          <p:attrName>style.visibility</p:attrName>
+                                        </p:attrNameLst>
+                                      </p:cBhvr>
+                                      <p:to>
+                                        <p:strVal val="visible"/>
+                                      </p:to>
+                                    </p:set>
+                                  </p:childTnLst>
+                                </p:cTn>
+                              </p:par>
+                              <p:par>
+                                <p:cTn id="7" presetID="1" presetClass="entr" presetSubtype="0" fill="hold" grpId="0" nodeType="withEffect">
+                                  <p:stCondLst>
+                                    <p:cond delay="0"/>
+                                  </p:stCondLst>
+                                  <p:childTnLst>
+                                    <p:set>
+                                      <p:cBhvr>
+                                        <p:cTn id="8" dur="1" fill="hold">
+                                          <p:stCondLst>
+                                            <p:cond delay="0"/>
+                                          </p:stCondLst>
+                                        </p:cTn>
+                                        <p:tgtEl>
+                                          <p:spTgt spid="5"/>
+                                        </p:tgtEl>
+                                        <p:attrNameLst>
+                                          <p:attrName>style.visibility</p:attrName>
+                                        </p:attrNameLst>
+                                      </p:cBhvr>
+                                      <p:to>
+                                        <p:strVal val="visible"/>
+                                      </p:to>
+                                    </p:set>
+                                  </p:childTnLst>
+                                </p:cTn>
+                              </p:par>
+                              <p:par>
+                                <p:cTn id="9" presetID="1" presetClass="entr" presetSubtype="0" fill="hold" grpId="0" nodeType="withEffect">
+                                  <p:stCondLst>
+                                    <p:cond delay="0"/>
+                                  </p:stCondLst>
+                                  <p:childTnLst>
+                                    <p:set>
+                                      <p:cBhvr>
+                                        <p:cTn id="10" dur="1" fill="hold">
+                                          <p:stCondLst>
+                                            <p:cond delay="0"/>
+                                          </p:stCondLst>
+                                        </p:cTn>
+                                        <p:tgtEl>
+                                          <p:spTgt spid="6"/>
+                                        </p:tgtEl>
+                                        <p:attrNameLst>
+                                          <p:attrName>style.visibility</p:attrName>
+                                        </p:attrNameLst>
+                                      </p:cBhvr>
+                                      <p:to>
+                                        <p:strVal val="visible"/>
+                                      </p:to>
+                                    </p:set>
+                                  </p:childTnLst>
+                                </p:cTn>
+                              </p:par>
+                            </p:childTnLst>
+                          </p:cTn>
+                        </p:par>
+                      </p:childTnLst>
+                    </p:cTn>
+                  </p:par>
+                  <p:par>
+                    <p:cTn id="11" fill="hold">
+                      <p:stCondLst>
+                        <p:cond delay="indefinite"/>
+                      </p:stCondLst>
+                      <p:childTnLst>
+                        <p:par>
+                          <p:cTn id="12" fill="hold">
+                            <p:stCondLst>
+                              <p:cond delay="0"/>
+                            </p:stCondLst>
+                            <p:childTnLst>
+                              <p:par>
+                                <p:cTn id="13" presetID="1" presetClass="entr" presetSubtype="0" fill="hold" nodeType="clickEffect">
+                                  <p:stCondLst>
+                                    <p:cond delay="0"/>
+                                  </p:stCondLst>
+                                  <p:childTnLst>
+                                    <p:set>
+                                      <p:cBhvr>
+                                        <p:cTn id="14" dur="1" fill="hold">
+                                          <p:stCondLst>
+                                            <p:cond delay="0"/>
+                                          </p:stCondLst>
+                                        </p:cTn>
+                                        <p:tgtEl>
+                                          <p:spTgt spid="12"/>
+                                        </p:tgtEl>
+                                        <p:attrNameLst>
+                                          <p:attrName>style.visibility</p:attrName>
+                                        </p:attrNameLst>
+                                      </p:cBhvr>
+                                      <p:to>
+                                        <p:strVal val="visible"/>
+                                      </p:to>
+                                    </p:set>
+                                  </p:childTnLst>
+                                </p:cTn>
+                              </p:par>
+                              <p:par>
+                                <p:cTn id="15" presetID="1" presetClass="entr" presetSubtype="0" fill="hold" nodeType="withEffect">
+                                  <p:stCondLst>
+                                    <p:cond delay="0"/>
+                                  </p:stCondLst>
+                                  <p:childTnLst>
+                                    <p:set>
+                                      <p:cBhvr>
+                                        <p:cTn id="16" dur="1" fill="hold">
+                                          <p:stCondLst>
+                                            <p:cond delay="0"/>
+                                          </p:stCondLst>
+                                        </p:cTn>
+                                        <p:tgtEl>
+                                          <p:spTgt spid="3075"/>
+                                        </p:tgtEl>
+                                        <p:attrNameLst>
+                                          <p:attrName>style.visibility</p:attrName>
+                                        </p:attrNameLst>
+                                      </p:cBhvr>
+                                      <p:to>
+                                        <p:strVal val="visible"/>
+                                      </p:to>
+                                    </p:set>
+                                  </p:childTnLst>
+                                </p:cTn>
+                              </p:par>
+                              <p:par>
+                                <p:cTn id="17" presetID="1" presetClass="entr" presetSubtype="0" fill="hold" grpId="0" nodeType="withEffect">
+                                  <p:stCondLst>
+                                    <p:cond delay="0"/>
+                                  </p:stCondLst>
+                                  <p:childTnLst>
+                                    <p:set>
+                                      <p:cBhvr>
+                                        <p:cTn id="18" dur="1" fill="hold">
+                                          <p:stCondLst>
+                                            <p:cond delay="0"/>
+                                          </p:stCondLst>
+                                        </p:cTn>
+                                        <p:tgtEl>
+                                          <p:spTgt spid="7"/>
+                                        </p:tgtEl>
+                                        <p:attrNameLst>
+                                          <p:attrName>style.visibility</p:attrName>
+                                        </p:attrNameLst>
+                                      </p:cBhvr>
+                                      <p:to>
+                                        <p:strVal val="visible"/>
+                                      </p:to>
+                                    </p:set>
+                                  </p:childTnLst>
+                                </p:cTn>
+                              </p:par>
+                            </p:childTnLst>
+                          </p:cTn>
+                        </p:par>
+                      </p:childTnLst>
+                    </p:cTn>
+                  </p:par>
+                  <p:par>
+                    <p:cTn id="19" fill="hold">
+                      <p:stCondLst>
+                        <p:cond delay="indefinite"/>
+                      </p:stCondLst>
+                      <p:childTnLst>
+                        <p:par>
+                          <p:cTn id="20" fill="hold">
+                            <p:stCondLst>
+                              <p:cond delay="0"/>
+                            </p:stCondLst>
+                            <p:childTnLst>
+                              <p:par>
+                                <p:cTn id="21" presetID="1" presetClass="entr" presetSubtype="0" fill="hold" nodeType="clickEffect">
+                                  <p:stCondLst>
+                                    <p:cond delay="0"/>
+                                  </p:stCondLst>
+                                  <p:childTnLst>
+                                    <p:set>
+                                      <p:cBhvr>
+                                        <p:cTn id="22" dur="1" fill="hold">
+                                          <p:stCondLst>
+                                            <p:cond delay="0"/>
+                                          </p:stCondLst>
+                                        </p:cTn>
+                                        <p:tgtEl>
+                                          <p:spTgt spid="15"/>
+                                        </p:tgtEl>
+                                        <p:attrNameLst>
+                                          <p:attrName>style.visibility</p:attrName>
+                                        </p:attrNameLst>
+                                      </p:cBhvr>
+                                      <p:to>
+                                        <p:strVal val="visible"/>
+                                      </p:to>
+                                    </p:set>
+                                  </p:childTnLst>
+                                </p:cTn>
+                              </p:par>
+                              <p:par>
+                                <p:cTn id="23" presetID="1" presetClass="entr" presetSubtype="0" fill="hold" nodeType="withEffect">
+                                  <p:stCondLst>
+                                    <p:cond delay="0"/>
+                                  </p:stCondLst>
+                                  <p:childTnLst>
+                                    <p:set>
+                                      <p:cBhvr>
+                                        <p:cTn id="24" dur="1" fill="hold">
+                                          <p:stCondLst>
+                                            <p:cond delay="0"/>
+                                          </p:stCondLst>
+                                        </p:cTn>
+                                        <p:tgtEl>
+                                          <p:spTgt spid="3076"/>
+                                        </p:tgtEl>
+                                        <p:attrNameLst>
+                                          <p:attrName>style.visibility</p:attrName>
+                                        </p:attrNameLst>
+                                      </p:cBhvr>
+                                      <p:to>
+                                        <p:strVal val="visible"/>
+                                      </p:to>
+                                    </p:set>
+                                  </p:childTnLst>
+                                </p:cTn>
+                              </p:par>
+                              <p:par>
+                                <p:cTn id="25" presetID="1" presetClass="entr" presetSubtype="0" fill="hold" grpId="0" nodeType="withEffect">
+                                  <p:stCondLst>
+                                    <p:cond delay="0"/>
+                                  </p:stCondLst>
+                                  <p:childTnLst>
+                                    <p:set>
+                                      <p:cBhvr>
+                                        <p:cTn id="26" dur="1" fill="hold">
+                                          <p:stCondLst>
+                                            <p:cond delay="0"/>
+                                          </p:stCondLst>
+                                        </p:cTn>
+                                        <p:tgtEl>
+                                          <p:spTgt spid="11"/>
+                                        </p:tgtEl>
+                                        <p:attrNameLst>
+                                          <p:attrName>style.visibility</p:attrName>
+                                        </p:attrNameLst>
+                                      </p:cBhvr>
+                                      <p:to>
+                                        <p:strVal val="visible"/>
+                                      </p:to>
+                                    </p:set>
+                                  </p:childTnLst>
+                                </p:cTn>
+                              </p:par>
+                            </p:childTnLst>
+                          </p:cTn>
+                        </p:par>
+                      </p:childTnLst>
+                    </p:cTn>
+                  </p:par>
+                  <p:par>
+                    <p:cTn id="27" fill="hold">
+                      <p:stCondLst>
+                        <p:cond delay="indefinite"/>
+                      </p:stCondLst>
+                      <p:childTnLst>
+                        <p:par>
+                          <p:cTn id="28" fill="hold">
+                            <p:stCondLst>
+                              <p:cond delay="0"/>
+                            </p:stCondLst>
+                            <p:childTnLst>
+                              <p:par>
+                                <p:cTn id="29" presetID="1" presetClass="entr" presetSubtype="0" fill="hold" nodeType="clickEffect">
+                                  <p:stCondLst>
+                                    <p:cond delay="0"/>
+                                  </p:stCondLst>
+                                  <p:childTnLst>
+                                    <p:set>
+                                      <p:cBhvr>
+                                        <p:cTn id="30" dur="1" fill="hold">
+                                          <p:stCondLst>
+                                            <p:cond delay="0"/>
+                                          </p:stCondLst>
+                                        </p:cTn>
+                                        <p:tgtEl>
+                                          <p:spTgt spid="17"/>
+                                        </p:tgtEl>
+                                        <p:attrNameLst>
+                                          <p:attrName>style.visibility</p:attrName>
+                                        </p:attrNameLst>
+                                      </p:cBhvr>
+                                      <p:to>
+                                        <p:strVal val="visible"/>
+                                      </p:to>
+                                    </p:set>
+                                  </p:childTnLst>
+                                </p:cTn>
+                              </p:par>
+                              <p:par>
+                                <p:cTn id="31" presetID="1" presetClass="entr" presetSubtype="0" fill="hold" nodeType="withEffect">
+                                  <p:stCondLst>
+                                    <p:cond delay="0"/>
+                                  </p:stCondLst>
+                                  <p:childTnLst>
+                                    <p:set>
+                                      <p:cBhvr>
+                                        <p:cTn id="32" dur="1" fill="hold">
+                                          <p:stCondLst>
+                                            <p:cond delay="0"/>
+                                          </p:stCondLst>
+                                        </p:cTn>
+                                        <p:tgtEl>
+                                          <p:spTgt spid="3077"/>
+                                        </p:tgtEl>
+                                        <p:attrNameLst>
+                                          <p:attrName>style.visibility</p:attrName>
+                                        </p:attrNameLst>
+                                      </p:cBhvr>
+                                      <p:to>
+                                        <p:strVal val="visible"/>
+                                      </p:to>
+                                    </p:set>
+                                  </p:childTnLst>
+                                </p:cTn>
+                              </p:par>
+                              <p:par>
+                                <p:cTn id="33" presetID="1" presetClass="entr" presetSubtype="0" fill="hold" grpId="0" nodeType="withEffect">
+                                  <p:stCondLst>
+                                    <p:cond delay="0"/>
+                                  </p:stCondLst>
+                                  <p:childTnLst>
+                                    <p:set>
+                                      <p:cBhvr>
+                                        <p:cTn id="34" dur="1" fill="hold">
+                                          <p:stCondLst>
+                                            <p:cond delay="0"/>
+                                          </p:stCondLst>
+                                        </p:cTn>
+                                        <p:tgtEl>
+                                          <p:spTgt spid="13"/>
+                                        </p:tgtEl>
+                                        <p:attrNameLst>
+                                          <p:attrName>style.visibility</p:attrName>
+                                        </p:attrNameLst>
+                                      </p:cBhvr>
+                                      <p:to>
+                                        <p:strVal val="visible"/>
+                                      </p:to>
+                                    </p:set>
+                                  </p:childTnLst>
+                                </p:cTn>
+                              </p:par>
+                            </p:childTnLst>
+                          </p:cTn>
+                        </p:par>
+                      </p:childTnLst>
+                    </p:cTn>
+                  </p:par>
+                </p:childTnLst>
+              </p:cTn>
+              <p:prevCondLst>
+                <p:cond evt="onPrev" delay="0">
+                  <p:tgtEl>
+                    <p:sldTgt/>
+                  </p:tgtEl>
+                </p:cond>
+              </p:prevCondLst>
+              <p:nextCondLst>
+                <p:cond evt="onNext" delay="0">
+                  <p:tgtEl>
+                    <p:sldTgt/>
+                  </p:tgtEl>
+                </p:cond>
+              </p:nextCondLst>
+            </p:seq>
+          </p:childTnLst>
+        </p:cTn>
       </p:par>
     </p:tnLst>
+    <p:bldLst>
+      <p:bldP spid="5" grpId="0"/>
+      <p:bldP spid="6" grpId="0"/>
+      <p:bldP spid="7" grpId="0"/>
+      <p:bldP spid="11" grpId="0"/>
+      <p:bldP spid="13" grpId="0"/>
+    </p:bldLst>
   </p:timing>
 </p:sld>
 </file>
 
-<file path=ppt/slides/slide6.xml><?xml version="1.0" encoding="utf-8"?>
+<file path=ppt/slides/slide7.xml><?xml version="1.0" encoding="utf-8"?>
 <p:sld xmlns:a="http://schemas.openxmlformats.org/drawingml/2006/main" xmlns:r="http://schemas.openxmlformats.org/officeDocument/2006/relationships" xmlns:p="http://schemas.openxmlformats.org/presentationml/2006/main">
   <p:cSld>
     <p:spTree>
@@ -6429,6 +9786,36 @@
           </a:p>
         </p:txBody>
       </p:sp>
+      <p:sp>
+        <p:nvSpPr>
+          <p:cNvPr id="20" name="19 CuadroTexto"/>
+          <p:cNvSpPr txBox="1"/>
+          <p:nvPr/>
+        </p:nvSpPr>
+        <p:spPr>
+          <a:xfrm>
+            <a:off x="8388424" y="6382052"/>
+            <a:ext cx="625492" cy="369332"/>
+          </a:xfrm>
+          <a:prstGeom prst="rect">
+            <a:avLst/>
+          </a:prstGeom>
+          <a:noFill/>
+        </p:spPr>
+        <p:txBody>
+          <a:bodyPr wrap="none" rtlCol="0">
+            <a:spAutoFit/>
+          </a:bodyPr>
+          <a:lstStyle/>
+          <a:p>
+            <a:r>
+              <a:rPr lang="es-ES" dirty="0" smtClean="0"/>
+              <a:t>7/18</a:t>
+            </a:r>
+            <a:endParaRPr lang="es-ES" dirty="0"/>
+          </a:p>
+        </p:txBody>
+      </p:sp>
     </p:spTree>
     <p:extLst>
       <p:ext uri="{BB962C8B-B14F-4D97-AF65-F5344CB8AC3E}">
@@ -6442,616 +9829,577 @@
   <p:timing>
     <p:tnLst>
       <p:par>
-        <p:cTn id="1" dur="indefinite" restart="never" nodeType="tmRoot"/>
+        <p:cTn id="1" dur="indefinite" restart="never" nodeType="tmRoot">
+          <p:childTnLst>
+            <p:seq concurrent="1" nextAc="seek">
+              <p:cTn id="2" dur="indefinite" nodeType="mainSeq">
+                <p:childTnLst>
+                  <p:par>
+                    <p:cTn id="3" fill="hold">
+                      <p:stCondLst>
+                        <p:cond delay="indefinite"/>
+                      </p:stCondLst>
+                      <p:childTnLst>
+                        <p:par>
+                          <p:cTn id="4" fill="hold">
+                            <p:stCondLst>
+                              <p:cond delay="0"/>
+                            </p:stCondLst>
+                            <p:childTnLst>
+                              <p:par>
+                                <p:cTn id="5" presetID="1" presetClass="entr" presetSubtype="0" fill="hold" nodeType="clickEffect">
+                                  <p:stCondLst>
+                                    <p:cond delay="0"/>
+                                  </p:stCondLst>
+                                  <p:childTnLst>
+                                    <p:set>
+                                      <p:cBhvr>
+                                        <p:cTn id="6" dur="1" fill="hold">
+                                          <p:stCondLst>
+                                            <p:cond delay="0"/>
+                                          </p:stCondLst>
+                                        </p:cTn>
+                                        <p:tgtEl>
+                                          <p:spTgt spid="9"/>
+                                        </p:tgtEl>
+                                        <p:attrNameLst>
+                                          <p:attrName>style.visibility</p:attrName>
+                                        </p:attrNameLst>
+                                      </p:cBhvr>
+                                      <p:to>
+                                        <p:strVal val="visible"/>
+                                      </p:to>
+                                    </p:set>
+                                  </p:childTnLst>
+                                </p:cTn>
+                              </p:par>
+                              <p:par>
+                                <p:cTn id="7" presetID="1" presetClass="entr" presetSubtype="0" fill="hold" grpId="0" nodeType="withEffect">
+                                  <p:stCondLst>
+                                    <p:cond delay="0"/>
+                                  </p:stCondLst>
+                                  <p:childTnLst>
+                                    <p:set>
+                                      <p:cBhvr>
+                                        <p:cTn id="8" dur="1" fill="hold">
+                                          <p:stCondLst>
+                                            <p:cond delay="0"/>
+                                          </p:stCondLst>
+                                        </p:cTn>
+                                        <p:tgtEl>
+                                          <p:spTgt spid="5"/>
+                                        </p:tgtEl>
+                                        <p:attrNameLst>
+                                          <p:attrName>style.visibility</p:attrName>
+                                        </p:attrNameLst>
+                                      </p:cBhvr>
+                                      <p:to>
+                                        <p:strVal val="visible"/>
+                                      </p:to>
+                                    </p:set>
+                                  </p:childTnLst>
+                                </p:cTn>
+                              </p:par>
+                              <p:par>
+                                <p:cTn id="9" presetID="1" presetClass="entr" presetSubtype="0" fill="hold" grpId="0" nodeType="withEffect">
+                                  <p:stCondLst>
+                                    <p:cond delay="0"/>
+                                  </p:stCondLst>
+                                  <p:childTnLst>
+                                    <p:set>
+                                      <p:cBhvr>
+                                        <p:cTn id="10" dur="1" fill="hold">
+                                          <p:stCondLst>
+                                            <p:cond delay="0"/>
+                                          </p:stCondLst>
+                                        </p:cTn>
+                                        <p:tgtEl>
+                                          <p:spTgt spid="6"/>
+                                        </p:tgtEl>
+                                        <p:attrNameLst>
+                                          <p:attrName>style.visibility</p:attrName>
+                                        </p:attrNameLst>
+                                      </p:cBhvr>
+                                      <p:to>
+                                        <p:strVal val="visible"/>
+                                      </p:to>
+                                    </p:set>
+                                  </p:childTnLst>
+                                </p:cTn>
+                              </p:par>
+                            </p:childTnLst>
+                          </p:cTn>
+                        </p:par>
+                      </p:childTnLst>
+                    </p:cTn>
+                  </p:par>
+                  <p:par>
+                    <p:cTn id="11" fill="hold">
+                      <p:stCondLst>
+                        <p:cond delay="indefinite"/>
+                      </p:stCondLst>
+                      <p:childTnLst>
+                        <p:par>
+                          <p:cTn id="12" fill="hold">
+                            <p:stCondLst>
+                              <p:cond delay="0"/>
+                            </p:stCondLst>
+                            <p:childTnLst>
+                              <p:par>
+                                <p:cTn id="13" presetID="1" presetClass="entr" presetSubtype="0" fill="hold" nodeType="clickEffect">
+                                  <p:stCondLst>
+                                    <p:cond delay="0"/>
+                                  </p:stCondLst>
+                                  <p:childTnLst>
+                                    <p:set>
+                                      <p:cBhvr>
+                                        <p:cTn id="14" dur="1" fill="hold">
+                                          <p:stCondLst>
+                                            <p:cond delay="0"/>
+                                          </p:stCondLst>
+                                        </p:cTn>
+                                        <p:tgtEl>
+                                          <p:spTgt spid="12"/>
+                                        </p:tgtEl>
+                                        <p:attrNameLst>
+                                          <p:attrName>style.visibility</p:attrName>
+                                        </p:attrNameLst>
+                                      </p:cBhvr>
+                                      <p:to>
+                                        <p:strVal val="visible"/>
+                                      </p:to>
+                                    </p:set>
+                                  </p:childTnLst>
+                                </p:cTn>
+                              </p:par>
+                              <p:par>
+                                <p:cTn id="15" presetID="1" presetClass="entr" presetSubtype="0" fill="hold" grpId="0" nodeType="withEffect">
+                                  <p:stCondLst>
+                                    <p:cond delay="0"/>
+                                  </p:stCondLst>
+                                  <p:childTnLst>
+                                    <p:set>
+                                      <p:cBhvr>
+                                        <p:cTn id="16" dur="1" fill="hold">
+                                          <p:stCondLst>
+                                            <p:cond delay="0"/>
+                                          </p:stCondLst>
+                                        </p:cTn>
+                                        <p:tgtEl>
+                                          <p:spTgt spid="14"/>
+                                        </p:tgtEl>
+                                        <p:attrNameLst>
+                                          <p:attrName>style.visibility</p:attrName>
+                                        </p:attrNameLst>
+                                      </p:cBhvr>
+                                      <p:to>
+                                        <p:strVal val="visible"/>
+                                      </p:to>
+                                    </p:set>
+                                  </p:childTnLst>
+                                </p:cTn>
+                              </p:par>
+                              <p:par>
+                                <p:cTn id="17" presetID="1" presetClass="entr" presetSubtype="0" fill="hold" grpId="0" nodeType="withEffect">
+                                  <p:stCondLst>
+                                    <p:cond delay="0"/>
+                                  </p:stCondLst>
+                                  <p:childTnLst>
+                                    <p:set>
+                                      <p:cBhvr>
+                                        <p:cTn id="18" dur="1" fill="hold">
+                                          <p:stCondLst>
+                                            <p:cond delay="0"/>
+                                          </p:stCondLst>
+                                        </p:cTn>
+                                        <p:tgtEl>
+                                          <p:spTgt spid="7"/>
+                                        </p:tgtEl>
+                                        <p:attrNameLst>
+                                          <p:attrName>style.visibility</p:attrName>
+                                        </p:attrNameLst>
+                                      </p:cBhvr>
+                                      <p:to>
+                                        <p:strVal val="visible"/>
+                                      </p:to>
+                                    </p:set>
+                                  </p:childTnLst>
+                                </p:cTn>
+                              </p:par>
+                            </p:childTnLst>
+                          </p:cTn>
+                        </p:par>
+                      </p:childTnLst>
+                    </p:cTn>
+                  </p:par>
+                  <p:par>
+                    <p:cTn id="19" fill="hold">
+                      <p:stCondLst>
+                        <p:cond delay="indefinite"/>
+                      </p:stCondLst>
+                      <p:childTnLst>
+                        <p:par>
+                          <p:cTn id="20" fill="hold">
+                            <p:stCondLst>
+                              <p:cond delay="0"/>
+                            </p:stCondLst>
+                            <p:childTnLst>
+                              <p:par>
+                                <p:cTn id="21" presetID="1" presetClass="entr" presetSubtype="0" fill="hold" grpId="0" nodeType="clickEffect">
+                                  <p:stCondLst>
+                                    <p:cond delay="0"/>
+                                  </p:stCondLst>
+                                  <p:childTnLst>
+                                    <p:set>
+                                      <p:cBhvr>
+                                        <p:cTn id="22" dur="1" fill="hold">
+                                          <p:stCondLst>
+                                            <p:cond delay="0"/>
+                                          </p:stCondLst>
+                                        </p:cTn>
+                                        <p:tgtEl>
+                                          <p:spTgt spid="22"/>
+                                        </p:tgtEl>
+                                        <p:attrNameLst>
+                                          <p:attrName>style.visibility</p:attrName>
+                                        </p:attrNameLst>
+                                      </p:cBhvr>
+                                      <p:to>
+                                        <p:strVal val="visible"/>
+                                      </p:to>
+                                    </p:set>
+                                  </p:childTnLst>
+                                </p:cTn>
+                              </p:par>
+                            </p:childTnLst>
+                          </p:cTn>
+                        </p:par>
+                      </p:childTnLst>
+                    </p:cTn>
+                  </p:par>
+                  <p:par>
+                    <p:cTn id="23" fill="hold">
+                      <p:stCondLst>
+                        <p:cond delay="indefinite"/>
+                      </p:stCondLst>
+                      <p:childTnLst>
+                        <p:par>
+                          <p:cTn id="24" fill="hold">
+                            <p:stCondLst>
+                              <p:cond delay="0"/>
+                            </p:stCondLst>
+                            <p:childTnLst>
+                              <p:par>
+                                <p:cTn id="25" presetID="1" presetClass="entr" presetSubtype="0" fill="hold" nodeType="clickEffect">
+                                  <p:stCondLst>
+                                    <p:cond delay="0"/>
+                                  </p:stCondLst>
+                                  <p:childTnLst>
+                                    <p:set>
+                                      <p:cBhvr>
+                                        <p:cTn id="26" dur="1" fill="hold">
+                                          <p:stCondLst>
+                                            <p:cond delay="0"/>
+                                          </p:stCondLst>
+                                        </p:cTn>
+                                        <p:tgtEl>
+                                          <p:spTgt spid="15"/>
+                                        </p:tgtEl>
+                                        <p:attrNameLst>
+                                          <p:attrName>style.visibility</p:attrName>
+                                        </p:attrNameLst>
+                                      </p:cBhvr>
+                                      <p:to>
+                                        <p:strVal val="visible"/>
+                                      </p:to>
+                                    </p:set>
+                                  </p:childTnLst>
+                                </p:cTn>
+                              </p:par>
+                              <p:par>
+                                <p:cTn id="27" presetID="1" presetClass="entr" presetSubtype="0" fill="hold" grpId="0" nodeType="withEffect">
+                                  <p:stCondLst>
+                                    <p:cond delay="0"/>
+                                  </p:stCondLst>
+                                  <p:childTnLst>
+                                    <p:set>
+                                      <p:cBhvr>
+                                        <p:cTn id="28" dur="1" fill="hold">
+                                          <p:stCondLst>
+                                            <p:cond delay="0"/>
+                                          </p:stCondLst>
+                                        </p:cTn>
+                                        <p:tgtEl>
+                                          <p:spTgt spid="23"/>
+                                        </p:tgtEl>
+                                        <p:attrNameLst>
+                                          <p:attrName>style.visibility</p:attrName>
+                                        </p:attrNameLst>
+                                      </p:cBhvr>
+                                      <p:to>
+                                        <p:strVal val="visible"/>
+                                      </p:to>
+                                    </p:set>
+                                  </p:childTnLst>
+                                </p:cTn>
+                              </p:par>
+                              <p:par>
+                                <p:cTn id="29" presetID="1" presetClass="entr" presetSubtype="0" fill="hold" grpId="0" nodeType="withEffect">
+                                  <p:stCondLst>
+                                    <p:cond delay="0"/>
+                                  </p:stCondLst>
+                                  <p:childTnLst>
+                                    <p:set>
+                                      <p:cBhvr>
+                                        <p:cTn id="30" dur="1" fill="hold">
+                                          <p:stCondLst>
+                                            <p:cond delay="0"/>
+                                          </p:stCondLst>
+                                        </p:cTn>
+                                        <p:tgtEl>
+                                          <p:spTgt spid="11"/>
+                                        </p:tgtEl>
+                                        <p:attrNameLst>
+                                          <p:attrName>style.visibility</p:attrName>
+                                        </p:attrNameLst>
+                                      </p:cBhvr>
+                                      <p:to>
+                                        <p:strVal val="visible"/>
+                                      </p:to>
+                                    </p:set>
+                                  </p:childTnLst>
+                                </p:cTn>
+                              </p:par>
+                            </p:childTnLst>
+                          </p:cTn>
+                        </p:par>
+                      </p:childTnLst>
+                    </p:cTn>
+                  </p:par>
+                  <p:par>
+                    <p:cTn id="31" fill="hold">
+                      <p:stCondLst>
+                        <p:cond delay="indefinite"/>
+                      </p:stCondLst>
+                      <p:childTnLst>
+                        <p:par>
+                          <p:cTn id="32" fill="hold">
+                            <p:stCondLst>
+                              <p:cond delay="0"/>
+                            </p:stCondLst>
+                            <p:childTnLst>
+                              <p:par>
+                                <p:cTn id="33" presetID="1" presetClass="entr" presetSubtype="0" fill="hold" grpId="0" nodeType="clickEffect">
+                                  <p:stCondLst>
+                                    <p:cond delay="0"/>
+                                  </p:stCondLst>
+                                  <p:childTnLst>
+                                    <p:set>
+                                      <p:cBhvr>
+                                        <p:cTn id="34" dur="1" fill="hold">
+                                          <p:stCondLst>
+                                            <p:cond delay="0"/>
+                                          </p:stCondLst>
+                                        </p:cTn>
+                                        <p:tgtEl>
+                                          <p:spTgt spid="29"/>
+                                        </p:tgtEl>
+                                        <p:attrNameLst>
+                                          <p:attrName>style.visibility</p:attrName>
+                                        </p:attrNameLst>
+                                      </p:cBhvr>
+                                      <p:to>
+                                        <p:strVal val="visible"/>
+                                      </p:to>
+                                    </p:set>
+                                  </p:childTnLst>
+                                </p:cTn>
+                              </p:par>
+                            </p:childTnLst>
+                          </p:cTn>
+                        </p:par>
+                      </p:childTnLst>
+                    </p:cTn>
+                  </p:par>
+                  <p:par>
+                    <p:cTn id="35" fill="hold">
+                      <p:stCondLst>
+                        <p:cond delay="indefinite"/>
+                      </p:stCondLst>
+                      <p:childTnLst>
+                        <p:par>
+                          <p:cTn id="36" fill="hold">
+                            <p:stCondLst>
+                              <p:cond delay="0"/>
+                            </p:stCondLst>
+                            <p:childTnLst>
+                              <p:par>
+                                <p:cTn id="37" presetID="1" presetClass="entr" presetSubtype="0" fill="hold" nodeType="clickEffect">
+                                  <p:stCondLst>
+                                    <p:cond delay="0"/>
+                                  </p:stCondLst>
+                                  <p:childTnLst>
+                                    <p:set>
+                                      <p:cBhvr>
+                                        <p:cTn id="38" dur="1" fill="hold">
+                                          <p:stCondLst>
+                                            <p:cond delay="0"/>
+                                          </p:stCondLst>
+                                        </p:cTn>
+                                        <p:tgtEl>
+                                          <p:spTgt spid="17"/>
+                                        </p:tgtEl>
+                                        <p:attrNameLst>
+                                          <p:attrName>style.visibility</p:attrName>
+                                        </p:attrNameLst>
+                                      </p:cBhvr>
+                                      <p:to>
+                                        <p:strVal val="visible"/>
+                                      </p:to>
+                                    </p:set>
+                                  </p:childTnLst>
+                                </p:cTn>
+                              </p:par>
+                              <p:par>
+                                <p:cTn id="39" presetID="1" presetClass="entr" presetSubtype="0" fill="hold" grpId="0" nodeType="withEffect">
+                                  <p:stCondLst>
+                                    <p:cond delay="0"/>
+                                  </p:stCondLst>
+                                  <p:childTnLst>
+                                    <p:set>
+                                      <p:cBhvr>
+                                        <p:cTn id="40" dur="1" fill="hold">
+                                          <p:stCondLst>
+                                            <p:cond delay="0"/>
+                                          </p:stCondLst>
+                                        </p:cTn>
+                                        <p:tgtEl>
+                                          <p:spTgt spid="26"/>
+                                        </p:tgtEl>
+                                        <p:attrNameLst>
+                                          <p:attrName>style.visibility</p:attrName>
+                                        </p:attrNameLst>
+                                      </p:cBhvr>
+                                      <p:to>
+                                        <p:strVal val="visible"/>
+                                      </p:to>
+                                    </p:set>
+                                  </p:childTnLst>
+                                </p:cTn>
+                              </p:par>
+                              <p:par>
+                                <p:cTn id="41" presetID="1" presetClass="entr" presetSubtype="0" fill="hold" grpId="0" nodeType="withEffect">
+                                  <p:stCondLst>
+                                    <p:cond delay="0"/>
+                                  </p:stCondLst>
+                                  <p:childTnLst>
+                                    <p:set>
+                                      <p:cBhvr>
+                                        <p:cTn id="42" dur="1" fill="hold">
+                                          <p:stCondLst>
+                                            <p:cond delay="0"/>
+                                          </p:stCondLst>
+                                        </p:cTn>
+                                        <p:tgtEl>
+                                          <p:spTgt spid="13"/>
+                                        </p:tgtEl>
+                                        <p:attrNameLst>
+                                          <p:attrName>style.visibility</p:attrName>
+                                        </p:attrNameLst>
+                                      </p:cBhvr>
+                                      <p:to>
+                                        <p:strVal val="visible"/>
+                                      </p:to>
+                                    </p:set>
+                                  </p:childTnLst>
+                                </p:cTn>
+                              </p:par>
+                            </p:childTnLst>
+                          </p:cTn>
+                        </p:par>
+                      </p:childTnLst>
+                    </p:cTn>
+                  </p:par>
+                  <p:par>
+                    <p:cTn id="43" fill="hold">
+                      <p:stCondLst>
+                        <p:cond delay="indefinite"/>
+                      </p:stCondLst>
+                      <p:childTnLst>
+                        <p:par>
+                          <p:cTn id="44" fill="hold">
+                            <p:stCondLst>
+                              <p:cond delay="0"/>
+                            </p:stCondLst>
+                            <p:childTnLst>
+                              <p:par>
+                                <p:cTn id="45" presetID="1" presetClass="entr" presetSubtype="0" fill="hold" grpId="0" nodeType="clickEffect">
+                                  <p:stCondLst>
+                                    <p:cond delay="0"/>
+                                  </p:stCondLst>
+                                  <p:childTnLst>
+                                    <p:set>
+                                      <p:cBhvr>
+                                        <p:cTn id="46" dur="1" fill="hold">
+                                          <p:stCondLst>
+                                            <p:cond delay="0"/>
+                                          </p:stCondLst>
+                                        </p:cTn>
+                                        <p:tgtEl>
+                                          <p:spTgt spid="30"/>
+                                        </p:tgtEl>
+                                        <p:attrNameLst>
+                                          <p:attrName>style.visibility</p:attrName>
+                                        </p:attrNameLst>
+                                      </p:cBhvr>
+                                      <p:to>
+                                        <p:strVal val="visible"/>
+                                      </p:to>
+                                    </p:set>
+                                  </p:childTnLst>
+                                </p:cTn>
+                              </p:par>
+                            </p:childTnLst>
+                          </p:cTn>
+                        </p:par>
+                      </p:childTnLst>
+                    </p:cTn>
+                  </p:par>
+                </p:childTnLst>
+              </p:cTn>
+              <p:prevCondLst>
+                <p:cond evt="onPrev" delay="0">
+                  <p:tgtEl>
+                    <p:sldTgt/>
+                  </p:tgtEl>
+                </p:cond>
+              </p:prevCondLst>
+              <p:nextCondLst>
+                <p:cond evt="onNext" delay="0">
+                  <p:tgtEl>
+                    <p:sldTgt/>
+                  </p:tgtEl>
+                </p:cond>
+              </p:nextCondLst>
+            </p:seq>
+          </p:childTnLst>
+        </p:cTn>
       </p:par>
     </p:tnLst>
+    <p:bldLst>
+      <p:bldP spid="5" grpId="0" animBg="1"/>
+      <p:bldP spid="6" grpId="0"/>
+      <p:bldP spid="7" grpId="0"/>
+      <p:bldP spid="11" grpId="0"/>
+      <p:bldP spid="13" grpId="0"/>
+      <p:bldP spid="14" grpId="0"/>
+      <p:bldP spid="23" grpId="0"/>
+      <p:bldP spid="26" grpId="0"/>
+      <p:bldP spid="22" grpId="0" animBg="1"/>
+      <p:bldP spid="29" grpId="0" animBg="1"/>
+      <p:bldP spid="30" grpId="0" animBg="1"/>
+    </p:bldLst>
   </p:timing>
-</p:sld>
-</file>
-
-<file path=ppt/slides/slide7.xml><?xml version="1.0" encoding="utf-8"?>
-<p:sld xmlns:a="http://schemas.openxmlformats.org/drawingml/2006/main" xmlns:r="http://schemas.openxmlformats.org/officeDocument/2006/relationships" xmlns:p="http://schemas.openxmlformats.org/presentationml/2006/main">
-  <p:cSld>
-    <p:spTree>
-      <p:nvGrpSpPr>
-        <p:cNvPr id="1" name=""/>
-        <p:cNvGrpSpPr/>
-        <p:nvPr/>
-      </p:nvGrpSpPr>
-      <p:grpSpPr>
-        <a:xfrm>
-          <a:off x="0" y="0"/>
-          <a:ext cx="0" cy="0"/>
-          <a:chOff x="0" y="0"/>
-          <a:chExt cx="0" cy="0"/>
-        </a:xfrm>
-      </p:grpSpPr>
-      <p:sp>
-        <p:nvSpPr>
-          <p:cNvPr id="4" name="3 Rectángulo"/>
-          <p:cNvSpPr/>
-          <p:nvPr/>
-        </p:nvSpPr>
-        <p:spPr>
-          <a:xfrm>
-            <a:off x="827584" y="1484784"/>
-            <a:ext cx="2592288" cy="720080"/>
-          </a:xfrm>
-          <a:prstGeom prst="rect">
-            <a:avLst/>
-          </a:prstGeom>
-        </p:spPr>
-        <p:style>
-          <a:lnRef idx="2">
-            <a:schemeClr val="accent1">
-              <a:shade val="50000"/>
-            </a:schemeClr>
-          </a:lnRef>
-          <a:fillRef idx="1">
-            <a:schemeClr val="accent1"/>
-          </a:fillRef>
-          <a:effectRef idx="0">
-            <a:schemeClr val="accent1"/>
-          </a:effectRef>
-          <a:fontRef idx="minor">
-            <a:schemeClr val="lt1"/>
-          </a:fontRef>
-        </p:style>
-        <p:txBody>
-          <a:bodyPr rtlCol="0" anchor="ctr"/>
-          <a:lstStyle/>
-          <a:p>
-            <a:pPr algn="ctr"/>
-            <a:r>
-              <a:rPr lang="es-ES" sz="2800" dirty="0" smtClean="0"/>
-              <a:t>Población inicial</a:t>
-            </a:r>
-            <a:endParaRPr lang="es-ES" sz="2800" dirty="0"/>
-          </a:p>
-        </p:txBody>
-      </p:sp>
-      <p:sp>
-        <p:nvSpPr>
-          <p:cNvPr id="5" name="4 CuadroTexto"/>
-          <p:cNvSpPr txBox="1"/>
-          <p:nvPr/>
-        </p:nvSpPr>
-        <p:spPr>
-          <a:xfrm>
-            <a:off x="3613281" y="237875"/>
-            <a:ext cx="2099870" cy="584775"/>
-          </a:xfrm>
-          <a:prstGeom prst="rect">
-            <a:avLst/>
-          </a:prstGeom>
-          <a:noFill/>
-        </p:spPr>
-        <p:txBody>
-          <a:bodyPr wrap="none" rtlCol="0">
-            <a:spAutoFit/>
-          </a:bodyPr>
-          <a:lstStyle/>
-          <a:p>
-            <a:r>
-              <a:rPr lang="es-ES" sz="3200" dirty="0" smtClean="0"/>
-              <a:t>Generación</a:t>
-            </a:r>
-            <a:endParaRPr lang="es-ES" sz="3200" dirty="0"/>
-          </a:p>
-        </p:txBody>
-      </p:sp>
-      <p:sp>
-        <p:nvSpPr>
-          <p:cNvPr id="6" name="5 Rectángulo"/>
-          <p:cNvSpPr/>
-          <p:nvPr/>
-        </p:nvSpPr>
-        <p:spPr>
-          <a:xfrm>
-            <a:off x="5713151" y="1481962"/>
-            <a:ext cx="2592288" cy="720080"/>
-          </a:xfrm>
-          <a:prstGeom prst="rect">
-            <a:avLst/>
-          </a:prstGeom>
-        </p:spPr>
-        <p:style>
-          <a:lnRef idx="2">
-            <a:schemeClr val="accent1">
-              <a:shade val="50000"/>
-            </a:schemeClr>
-          </a:lnRef>
-          <a:fillRef idx="1">
-            <a:schemeClr val="accent1"/>
-          </a:fillRef>
-          <a:effectRef idx="0">
-            <a:schemeClr val="accent1"/>
-          </a:effectRef>
-          <a:fontRef idx="minor">
-            <a:schemeClr val="lt1"/>
-          </a:fontRef>
-        </p:style>
-        <p:txBody>
-          <a:bodyPr rtlCol="0" anchor="ctr"/>
-          <a:lstStyle/>
-          <a:p>
-            <a:pPr algn="ctr"/>
-            <a:r>
-              <a:rPr lang="es-ES" sz="2800" dirty="0" smtClean="0"/>
-              <a:t>Análisis</a:t>
-            </a:r>
-            <a:endParaRPr lang="es-ES" sz="2800" dirty="0"/>
-          </a:p>
-        </p:txBody>
-      </p:sp>
-      <p:sp>
-        <p:nvSpPr>
-          <p:cNvPr id="7" name="6 Rectángulo"/>
-          <p:cNvSpPr/>
-          <p:nvPr/>
-        </p:nvSpPr>
-        <p:spPr>
-          <a:xfrm>
-            <a:off x="5713151" y="3789040"/>
-            <a:ext cx="2592288" cy="720080"/>
-          </a:xfrm>
-          <a:prstGeom prst="rect">
-            <a:avLst/>
-          </a:prstGeom>
-        </p:spPr>
-        <p:style>
-          <a:lnRef idx="2">
-            <a:schemeClr val="accent1">
-              <a:shade val="50000"/>
-            </a:schemeClr>
-          </a:lnRef>
-          <a:fillRef idx="1">
-            <a:schemeClr val="accent1"/>
-          </a:fillRef>
-          <a:effectRef idx="0">
-            <a:schemeClr val="accent1"/>
-          </a:effectRef>
-          <a:fontRef idx="minor">
-            <a:schemeClr val="lt1"/>
-          </a:fontRef>
-        </p:style>
-        <p:txBody>
-          <a:bodyPr rtlCol="0" anchor="ctr"/>
-          <a:lstStyle/>
-          <a:p>
-            <a:pPr algn="ctr"/>
-            <a:r>
-              <a:rPr lang="es-ES" sz="2800" dirty="0" smtClean="0"/>
-              <a:t>Selección</a:t>
-            </a:r>
-            <a:endParaRPr lang="es-ES" sz="2800" dirty="0"/>
-          </a:p>
-        </p:txBody>
-      </p:sp>
-      <p:sp>
-        <p:nvSpPr>
-          <p:cNvPr id="8" name="7 Rectángulo"/>
-          <p:cNvSpPr/>
-          <p:nvPr/>
-        </p:nvSpPr>
-        <p:spPr>
-          <a:xfrm>
-            <a:off x="827584" y="3789040"/>
-            <a:ext cx="2592288" cy="720080"/>
-          </a:xfrm>
-          <a:prstGeom prst="rect">
-            <a:avLst/>
-          </a:prstGeom>
-        </p:spPr>
-        <p:style>
-          <a:lnRef idx="2">
-            <a:schemeClr val="accent1">
-              <a:shade val="50000"/>
-            </a:schemeClr>
-          </a:lnRef>
-          <a:fillRef idx="1">
-            <a:schemeClr val="accent1"/>
-          </a:fillRef>
-          <a:effectRef idx="0">
-            <a:schemeClr val="accent1"/>
-          </a:effectRef>
-          <a:fontRef idx="minor">
-            <a:schemeClr val="lt1"/>
-          </a:fontRef>
-        </p:style>
-        <p:txBody>
-          <a:bodyPr rtlCol="0" anchor="ctr"/>
-          <a:lstStyle/>
-          <a:p>
-            <a:pPr algn="ctr"/>
-            <a:r>
-              <a:rPr lang="es-ES" sz="2800" dirty="0" smtClean="0"/>
-              <a:t>Reproducción</a:t>
-            </a:r>
-            <a:endParaRPr lang="es-ES" sz="2800" dirty="0"/>
-          </a:p>
-        </p:txBody>
-      </p:sp>
-      <p:cxnSp>
-        <p:nvCxnSpPr>
-          <p:cNvPr id="10" name="9 Conector recto de flecha"/>
-          <p:cNvCxnSpPr>
-            <a:stCxn id="4" idx="3"/>
-            <a:endCxn id="6" idx="1"/>
-          </p:cNvCxnSpPr>
-          <p:nvPr/>
-        </p:nvCxnSpPr>
-        <p:spPr>
-          <a:xfrm flipV="1">
-            <a:off x="3419872" y="1842002"/>
-            <a:ext cx="2293279" cy="2822"/>
-          </a:xfrm>
-          <a:prstGeom prst="straightConnector1">
-            <a:avLst/>
-          </a:prstGeom>
-          <a:ln w="38100">
-            <a:tailEnd type="arrow"/>
-          </a:ln>
-        </p:spPr>
-        <p:style>
-          <a:lnRef idx="1">
-            <a:schemeClr val="accent1"/>
-          </a:lnRef>
-          <a:fillRef idx="0">
-            <a:schemeClr val="accent1"/>
-          </a:fillRef>
-          <a:effectRef idx="0">
-            <a:schemeClr val="accent1"/>
-          </a:effectRef>
-          <a:fontRef idx="minor">
-            <a:schemeClr val="tx1"/>
-          </a:fontRef>
-        </p:style>
-      </p:cxnSp>
-      <p:cxnSp>
-        <p:nvCxnSpPr>
-          <p:cNvPr id="12" name="11 Conector recto de flecha"/>
-          <p:cNvCxnSpPr>
-            <a:stCxn id="6" idx="2"/>
-            <a:endCxn id="7" idx="0"/>
-          </p:cNvCxnSpPr>
-          <p:nvPr/>
-        </p:nvCxnSpPr>
-        <p:spPr>
-          <a:xfrm>
-            <a:off x="7009295" y="2202042"/>
-            <a:ext cx="0" cy="1586998"/>
-          </a:xfrm>
-          <a:prstGeom prst="straightConnector1">
-            <a:avLst/>
-          </a:prstGeom>
-          <a:ln w="38100">
-            <a:tailEnd type="arrow"/>
-          </a:ln>
-        </p:spPr>
-        <p:style>
-          <a:lnRef idx="1">
-            <a:schemeClr val="accent1"/>
-          </a:lnRef>
-          <a:fillRef idx="0">
-            <a:schemeClr val="accent1"/>
-          </a:fillRef>
-          <a:effectRef idx="0">
-            <a:schemeClr val="accent1"/>
-          </a:effectRef>
-          <a:fontRef idx="minor">
-            <a:schemeClr val="tx1"/>
-          </a:fontRef>
-        </p:style>
-      </p:cxnSp>
-      <p:cxnSp>
-        <p:nvCxnSpPr>
-          <p:cNvPr id="14" name="13 Conector recto de flecha"/>
-          <p:cNvCxnSpPr>
-            <a:stCxn id="7" idx="1"/>
-            <a:endCxn id="8" idx="3"/>
-          </p:cNvCxnSpPr>
-          <p:nvPr/>
-        </p:nvCxnSpPr>
-        <p:spPr>
-          <a:xfrm flipH="1">
-            <a:off x="3419872" y="4149080"/>
-            <a:ext cx="2293279" cy="0"/>
-          </a:xfrm>
-          <a:prstGeom prst="straightConnector1">
-            <a:avLst/>
-          </a:prstGeom>
-          <a:ln w="38100">
-            <a:tailEnd type="arrow"/>
-          </a:ln>
-        </p:spPr>
-        <p:style>
-          <a:lnRef idx="1">
-            <a:schemeClr val="accent1"/>
-          </a:lnRef>
-          <a:fillRef idx="0">
-            <a:schemeClr val="accent1"/>
-          </a:fillRef>
-          <a:effectRef idx="0">
-            <a:schemeClr val="accent1"/>
-          </a:effectRef>
-          <a:fontRef idx="minor">
-            <a:schemeClr val="tx1"/>
-          </a:fontRef>
-        </p:style>
-      </p:cxnSp>
-      <p:cxnSp>
-        <p:nvCxnSpPr>
-          <p:cNvPr id="16" name="15 Conector recto de flecha"/>
-          <p:cNvCxnSpPr>
-            <a:stCxn id="8" idx="0"/>
-            <a:endCxn id="4" idx="2"/>
-          </p:cNvCxnSpPr>
-          <p:nvPr/>
-        </p:nvCxnSpPr>
-        <p:spPr>
-          <a:xfrm flipV="1">
-            <a:off x="2123728" y="2204864"/>
-            <a:ext cx="0" cy="1584176"/>
-          </a:xfrm>
-          <a:prstGeom prst="straightConnector1">
-            <a:avLst/>
-          </a:prstGeom>
-          <a:ln w="38100">
-            <a:tailEnd type="arrow"/>
-          </a:ln>
-        </p:spPr>
-        <p:style>
-          <a:lnRef idx="1">
-            <a:schemeClr val="accent1"/>
-          </a:lnRef>
-          <a:fillRef idx="0">
-            <a:schemeClr val="accent1"/>
-          </a:fillRef>
-          <a:effectRef idx="0">
-            <a:schemeClr val="accent1"/>
-          </a:effectRef>
-          <a:fontRef idx="minor">
-            <a:schemeClr val="tx1"/>
-          </a:fontRef>
-        </p:style>
-      </p:cxnSp>
-      <p:pic>
-        <p:nvPicPr>
-          <p:cNvPr id="7170" name="Picture 2" descr="C:\Users\Usuario\Desktop\charla genéticos\imagenes\generaciones copia.jpg"/>
-          <p:cNvPicPr>
-            <a:picLocks noChangeAspect="1" noChangeArrowheads="1"/>
-          </p:cNvPicPr>
-          <p:nvPr/>
-        </p:nvPicPr>
-        <p:blipFill>
-          <a:blip r:embed="rId2" cstate="print">
-            <a:extLst>
-              <a:ext uri="{28A0092B-C50C-407E-A947-70E740481C1C}">
-                <a14:useLocalDpi xmlns:a14="http://schemas.microsoft.com/office/drawing/2010/main" val="0"/>
-              </a:ext>
-            </a:extLst>
-          </a:blip>
-          <a:srcRect/>
-          <a:stretch>
-            <a:fillRect/>
-          </a:stretch>
-        </p:blipFill>
-        <p:spPr bwMode="auto">
-          <a:xfrm>
-            <a:off x="0" y="5206631"/>
-            <a:ext cx="9144000" cy="1028924"/>
-          </a:xfrm>
-          <a:prstGeom prst="rect">
-            <a:avLst/>
-          </a:prstGeom>
-          <a:noFill/>
-          <a:extLst>
-            <a:ext uri="{909E8E84-426E-40DD-AFC4-6F175D3DCCD1}">
-              <a14:hiddenFill xmlns:a14="http://schemas.microsoft.com/office/drawing/2010/main">
-                <a:solidFill>
-                  <a:srgbClr val="FFFFFF"/>
-                </a:solidFill>
-              </a14:hiddenFill>
-            </a:ext>
-          </a:extLst>
-        </p:spPr>
-      </p:pic>
-      <p:sp>
-        <p:nvSpPr>
-          <p:cNvPr id="17" name="16 CuadroTexto"/>
-          <p:cNvSpPr txBox="1"/>
-          <p:nvPr/>
-        </p:nvSpPr>
-        <p:spPr>
-          <a:xfrm>
-            <a:off x="7884368" y="6597352"/>
-            <a:ext cx="184731" cy="369332"/>
-          </a:xfrm>
-          <a:prstGeom prst="rect">
-            <a:avLst/>
-          </a:prstGeom>
-          <a:noFill/>
-        </p:spPr>
-        <p:txBody>
-          <a:bodyPr wrap="none" rtlCol="0">
-            <a:spAutoFit/>
-          </a:bodyPr>
-          <a:lstStyle/>
-          <a:p>
-            <a:endParaRPr lang="es-ES" dirty="0"/>
-          </a:p>
-        </p:txBody>
-      </p:sp>
-      <p:graphicFrame>
-        <p:nvGraphicFramePr>
-          <p:cNvPr id="18" name="17 Tabla"/>
-          <p:cNvGraphicFramePr>
-            <a:graphicFrameLocks noGrp="1"/>
-          </p:cNvGraphicFramePr>
-          <p:nvPr>
-            <p:extLst>
-              <p:ext uri="{D42A27DB-BD31-4B8C-83A1-F6EECF244321}">
-                <p14:modId xmlns:p14="http://schemas.microsoft.com/office/powerpoint/2010/main" val="799986323"/>
-              </p:ext>
-            </p:extLst>
-          </p:nvPr>
-        </p:nvGraphicFramePr>
-        <p:xfrm>
-          <a:off x="8122052" y="6057689"/>
-          <a:ext cx="1037274" cy="236220"/>
-        </p:xfrm>
-        <a:graphic>
-          <a:graphicData uri="http://schemas.openxmlformats.org/drawingml/2006/table">
-            <a:tbl>
-              <a:tblPr/>
-              <a:tblGrid>
-                <a:gridCol w="101600"/>
-                <a:gridCol w="935674"/>
-              </a:tblGrid>
-              <a:tr h="0">
-                <a:tc>
-                  <a:txBody>
-                    <a:bodyPr/>
-                    <a:lstStyle/>
-                    <a:p>
-                      <a:endParaRPr lang="es-ES" sz="1050" dirty="0"/>
-                    </a:p>
-                  </a:txBody>
-                  <a:tcPr marL="38100" marR="38100" marT="38100" marB="38100">
-                    <a:lnL>
-                      <a:noFill/>
-                    </a:lnL>
-                    <a:lnR>
-                      <a:noFill/>
-                    </a:lnR>
-                    <a:lnT>
-                      <a:noFill/>
-                    </a:lnT>
-                    <a:lnB>
-                      <a:noFill/>
-                    </a:lnB>
-                  </a:tcPr>
-                </a:tc>
-                <a:tc>
-                  <a:txBody>
-                    <a:bodyPr/>
-                    <a:lstStyle/>
-                    <a:p>
-                      <a:r>
-                        <a:rPr lang="es-ES" sz="1050" dirty="0" err="1">
-                          <a:hlinkClick r:id="rId3" tooltip="User:Grendelkhan"/>
-                        </a:rPr>
-                        <a:t>Grendelkhan</a:t>
-                      </a:r>
-                      <a:endParaRPr lang="es-ES" sz="1050" dirty="0"/>
-                    </a:p>
-                  </a:txBody>
-                  <a:tcPr marL="38100" marR="38100" marT="38100" marB="38100">
-                    <a:lnL>
-                      <a:noFill/>
-                    </a:lnL>
-                    <a:lnR>
-                      <a:noFill/>
-                    </a:lnR>
-                    <a:lnT>
-                      <a:noFill/>
-                    </a:lnT>
-                    <a:lnB>
-                      <a:noFill/>
-                    </a:lnB>
-                  </a:tcPr>
-                </a:tc>
-              </a:tr>
-            </a:tbl>
-          </a:graphicData>
-        </a:graphic>
-      </p:graphicFrame>
-      <p:sp>
-        <p:nvSpPr>
-          <p:cNvPr id="19" name="18 Rectángulo"/>
-          <p:cNvSpPr/>
-          <p:nvPr/>
-        </p:nvSpPr>
-        <p:spPr>
-          <a:xfrm>
-            <a:off x="5456889" y="6011833"/>
-            <a:ext cx="788999" cy="261610"/>
-          </a:xfrm>
-          <a:prstGeom prst="rect">
-            <a:avLst/>
-          </a:prstGeom>
-          <a:noFill/>
-        </p:spPr>
-        <p:txBody>
-          <a:bodyPr wrap="none">
-            <a:spAutoFit/>
-          </a:bodyPr>
-          <a:lstStyle/>
-          <a:p>
-            <a:r>
-              <a:rPr lang="es-ES" sz="1050" dirty="0">
-                <a:hlinkClick r:id="rId4"/>
-              </a:rPr>
-              <a:t>order_242</a:t>
-            </a:r>
-            <a:endParaRPr lang="es-ES" sz="1050" dirty="0"/>
-          </a:p>
-        </p:txBody>
-      </p:sp>
-      <p:sp>
-        <p:nvSpPr>
-          <p:cNvPr id="20" name="19 Rectángulo"/>
-          <p:cNvSpPr/>
-          <p:nvPr/>
-        </p:nvSpPr>
-        <p:spPr>
-          <a:xfrm>
-            <a:off x="2771800" y="5973945"/>
-            <a:ext cx="1603324" cy="261610"/>
-          </a:xfrm>
-          <a:prstGeom prst="rect">
-            <a:avLst/>
-          </a:prstGeom>
-        </p:spPr>
-        <p:txBody>
-          <a:bodyPr wrap="none">
-            <a:spAutoFit/>
-          </a:bodyPr>
-          <a:lstStyle/>
-          <a:p>
-            <a:r>
-              <a:rPr lang="es-ES" sz="1100" dirty="0">
-                <a:hlinkClick r:id="rId5"/>
-              </a:rPr>
-              <a:t>José Carlos </a:t>
-            </a:r>
-            <a:r>
-              <a:rPr lang="es-ES" sz="1100" dirty="0" err="1">
-                <a:hlinkClick r:id="rId5"/>
-              </a:rPr>
-              <a:t>Cortizo</a:t>
-            </a:r>
-            <a:r>
-              <a:rPr lang="es-ES" sz="1100" dirty="0">
-                <a:hlinkClick r:id="rId5"/>
-              </a:rPr>
-              <a:t> Pérez</a:t>
-            </a:r>
-            <a:endParaRPr lang="es-ES" sz="1100" dirty="0"/>
-          </a:p>
-        </p:txBody>
-      </p:sp>
-    </p:spTree>
-    <p:extLst>
-      <p:ext uri="{BB962C8B-B14F-4D97-AF65-F5344CB8AC3E}">
-        <p14:creationId xmlns:p14="http://schemas.microsoft.com/office/powerpoint/2010/main" val="2781133528"/>
-      </p:ext>
-    </p:extLst>
-  </p:cSld>
-  <p:clrMapOvr>
-    <a:masterClrMapping/>
-  </p:clrMapOvr>
 </p:sld>
 </file>
 
@@ -7089,64 +10437,1015 @@
           <a:p>
             <a:r>
               <a:rPr lang="es-ES" dirty="0" smtClean="0"/>
-              <a:t>Selección</a:t>
+              <a:t>Transcripción</a:t>
             </a:r>
             <a:endParaRPr lang="es-ES" dirty="0"/>
           </a:p>
         </p:txBody>
       </p:sp>
-      <p:sp>
-        <p:nvSpPr>
-          <p:cNvPr id="3" name="2 Marcador de contenido"/>
-          <p:cNvSpPr>
-            <a:spLocks noGrp="1"/>
-          </p:cNvSpPr>
+      <p:graphicFrame>
+        <p:nvGraphicFramePr>
+          <p:cNvPr id="4" name="3 Marcador de contenido"/>
+          <p:cNvGraphicFramePr>
+            <a:graphicFrameLocks noGrp="1"/>
+          </p:cNvGraphicFramePr>
           <p:nvPr>
             <p:ph idx="1"/>
+            <p:extLst>
+              <p:ext uri="{D42A27DB-BD31-4B8C-83A1-F6EECF244321}">
+                <p14:modId xmlns:p14="http://schemas.microsoft.com/office/powerpoint/2010/main" val="3329403311"/>
+              </p:ext>
+            </p:extLst>
           </p:nvPr>
-        </p:nvSpPr>
-        <p:spPr/>
-        <p:txBody>
-          <a:bodyPr/>
+        </p:nvGraphicFramePr>
+        <p:xfrm>
+          <a:off x="457200" y="1600200"/>
+          <a:ext cx="8435280" cy="4709121"/>
+        </p:xfrm>
+        <a:graphic>
+          <a:graphicData uri="http://schemas.openxmlformats.org/drawingml/2006/table">
+            <a:tbl>
+              <a:tblPr firstRow="1" bandRow="1">
+                <a:tableStyleId>{5C22544A-7EE6-4342-B048-85BDC9FD1C3A}</a:tableStyleId>
+              </a:tblPr>
+              <a:tblGrid>
+                <a:gridCol w="2674640"/>
+                <a:gridCol w="3096344"/>
+                <a:gridCol w="2664296"/>
+              </a:tblGrid>
+              <a:tr h="1569707">
+                <a:tc>
+                  <a:txBody>
+                    <a:bodyPr/>
+                    <a:lstStyle/>
+                    <a:p>
+                      <a:r>
+                        <a:rPr lang="es-ES" sz="3600" b="0" dirty="0" smtClean="0">
+                          <a:solidFill>
+                            <a:schemeClr val="tx1"/>
+                          </a:solidFill>
+                        </a:rPr>
+                        <a:t>Tipo</a:t>
+                      </a:r>
+                      <a:endParaRPr lang="es-ES" sz="3600" b="0" dirty="0">
+                        <a:solidFill>
+                          <a:schemeClr val="tx1"/>
+                        </a:solidFill>
+                      </a:endParaRPr>
+                    </a:p>
+                  </a:txBody>
+                  <a:tcPr>
+                    <a:lnL w="12700" cap="flat" cmpd="sng" algn="ctr">
+                      <a:solidFill>
+                        <a:schemeClr val="tx1"/>
+                      </a:solidFill>
+                      <a:prstDash val="solid"/>
+                      <a:round/>
+                      <a:headEnd type="none" w="med" len="med"/>
+                      <a:tailEnd type="none" w="med" len="med"/>
+                    </a:lnL>
+                    <a:lnR w="12700" cap="flat" cmpd="sng" algn="ctr">
+                      <a:solidFill>
+                        <a:schemeClr val="tx1"/>
+                      </a:solidFill>
+                      <a:prstDash val="solid"/>
+                      <a:round/>
+                      <a:headEnd type="none" w="med" len="med"/>
+                      <a:tailEnd type="none" w="med" len="med"/>
+                    </a:lnR>
+                    <a:lnT w="12700" cap="flat" cmpd="sng" algn="ctr">
+                      <a:solidFill>
+                        <a:schemeClr val="tx1"/>
+                      </a:solidFill>
+                      <a:prstDash val="solid"/>
+                      <a:round/>
+                      <a:headEnd type="none" w="med" len="med"/>
+                      <a:tailEnd type="none" w="med" len="med"/>
+                    </a:lnT>
+                    <a:lnB w="12700" cap="flat" cmpd="sng" algn="ctr">
+                      <a:solidFill>
+                        <a:schemeClr val="tx1"/>
+                      </a:solidFill>
+                      <a:prstDash val="solid"/>
+                      <a:round/>
+                      <a:headEnd type="none" w="med" len="med"/>
+                      <a:tailEnd type="none" w="med" len="med"/>
+                    </a:lnB>
+                    <a:solidFill>
+                      <a:schemeClr val="bg1">
+                        <a:lumMod val="95000"/>
+                      </a:schemeClr>
+                    </a:solidFill>
+                  </a:tcPr>
+                </a:tc>
+                <a:tc>
+                  <a:txBody>
+                    <a:bodyPr/>
+                    <a:lstStyle/>
+                    <a:p>
+                      <a:r>
+                        <a:rPr lang="es-ES" sz="3600" b="0" dirty="0" smtClean="0">
+                          <a:solidFill>
+                            <a:schemeClr val="tx1"/>
+                          </a:solidFill>
+                        </a:rPr>
+                        <a:t>Efecto de cambio de 1 bit</a:t>
+                      </a:r>
+                      <a:endParaRPr lang="es-ES" sz="3600" b="0" dirty="0">
+                        <a:solidFill>
+                          <a:schemeClr val="tx1"/>
+                        </a:solidFill>
+                      </a:endParaRPr>
+                    </a:p>
+                  </a:txBody>
+                  <a:tcPr>
+                    <a:lnL w="12700" cap="flat" cmpd="sng" algn="ctr">
+                      <a:solidFill>
+                        <a:schemeClr val="tx1"/>
+                      </a:solidFill>
+                      <a:prstDash val="solid"/>
+                      <a:round/>
+                      <a:headEnd type="none" w="med" len="med"/>
+                      <a:tailEnd type="none" w="med" len="med"/>
+                    </a:lnL>
+                    <a:lnR w="12700" cap="flat" cmpd="sng" algn="ctr">
+                      <a:solidFill>
+                        <a:schemeClr val="tx1"/>
+                      </a:solidFill>
+                      <a:prstDash val="solid"/>
+                      <a:round/>
+                      <a:headEnd type="none" w="med" len="med"/>
+                      <a:tailEnd type="none" w="med" len="med"/>
+                    </a:lnR>
+                    <a:lnT w="12700" cap="flat" cmpd="sng" algn="ctr">
+                      <a:solidFill>
+                        <a:schemeClr val="tx1"/>
+                      </a:solidFill>
+                      <a:prstDash val="solid"/>
+                      <a:round/>
+                      <a:headEnd type="none" w="med" len="med"/>
+                      <a:tailEnd type="none" w="med" len="med"/>
+                    </a:lnT>
+                    <a:lnB w="12700" cap="flat" cmpd="sng" algn="ctr">
+                      <a:solidFill>
+                        <a:schemeClr val="tx1"/>
+                      </a:solidFill>
+                      <a:prstDash val="solid"/>
+                      <a:round/>
+                      <a:headEnd type="none" w="med" len="med"/>
+                      <a:tailEnd type="none" w="med" len="med"/>
+                    </a:lnB>
+                    <a:solidFill>
+                      <a:schemeClr val="bg1">
+                        <a:lumMod val="95000"/>
+                      </a:schemeClr>
+                    </a:solidFill>
+                  </a:tcPr>
+                </a:tc>
+                <a:tc>
+                  <a:txBody>
+                    <a:bodyPr/>
+                    <a:lstStyle/>
+                    <a:p>
+                      <a:r>
+                        <a:rPr lang="es-ES" sz="3600" b="0" dirty="0" smtClean="0">
+                          <a:solidFill>
+                            <a:schemeClr val="tx1"/>
+                          </a:solidFill>
+                        </a:rPr>
+                        <a:t>Probabilidad de valores</a:t>
+                      </a:r>
+                      <a:endParaRPr lang="es-ES" sz="3600" b="0" dirty="0">
+                        <a:solidFill>
+                          <a:schemeClr val="tx1"/>
+                        </a:solidFill>
+                      </a:endParaRPr>
+                    </a:p>
+                  </a:txBody>
+                  <a:tcPr>
+                    <a:lnL w="12700" cap="flat" cmpd="sng" algn="ctr">
+                      <a:solidFill>
+                        <a:schemeClr val="tx1"/>
+                      </a:solidFill>
+                      <a:prstDash val="solid"/>
+                      <a:round/>
+                      <a:headEnd type="none" w="med" len="med"/>
+                      <a:tailEnd type="none" w="med" len="med"/>
+                    </a:lnL>
+                    <a:lnR w="12700" cap="flat" cmpd="sng" algn="ctr">
+                      <a:solidFill>
+                        <a:schemeClr val="tx1"/>
+                      </a:solidFill>
+                      <a:prstDash val="solid"/>
+                      <a:round/>
+                      <a:headEnd type="none" w="med" len="med"/>
+                      <a:tailEnd type="none" w="med" len="med"/>
+                    </a:lnR>
+                    <a:lnT w="12700" cap="flat" cmpd="sng" algn="ctr">
+                      <a:solidFill>
+                        <a:schemeClr val="tx1"/>
+                      </a:solidFill>
+                      <a:prstDash val="solid"/>
+                      <a:round/>
+                      <a:headEnd type="none" w="med" len="med"/>
+                      <a:tailEnd type="none" w="med" len="med"/>
+                    </a:lnT>
+                    <a:lnB w="12700" cap="flat" cmpd="sng" algn="ctr">
+                      <a:solidFill>
+                        <a:schemeClr val="tx1"/>
+                      </a:solidFill>
+                      <a:prstDash val="solid"/>
+                      <a:round/>
+                      <a:headEnd type="none" w="med" len="med"/>
+                      <a:tailEnd type="none" w="med" len="med"/>
+                    </a:lnB>
+                    <a:solidFill>
+                      <a:schemeClr val="bg1">
+                        <a:lumMod val="95000"/>
+                      </a:schemeClr>
+                    </a:solidFill>
+                  </a:tcPr>
+                </a:tc>
+              </a:tr>
+              <a:tr h="1569707">
+                <a:tc>
+                  <a:txBody>
+                    <a:bodyPr/>
+                    <a:lstStyle/>
+                    <a:p>
+                      <a:r>
+                        <a:rPr lang="es-ES" sz="3600" dirty="0" smtClean="0">
+                          <a:solidFill>
+                            <a:schemeClr val="tx1"/>
+                          </a:solidFill>
+                        </a:rPr>
+                        <a:t>Bits con peso</a:t>
+                      </a:r>
+                      <a:endParaRPr lang="es-ES" sz="3600" dirty="0">
+                        <a:solidFill>
+                          <a:schemeClr val="tx1"/>
+                        </a:solidFill>
+                      </a:endParaRPr>
+                    </a:p>
+                  </a:txBody>
+                  <a:tcPr>
+                    <a:lnL w="12700" cap="flat" cmpd="sng" algn="ctr">
+                      <a:solidFill>
+                        <a:schemeClr val="tx1"/>
+                      </a:solidFill>
+                      <a:prstDash val="solid"/>
+                      <a:round/>
+                      <a:headEnd type="none" w="med" len="med"/>
+                      <a:tailEnd type="none" w="med" len="med"/>
+                    </a:lnL>
+                    <a:lnR w="12700" cap="flat" cmpd="sng" algn="ctr">
+                      <a:solidFill>
+                        <a:schemeClr val="tx1"/>
+                      </a:solidFill>
+                      <a:prstDash val="solid"/>
+                      <a:round/>
+                      <a:headEnd type="none" w="med" len="med"/>
+                      <a:tailEnd type="none" w="med" len="med"/>
+                    </a:lnR>
+                    <a:lnT w="12700" cap="flat" cmpd="sng" algn="ctr">
+                      <a:solidFill>
+                        <a:schemeClr val="tx1"/>
+                      </a:solidFill>
+                      <a:prstDash val="solid"/>
+                      <a:round/>
+                      <a:headEnd type="none" w="med" len="med"/>
+                      <a:tailEnd type="none" w="med" len="med"/>
+                    </a:lnT>
+                    <a:lnB w="12700" cap="flat" cmpd="sng" algn="ctr">
+                      <a:solidFill>
+                        <a:schemeClr val="tx1"/>
+                      </a:solidFill>
+                      <a:prstDash val="solid"/>
+                      <a:round/>
+                      <a:headEnd type="none" w="med" len="med"/>
+                      <a:tailEnd type="none" w="med" len="med"/>
+                    </a:lnB>
+                    <a:solidFill>
+                      <a:schemeClr val="bg1">
+                        <a:lumMod val="95000"/>
+                      </a:schemeClr>
+                    </a:solidFill>
+                  </a:tcPr>
+                </a:tc>
+                <a:tc>
+                  <a:txBody>
+                    <a:bodyPr/>
+                    <a:lstStyle/>
+                    <a:p>
+                      <a:endParaRPr lang="es-ES" sz="3600" dirty="0">
+                        <a:solidFill>
+                          <a:schemeClr val="tx1"/>
+                        </a:solidFill>
+                      </a:endParaRPr>
+                    </a:p>
+                  </a:txBody>
+                  <a:tcPr>
+                    <a:lnL w="12700" cap="flat" cmpd="sng" algn="ctr">
+                      <a:solidFill>
+                        <a:schemeClr val="tx1"/>
+                      </a:solidFill>
+                      <a:prstDash val="solid"/>
+                      <a:round/>
+                      <a:headEnd type="none" w="med" len="med"/>
+                      <a:tailEnd type="none" w="med" len="med"/>
+                    </a:lnL>
+                    <a:lnR w="12700" cap="flat" cmpd="sng" algn="ctr">
+                      <a:solidFill>
+                        <a:schemeClr val="tx1"/>
+                      </a:solidFill>
+                      <a:prstDash val="solid"/>
+                      <a:round/>
+                      <a:headEnd type="none" w="med" len="med"/>
+                      <a:tailEnd type="none" w="med" len="med"/>
+                    </a:lnR>
+                    <a:lnT w="12700" cap="flat" cmpd="sng" algn="ctr">
+                      <a:solidFill>
+                        <a:schemeClr val="tx1"/>
+                      </a:solidFill>
+                      <a:prstDash val="solid"/>
+                      <a:round/>
+                      <a:headEnd type="none" w="med" len="med"/>
+                      <a:tailEnd type="none" w="med" len="med"/>
+                    </a:lnT>
+                    <a:lnB w="12700" cap="flat" cmpd="sng" algn="ctr">
+                      <a:solidFill>
+                        <a:schemeClr val="tx1"/>
+                      </a:solidFill>
+                      <a:prstDash val="solid"/>
+                      <a:round/>
+                      <a:headEnd type="none" w="med" len="med"/>
+                      <a:tailEnd type="none" w="med" len="med"/>
+                    </a:lnB>
+                    <a:solidFill>
+                      <a:schemeClr val="bg1">
+                        <a:lumMod val="95000"/>
+                      </a:schemeClr>
+                    </a:solidFill>
+                  </a:tcPr>
+                </a:tc>
+                <a:tc>
+                  <a:txBody>
+                    <a:bodyPr/>
+                    <a:lstStyle/>
+                    <a:p>
+                      <a:endParaRPr lang="es-ES" sz="3600" dirty="0">
+                        <a:solidFill>
+                          <a:schemeClr val="tx1"/>
+                        </a:solidFill>
+                      </a:endParaRPr>
+                    </a:p>
+                  </a:txBody>
+                  <a:tcPr>
+                    <a:lnL w="12700" cap="flat" cmpd="sng" algn="ctr">
+                      <a:solidFill>
+                        <a:schemeClr val="tx1"/>
+                      </a:solidFill>
+                      <a:prstDash val="solid"/>
+                      <a:round/>
+                      <a:headEnd type="none" w="med" len="med"/>
+                      <a:tailEnd type="none" w="med" len="med"/>
+                    </a:lnL>
+                    <a:lnR w="12700" cap="flat" cmpd="sng" algn="ctr">
+                      <a:solidFill>
+                        <a:schemeClr val="tx1"/>
+                      </a:solidFill>
+                      <a:prstDash val="solid"/>
+                      <a:round/>
+                      <a:headEnd type="none" w="med" len="med"/>
+                      <a:tailEnd type="none" w="med" len="med"/>
+                    </a:lnR>
+                    <a:lnT w="12700" cap="flat" cmpd="sng" algn="ctr">
+                      <a:solidFill>
+                        <a:schemeClr val="tx1"/>
+                      </a:solidFill>
+                      <a:prstDash val="solid"/>
+                      <a:round/>
+                      <a:headEnd type="none" w="med" len="med"/>
+                      <a:tailEnd type="none" w="med" len="med"/>
+                    </a:lnT>
+                    <a:lnB w="12700" cap="flat" cmpd="sng" algn="ctr">
+                      <a:solidFill>
+                        <a:schemeClr val="tx1"/>
+                      </a:solidFill>
+                      <a:prstDash val="solid"/>
+                      <a:round/>
+                      <a:headEnd type="none" w="med" len="med"/>
+                      <a:tailEnd type="none" w="med" len="med"/>
+                    </a:lnB>
+                    <a:solidFill>
+                      <a:schemeClr val="bg1">
+                        <a:lumMod val="95000"/>
+                      </a:schemeClr>
+                    </a:solidFill>
+                  </a:tcPr>
+                </a:tc>
+              </a:tr>
+              <a:tr h="1569707">
+                <a:tc>
+                  <a:txBody>
+                    <a:bodyPr/>
+                    <a:lstStyle/>
+                    <a:p>
+                      <a:r>
+                        <a:rPr lang="es-ES" sz="3600" dirty="0" smtClean="0">
+                          <a:solidFill>
+                            <a:schemeClr val="tx1"/>
+                          </a:solidFill>
+                        </a:rPr>
+                        <a:t>Bits sin peso</a:t>
+                      </a:r>
+                      <a:endParaRPr lang="es-ES" sz="3600" dirty="0">
+                        <a:solidFill>
+                          <a:schemeClr val="tx1"/>
+                        </a:solidFill>
+                      </a:endParaRPr>
+                    </a:p>
+                  </a:txBody>
+                  <a:tcPr>
+                    <a:lnL w="12700" cap="flat" cmpd="sng" algn="ctr">
+                      <a:solidFill>
+                        <a:schemeClr val="tx1"/>
+                      </a:solidFill>
+                      <a:prstDash val="solid"/>
+                      <a:round/>
+                      <a:headEnd type="none" w="med" len="med"/>
+                      <a:tailEnd type="none" w="med" len="med"/>
+                    </a:lnL>
+                    <a:lnR w="12700" cap="flat" cmpd="sng" algn="ctr">
+                      <a:solidFill>
+                        <a:schemeClr val="tx1"/>
+                      </a:solidFill>
+                      <a:prstDash val="solid"/>
+                      <a:round/>
+                      <a:headEnd type="none" w="med" len="med"/>
+                      <a:tailEnd type="none" w="med" len="med"/>
+                    </a:lnR>
+                    <a:lnT w="12700" cap="flat" cmpd="sng" algn="ctr">
+                      <a:solidFill>
+                        <a:schemeClr val="tx1"/>
+                      </a:solidFill>
+                      <a:prstDash val="solid"/>
+                      <a:round/>
+                      <a:headEnd type="none" w="med" len="med"/>
+                      <a:tailEnd type="none" w="med" len="med"/>
+                    </a:lnT>
+                    <a:lnB w="12700" cap="flat" cmpd="sng" algn="ctr">
+                      <a:solidFill>
+                        <a:schemeClr val="tx1"/>
+                      </a:solidFill>
+                      <a:prstDash val="solid"/>
+                      <a:round/>
+                      <a:headEnd type="none" w="med" len="med"/>
+                      <a:tailEnd type="none" w="med" len="med"/>
+                    </a:lnB>
+                    <a:solidFill>
+                      <a:schemeClr val="bg1">
+                        <a:lumMod val="95000"/>
+                      </a:schemeClr>
+                    </a:solidFill>
+                  </a:tcPr>
+                </a:tc>
+                <a:tc>
+                  <a:txBody>
+                    <a:bodyPr/>
+                    <a:lstStyle/>
+                    <a:p>
+                      <a:endParaRPr lang="es-ES" sz="3600" dirty="0">
+                        <a:solidFill>
+                          <a:schemeClr val="tx1"/>
+                        </a:solidFill>
+                      </a:endParaRPr>
+                    </a:p>
+                  </a:txBody>
+                  <a:tcPr>
+                    <a:lnL w="12700" cap="flat" cmpd="sng" algn="ctr">
+                      <a:solidFill>
+                        <a:schemeClr val="tx1"/>
+                      </a:solidFill>
+                      <a:prstDash val="solid"/>
+                      <a:round/>
+                      <a:headEnd type="none" w="med" len="med"/>
+                      <a:tailEnd type="none" w="med" len="med"/>
+                    </a:lnL>
+                    <a:lnR w="12700" cap="flat" cmpd="sng" algn="ctr">
+                      <a:solidFill>
+                        <a:schemeClr val="tx1"/>
+                      </a:solidFill>
+                      <a:prstDash val="solid"/>
+                      <a:round/>
+                      <a:headEnd type="none" w="med" len="med"/>
+                      <a:tailEnd type="none" w="med" len="med"/>
+                    </a:lnR>
+                    <a:lnT w="12700" cap="flat" cmpd="sng" algn="ctr">
+                      <a:solidFill>
+                        <a:schemeClr val="tx1"/>
+                      </a:solidFill>
+                      <a:prstDash val="solid"/>
+                      <a:round/>
+                      <a:headEnd type="none" w="med" len="med"/>
+                      <a:tailEnd type="none" w="med" len="med"/>
+                    </a:lnT>
+                    <a:lnB w="12700" cap="flat" cmpd="sng" algn="ctr">
+                      <a:solidFill>
+                        <a:schemeClr val="tx1"/>
+                      </a:solidFill>
+                      <a:prstDash val="solid"/>
+                      <a:round/>
+                      <a:headEnd type="none" w="med" len="med"/>
+                      <a:tailEnd type="none" w="med" len="med"/>
+                    </a:lnB>
+                    <a:solidFill>
+                      <a:schemeClr val="bg1">
+                        <a:lumMod val="95000"/>
+                      </a:schemeClr>
+                    </a:solidFill>
+                  </a:tcPr>
+                </a:tc>
+                <a:tc>
+                  <a:txBody>
+                    <a:bodyPr/>
+                    <a:lstStyle/>
+                    <a:p>
+                      <a:endParaRPr lang="es-ES" sz="3600" dirty="0">
+                        <a:solidFill>
+                          <a:schemeClr val="tx1"/>
+                        </a:solidFill>
+                      </a:endParaRPr>
+                    </a:p>
+                  </a:txBody>
+                  <a:tcPr>
+                    <a:lnL w="12700" cap="flat" cmpd="sng" algn="ctr">
+                      <a:solidFill>
+                        <a:schemeClr val="tx1"/>
+                      </a:solidFill>
+                      <a:prstDash val="solid"/>
+                      <a:round/>
+                      <a:headEnd type="none" w="med" len="med"/>
+                      <a:tailEnd type="none" w="med" len="med"/>
+                    </a:lnL>
+                    <a:lnR w="12700" cap="flat" cmpd="sng" algn="ctr">
+                      <a:solidFill>
+                        <a:schemeClr val="tx1"/>
+                      </a:solidFill>
+                      <a:prstDash val="solid"/>
+                      <a:round/>
+                      <a:headEnd type="none" w="med" len="med"/>
+                      <a:tailEnd type="none" w="med" len="med"/>
+                    </a:lnR>
+                    <a:lnT w="12700" cap="flat" cmpd="sng" algn="ctr">
+                      <a:solidFill>
+                        <a:schemeClr val="tx1"/>
+                      </a:solidFill>
+                      <a:prstDash val="solid"/>
+                      <a:round/>
+                      <a:headEnd type="none" w="med" len="med"/>
+                      <a:tailEnd type="none" w="med" len="med"/>
+                    </a:lnT>
+                    <a:lnB w="12700" cap="flat" cmpd="sng" algn="ctr">
+                      <a:solidFill>
+                        <a:schemeClr val="tx1"/>
+                      </a:solidFill>
+                      <a:prstDash val="solid"/>
+                      <a:round/>
+                      <a:headEnd type="none" w="med" len="med"/>
+                      <a:tailEnd type="none" w="med" len="med"/>
+                    </a:lnB>
+                    <a:solidFill>
+                      <a:schemeClr val="bg1">
+                        <a:lumMod val="95000"/>
+                      </a:schemeClr>
+                    </a:solidFill>
+                  </a:tcPr>
+                </a:tc>
+              </a:tr>
+            </a:tbl>
+          </a:graphicData>
+        </a:graphic>
+      </p:graphicFrame>
+      <p:sp>
+        <p:nvSpPr>
+          <p:cNvPr id="8" name="7 Triángulo rectángulo"/>
+          <p:cNvSpPr/>
+          <p:nvPr/>
+        </p:nvSpPr>
+        <p:spPr>
+          <a:xfrm>
+            <a:off x="3347864" y="3339575"/>
+            <a:ext cx="2664296" cy="1241553"/>
+          </a:xfrm>
+          <a:custGeom>
+            <a:avLst/>
+            <a:gdLst>
+              <a:gd name="connsiteX0" fmla="*/ 0 w 2664296"/>
+              <a:gd name="connsiteY0" fmla="*/ 1296144 h 1296144"/>
+              <a:gd name="connsiteX1" fmla="*/ 0 w 2664296"/>
+              <a:gd name="connsiteY1" fmla="*/ 0 h 1296144"/>
+              <a:gd name="connsiteX2" fmla="*/ 2664296 w 2664296"/>
+              <a:gd name="connsiteY2" fmla="*/ 1296144 h 1296144"/>
+              <a:gd name="connsiteX3" fmla="*/ 0 w 2664296"/>
+              <a:gd name="connsiteY3" fmla="*/ 1296144 h 1296144"/>
+              <a:gd name="connsiteX0" fmla="*/ 0 w 2664296"/>
+              <a:gd name="connsiteY0" fmla="*/ 1296144 h 1296144"/>
+              <a:gd name="connsiteX1" fmla="*/ 0 w 2664296"/>
+              <a:gd name="connsiteY1" fmla="*/ 0 h 1296144"/>
+              <a:gd name="connsiteX2" fmla="*/ 719169 w 2664296"/>
+              <a:gd name="connsiteY2" fmla="*/ 986765 h 1296144"/>
+              <a:gd name="connsiteX3" fmla="*/ 2664296 w 2664296"/>
+              <a:gd name="connsiteY3" fmla="*/ 1296144 h 1296144"/>
+              <a:gd name="connsiteX4" fmla="*/ 0 w 2664296"/>
+              <a:gd name="connsiteY4" fmla="*/ 1296144 h 1296144"/>
+              <a:gd name="connsiteX0" fmla="*/ 0 w 2664296"/>
+              <a:gd name="connsiteY0" fmla="*/ 1296144 h 1296144"/>
+              <a:gd name="connsiteX1" fmla="*/ 0 w 2664296"/>
+              <a:gd name="connsiteY1" fmla="*/ 0 h 1296144"/>
+              <a:gd name="connsiteX2" fmla="*/ 719169 w 2664296"/>
+              <a:gd name="connsiteY2" fmla="*/ 986765 h 1296144"/>
+              <a:gd name="connsiteX3" fmla="*/ 2664296 w 2664296"/>
+              <a:gd name="connsiteY3" fmla="*/ 1296144 h 1296144"/>
+              <a:gd name="connsiteX4" fmla="*/ 0 w 2664296"/>
+              <a:gd name="connsiteY4" fmla="*/ 1296144 h 1296144"/>
+              <a:gd name="connsiteX0" fmla="*/ 0 w 2664296"/>
+              <a:gd name="connsiteY0" fmla="*/ 1296144 h 1296144"/>
+              <a:gd name="connsiteX1" fmla="*/ 0 w 2664296"/>
+              <a:gd name="connsiteY1" fmla="*/ 0 h 1296144"/>
+              <a:gd name="connsiteX2" fmla="*/ 719169 w 2664296"/>
+              <a:gd name="connsiteY2" fmla="*/ 986765 h 1296144"/>
+              <a:gd name="connsiteX3" fmla="*/ 2664296 w 2664296"/>
+              <a:gd name="connsiteY3" fmla="*/ 1296144 h 1296144"/>
+              <a:gd name="connsiteX4" fmla="*/ 0 w 2664296"/>
+              <a:gd name="connsiteY4" fmla="*/ 1296144 h 1296144"/>
+              <a:gd name="connsiteX0" fmla="*/ 0 w 2664296"/>
+              <a:gd name="connsiteY0" fmla="*/ 1241553 h 1241553"/>
+              <a:gd name="connsiteX1" fmla="*/ 13648 w 2664296"/>
+              <a:gd name="connsiteY1" fmla="*/ 0 h 1241553"/>
+              <a:gd name="connsiteX2" fmla="*/ 719169 w 2664296"/>
+              <a:gd name="connsiteY2" fmla="*/ 932174 h 1241553"/>
+              <a:gd name="connsiteX3" fmla="*/ 2664296 w 2664296"/>
+              <a:gd name="connsiteY3" fmla="*/ 1241553 h 1241553"/>
+              <a:gd name="connsiteX4" fmla="*/ 0 w 2664296"/>
+              <a:gd name="connsiteY4" fmla="*/ 1241553 h 1241553"/>
+              <a:gd name="connsiteX0" fmla="*/ 0 w 2664296"/>
+              <a:gd name="connsiteY0" fmla="*/ 1241553 h 1241553"/>
+              <a:gd name="connsiteX1" fmla="*/ 13648 w 2664296"/>
+              <a:gd name="connsiteY1" fmla="*/ 0 h 1241553"/>
+              <a:gd name="connsiteX2" fmla="*/ 719169 w 2664296"/>
+              <a:gd name="connsiteY2" fmla="*/ 932174 h 1241553"/>
+              <a:gd name="connsiteX3" fmla="*/ 2664296 w 2664296"/>
+              <a:gd name="connsiteY3" fmla="*/ 1241553 h 1241553"/>
+              <a:gd name="connsiteX4" fmla="*/ 0 w 2664296"/>
+              <a:gd name="connsiteY4" fmla="*/ 1241553 h 1241553"/>
+              <a:gd name="connsiteX0" fmla="*/ 0 w 2664296"/>
+              <a:gd name="connsiteY0" fmla="*/ 1241553 h 1241553"/>
+              <a:gd name="connsiteX1" fmla="*/ 13648 w 2664296"/>
+              <a:gd name="connsiteY1" fmla="*/ 0 h 1241553"/>
+              <a:gd name="connsiteX2" fmla="*/ 719169 w 2664296"/>
+              <a:gd name="connsiteY2" fmla="*/ 932174 h 1241553"/>
+              <a:gd name="connsiteX3" fmla="*/ 2664296 w 2664296"/>
+              <a:gd name="connsiteY3" fmla="*/ 1241553 h 1241553"/>
+              <a:gd name="connsiteX4" fmla="*/ 0 w 2664296"/>
+              <a:gd name="connsiteY4" fmla="*/ 1241553 h 1241553"/>
+            </a:gdLst>
+            <a:ahLst/>
+            <a:cxnLst>
+              <a:cxn ang="0">
+                <a:pos x="connsiteX0" y="connsiteY0"/>
+              </a:cxn>
+              <a:cxn ang="0">
+                <a:pos x="connsiteX1" y="connsiteY1"/>
+              </a:cxn>
+              <a:cxn ang="0">
+                <a:pos x="connsiteX2" y="connsiteY2"/>
+              </a:cxn>
+              <a:cxn ang="0">
+                <a:pos x="connsiteX3" y="connsiteY3"/>
+              </a:cxn>
+              <a:cxn ang="0">
+                <a:pos x="connsiteX4" y="connsiteY4"/>
+              </a:cxn>
+            </a:cxnLst>
+            <a:rect l="l" t="t" r="r" b="b"/>
+            <a:pathLst>
+              <a:path w="2664296" h="1241553">
+                <a:moveTo>
+                  <a:pt x="0" y="1241553"/>
+                </a:moveTo>
+                <a:lnTo>
+                  <a:pt x="13648" y="0"/>
+                </a:lnTo>
+                <a:cubicBezTo>
+                  <a:pt x="148738" y="310725"/>
+                  <a:pt x="120055" y="648744"/>
+                  <a:pt x="719169" y="932174"/>
+                </a:cubicBezTo>
+                <a:cubicBezTo>
+                  <a:pt x="1231067" y="1226369"/>
+                  <a:pt x="2015920" y="1233962"/>
+                  <a:pt x="2664296" y="1241553"/>
+                </a:cubicBezTo>
+                <a:lnTo>
+                  <a:pt x="0" y="1241553"/>
+                </a:lnTo>
+                <a:close/>
+              </a:path>
+            </a:pathLst>
+          </a:custGeom>
+        </p:spPr>
+        <p:style>
+          <a:lnRef idx="2">
+            <a:schemeClr val="accent1">
+              <a:shade val="50000"/>
+            </a:schemeClr>
+          </a:lnRef>
+          <a:fillRef idx="1">
+            <a:schemeClr val="accent1"/>
+          </a:fillRef>
+          <a:effectRef idx="0">
+            <a:schemeClr val="accent1"/>
+          </a:effectRef>
+          <a:fontRef idx="minor">
+            <a:schemeClr val="lt1"/>
+          </a:fontRef>
+        </p:style>
+        <p:txBody>
+          <a:bodyPr rtlCol="0" anchor="ctr"/>
+          <a:lstStyle/>
+          <a:p>
+            <a:pPr algn="ctr"/>
+            <a:endParaRPr lang="es-ES"/>
+          </a:p>
+        </p:txBody>
+      </p:sp>
+      <p:sp>
+        <p:nvSpPr>
+          <p:cNvPr id="9" name="8 Rectángulo"/>
+          <p:cNvSpPr/>
+          <p:nvPr/>
+        </p:nvSpPr>
+        <p:spPr>
+          <a:xfrm>
+            <a:off x="6372200" y="3339575"/>
+            <a:ext cx="2376264" cy="1241553"/>
+          </a:xfrm>
+          <a:prstGeom prst="rect">
+            <a:avLst/>
+          </a:prstGeom>
+        </p:spPr>
+        <p:style>
+          <a:lnRef idx="2">
+            <a:schemeClr val="accent1">
+              <a:shade val="50000"/>
+            </a:schemeClr>
+          </a:lnRef>
+          <a:fillRef idx="1">
+            <a:schemeClr val="accent1"/>
+          </a:fillRef>
+          <a:effectRef idx="0">
+            <a:schemeClr val="accent1"/>
+          </a:effectRef>
+          <a:fontRef idx="minor">
+            <a:schemeClr val="lt1"/>
+          </a:fontRef>
+        </p:style>
+        <p:txBody>
+          <a:bodyPr rtlCol="0" anchor="ctr"/>
+          <a:lstStyle/>
+          <a:p>
+            <a:pPr algn="ctr"/>
+            <a:endParaRPr lang="es-ES"/>
+          </a:p>
+        </p:txBody>
+      </p:sp>
+      <p:sp>
+        <p:nvSpPr>
+          <p:cNvPr id="10" name="9 Rectángulo"/>
+          <p:cNvSpPr/>
+          <p:nvPr/>
+        </p:nvSpPr>
+        <p:spPr>
+          <a:xfrm>
+            <a:off x="3347864" y="4941168"/>
+            <a:ext cx="2664296" cy="1224136"/>
+          </a:xfrm>
+          <a:prstGeom prst="rect">
+            <a:avLst/>
+          </a:prstGeom>
+        </p:spPr>
+        <p:style>
+          <a:lnRef idx="2">
+            <a:schemeClr val="accent1">
+              <a:shade val="50000"/>
+            </a:schemeClr>
+          </a:lnRef>
+          <a:fillRef idx="1">
+            <a:schemeClr val="accent1"/>
+          </a:fillRef>
+          <a:effectRef idx="0">
+            <a:schemeClr val="accent1"/>
+          </a:effectRef>
+          <a:fontRef idx="minor">
+            <a:schemeClr val="lt1"/>
+          </a:fontRef>
+        </p:style>
+        <p:txBody>
+          <a:bodyPr rtlCol="0" anchor="ctr"/>
+          <a:lstStyle/>
+          <a:p>
+            <a:pPr algn="ctr"/>
+            <a:endParaRPr lang="es-ES"/>
+          </a:p>
+        </p:txBody>
+      </p:sp>
+      <p:sp>
+        <p:nvSpPr>
+          <p:cNvPr id="11" name="10 Rectángulo"/>
+          <p:cNvSpPr/>
+          <p:nvPr/>
+        </p:nvSpPr>
+        <p:spPr>
+          <a:xfrm>
+            <a:off x="6372200" y="4981191"/>
+            <a:ext cx="2376264" cy="1184112"/>
+          </a:xfrm>
+          <a:custGeom>
+            <a:avLst/>
+            <a:gdLst>
+              <a:gd name="connsiteX0" fmla="*/ 0 w 2376264"/>
+              <a:gd name="connsiteY0" fmla="*/ 0 h 216024"/>
+              <a:gd name="connsiteX1" fmla="*/ 2376264 w 2376264"/>
+              <a:gd name="connsiteY1" fmla="*/ 0 h 216024"/>
+              <a:gd name="connsiteX2" fmla="*/ 2376264 w 2376264"/>
+              <a:gd name="connsiteY2" fmla="*/ 216024 h 216024"/>
+              <a:gd name="connsiteX3" fmla="*/ 0 w 2376264"/>
+              <a:gd name="connsiteY3" fmla="*/ 216024 h 216024"/>
+              <a:gd name="connsiteX4" fmla="*/ 0 w 2376264"/>
+              <a:gd name="connsiteY4" fmla="*/ 0 h 216024"/>
+              <a:gd name="connsiteX0" fmla="*/ 0 w 2376264"/>
+              <a:gd name="connsiteY0" fmla="*/ 967847 h 1183871"/>
+              <a:gd name="connsiteX1" fmla="*/ 1256899 w 2376264"/>
+              <a:gd name="connsiteY1" fmla="*/ 0 h 1183871"/>
+              <a:gd name="connsiteX2" fmla="*/ 2376264 w 2376264"/>
+              <a:gd name="connsiteY2" fmla="*/ 967847 h 1183871"/>
+              <a:gd name="connsiteX3" fmla="*/ 2376264 w 2376264"/>
+              <a:gd name="connsiteY3" fmla="*/ 1183871 h 1183871"/>
+              <a:gd name="connsiteX4" fmla="*/ 0 w 2376264"/>
+              <a:gd name="connsiteY4" fmla="*/ 1183871 h 1183871"/>
+              <a:gd name="connsiteX5" fmla="*/ 0 w 2376264"/>
+              <a:gd name="connsiteY5" fmla="*/ 967847 h 1183871"/>
+              <a:gd name="connsiteX0" fmla="*/ 0 w 2376264"/>
+              <a:gd name="connsiteY0" fmla="*/ 967847 h 1183871"/>
+              <a:gd name="connsiteX1" fmla="*/ 1256899 w 2376264"/>
+              <a:gd name="connsiteY1" fmla="*/ 0 h 1183871"/>
+              <a:gd name="connsiteX2" fmla="*/ 2376264 w 2376264"/>
+              <a:gd name="connsiteY2" fmla="*/ 967847 h 1183871"/>
+              <a:gd name="connsiteX3" fmla="*/ 2376264 w 2376264"/>
+              <a:gd name="connsiteY3" fmla="*/ 1183871 h 1183871"/>
+              <a:gd name="connsiteX4" fmla="*/ 0 w 2376264"/>
+              <a:gd name="connsiteY4" fmla="*/ 1183871 h 1183871"/>
+              <a:gd name="connsiteX5" fmla="*/ 0 w 2376264"/>
+              <a:gd name="connsiteY5" fmla="*/ 967847 h 1183871"/>
+              <a:gd name="connsiteX0" fmla="*/ 0 w 2376264"/>
+              <a:gd name="connsiteY0" fmla="*/ 967995 h 1184019"/>
+              <a:gd name="connsiteX1" fmla="*/ 1256899 w 2376264"/>
+              <a:gd name="connsiteY1" fmla="*/ 148 h 1184019"/>
+              <a:gd name="connsiteX2" fmla="*/ 2376264 w 2376264"/>
+              <a:gd name="connsiteY2" fmla="*/ 967995 h 1184019"/>
+              <a:gd name="connsiteX3" fmla="*/ 2376264 w 2376264"/>
+              <a:gd name="connsiteY3" fmla="*/ 1184019 h 1184019"/>
+              <a:gd name="connsiteX4" fmla="*/ 0 w 2376264"/>
+              <a:gd name="connsiteY4" fmla="*/ 1184019 h 1184019"/>
+              <a:gd name="connsiteX5" fmla="*/ 0 w 2376264"/>
+              <a:gd name="connsiteY5" fmla="*/ 967995 h 1184019"/>
+              <a:gd name="connsiteX0" fmla="*/ 0 w 2376264"/>
+              <a:gd name="connsiteY0" fmla="*/ 968088 h 1184112"/>
+              <a:gd name="connsiteX1" fmla="*/ 1256899 w 2376264"/>
+              <a:gd name="connsiteY1" fmla="*/ 241 h 1184112"/>
+              <a:gd name="connsiteX2" fmla="*/ 2376264 w 2376264"/>
+              <a:gd name="connsiteY2" fmla="*/ 968088 h 1184112"/>
+              <a:gd name="connsiteX3" fmla="*/ 2376264 w 2376264"/>
+              <a:gd name="connsiteY3" fmla="*/ 1184112 h 1184112"/>
+              <a:gd name="connsiteX4" fmla="*/ 0 w 2376264"/>
+              <a:gd name="connsiteY4" fmla="*/ 1184112 h 1184112"/>
+              <a:gd name="connsiteX5" fmla="*/ 0 w 2376264"/>
+              <a:gd name="connsiteY5" fmla="*/ 968088 h 1184112"/>
+              <a:gd name="connsiteX0" fmla="*/ 0 w 2376264"/>
+              <a:gd name="connsiteY0" fmla="*/ 968088 h 1184112"/>
+              <a:gd name="connsiteX1" fmla="*/ 1256899 w 2376264"/>
+              <a:gd name="connsiteY1" fmla="*/ 241 h 1184112"/>
+              <a:gd name="connsiteX2" fmla="*/ 2376264 w 2376264"/>
+              <a:gd name="connsiteY2" fmla="*/ 968088 h 1184112"/>
+              <a:gd name="connsiteX3" fmla="*/ 2376264 w 2376264"/>
+              <a:gd name="connsiteY3" fmla="*/ 1184112 h 1184112"/>
+              <a:gd name="connsiteX4" fmla="*/ 0 w 2376264"/>
+              <a:gd name="connsiteY4" fmla="*/ 1184112 h 1184112"/>
+              <a:gd name="connsiteX5" fmla="*/ 0 w 2376264"/>
+              <a:gd name="connsiteY5" fmla="*/ 968088 h 1184112"/>
+            </a:gdLst>
+            <a:ahLst/>
+            <a:cxnLst>
+              <a:cxn ang="0">
+                <a:pos x="connsiteX0" y="connsiteY0"/>
+              </a:cxn>
+              <a:cxn ang="0">
+                <a:pos x="connsiteX1" y="connsiteY1"/>
+              </a:cxn>
+              <a:cxn ang="0">
+                <a:pos x="connsiteX2" y="connsiteY2"/>
+              </a:cxn>
+              <a:cxn ang="0">
+                <a:pos x="connsiteX3" y="connsiteY3"/>
+              </a:cxn>
+              <a:cxn ang="0">
+                <a:pos x="connsiteX4" y="connsiteY4"/>
+              </a:cxn>
+              <a:cxn ang="0">
+                <a:pos x="connsiteX5" y="connsiteY5"/>
+              </a:cxn>
+            </a:cxnLst>
+            <a:rect l="l" t="t" r="r" b="b"/>
+            <a:pathLst>
+              <a:path w="2376264" h="1184112">
+                <a:moveTo>
+                  <a:pt x="0" y="968088"/>
+                </a:moveTo>
+                <a:cubicBezTo>
+                  <a:pt x="296137" y="586332"/>
+                  <a:pt x="769694" y="-13788"/>
+                  <a:pt x="1256899" y="241"/>
+                </a:cubicBezTo>
+                <a:cubicBezTo>
+                  <a:pt x="1657316" y="22606"/>
+                  <a:pt x="2057733" y="563586"/>
+                  <a:pt x="2376264" y="968088"/>
+                </a:cubicBezTo>
+                <a:lnTo>
+                  <a:pt x="2376264" y="1184112"/>
+                </a:lnTo>
+                <a:lnTo>
+                  <a:pt x="0" y="1184112"/>
+                </a:lnTo>
+                <a:lnTo>
+                  <a:pt x="0" y="968088"/>
+                </a:lnTo>
+                <a:close/>
+              </a:path>
+            </a:pathLst>
+          </a:custGeom>
+        </p:spPr>
+        <p:style>
+          <a:lnRef idx="2">
+            <a:schemeClr val="accent1">
+              <a:shade val="50000"/>
+            </a:schemeClr>
+          </a:lnRef>
+          <a:fillRef idx="1">
+            <a:schemeClr val="accent1"/>
+          </a:fillRef>
+          <a:effectRef idx="0">
+            <a:schemeClr val="accent1"/>
+          </a:effectRef>
+          <a:fontRef idx="minor">
+            <a:schemeClr val="lt1"/>
+          </a:fontRef>
+        </p:style>
+        <p:txBody>
+          <a:bodyPr rtlCol="0" anchor="ctr"/>
+          <a:lstStyle/>
+          <a:p>
+            <a:pPr algn="ctr"/>
+            <a:endParaRPr lang="es-ES"/>
+          </a:p>
+        </p:txBody>
+      </p:sp>
+      <p:sp>
+        <p:nvSpPr>
+          <p:cNvPr id="13" name="12 CuadroTexto"/>
+          <p:cNvSpPr txBox="1"/>
+          <p:nvPr/>
+        </p:nvSpPr>
+        <p:spPr>
+          <a:xfrm>
+            <a:off x="8388424" y="6382052"/>
+            <a:ext cx="625492" cy="369332"/>
+          </a:xfrm>
+          <a:prstGeom prst="rect">
+            <a:avLst/>
+          </a:prstGeom>
+          <a:noFill/>
+        </p:spPr>
+        <p:txBody>
+          <a:bodyPr wrap="none" rtlCol="0">
+            <a:spAutoFit/>
+          </a:bodyPr>
           <a:lstStyle/>
           <a:p>
             <a:r>
               <a:rPr lang="es-ES" dirty="0" smtClean="0"/>
-              <a:t>Mortalidad diferencial, aleatoria o </a:t>
-            </a:r>
-            <a:r>
-              <a:rPr lang="es-ES" dirty="0" err="1" smtClean="0"/>
-              <a:t>semi</a:t>
-            </a:r>
-            <a:r>
-              <a:rPr lang="es-ES" dirty="0" smtClean="0"/>
-              <a:t>-aleatoria</a:t>
-            </a:r>
-          </a:p>
-          <a:p>
-            <a:r>
-              <a:rPr lang="es-ES" dirty="0" smtClean="0"/>
-              <a:t>Elegir qué individuos mueren y cuáles se reproducen</a:t>
-            </a:r>
-          </a:p>
-          <a:p>
-            <a:r>
-              <a:rPr lang="es-ES" dirty="0" smtClean="0"/>
-              <a:t>Equilibrio:</a:t>
-            </a:r>
-          </a:p>
-          <a:p>
-            <a:pPr lvl="1"/>
-            <a:r>
-              <a:rPr lang="es-ES" dirty="0" smtClean="0"/>
-              <a:t>Suficientes plazas para la siguiente generación</a:t>
-            </a:r>
-          </a:p>
-          <a:p>
-            <a:pPr lvl="1"/>
-            <a:r>
-              <a:rPr lang="es-ES" dirty="0" smtClean="0"/>
-              <a:t>Pérdida de información</a:t>
+              <a:t>8/18</a:t>
             </a:r>
             <a:endParaRPr lang="es-ES" dirty="0"/>
           </a:p>
@@ -7155,13 +11454,20 @@
     </p:spTree>
     <p:extLst>
       <p:ext uri="{BB962C8B-B14F-4D97-AF65-F5344CB8AC3E}">
-        <p14:creationId xmlns:p14="http://schemas.microsoft.com/office/powerpoint/2010/main" val="2205181209"/>
+        <p14:creationId xmlns:p14="http://schemas.microsoft.com/office/powerpoint/2010/main" val="96743314"/>
       </p:ext>
     </p:extLst>
   </p:cSld>
   <p:clrMapOvr>
     <a:masterClrMapping/>
   </p:clrMapOvr>
+  <p:timing>
+    <p:tnLst>
+      <p:par>
+        <p:cTn id="1" dur="indefinite" restart="never" nodeType="tmRoot"/>
+      </p:par>
+    </p:tnLst>
+  </p:timing>
 </p:sld>
 </file>
 
@@ -7199,7 +11505,11 @@
           <a:p>
             <a:r>
               <a:rPr lang="es-ES" dirty="0" smtClean="0"/>
-              <a:t>Reproducción</a:t>
+              <a:t>Función de </a:t>
+            </a:r>
+            <a:r>
+              <a:rPr lang="es-ES" dirty="0" err="1" smtClean="0"/>
+              <a:t>Fitness</a:t>
             </a:r>
             <a:endParaRPr lang="es-ES" dirty="0"/>
           </a:p>
@@ -7217,68 +11527,76 @@
         </p:nvSpPr>
         <p:spPr/>
         <p:txBody>
-          <a:bodyPr>
-            <a:normAutofit lnSpcReduction="10000"/>
+          <a:bodyPr/>
+          <a:lstStyle/>
+          <a:p>
+            <a:r>
+              <a:rPr lang="es-ES" dirty="0" smtClean="0"/>
+              <a:t>La función más importante del algoritmo</a:t>
+            </a:r>
+          </a:p>
+          <a:p>
+            <a:r>
+              <a:rPr lang="es-ES" dirty="0" smtClean="0"/>
+              <a:t>Condensa en un solo valor la calidad de una solución.</a:t>
+            </a:r>
+          </a:p>
+          <a:p>
+            <a:r>
+              <a:rPr lang="es-ES" dirty="0" smtClean="0"/>
+              <a:t>Suele contener condicionales para desechar zonas no interesantes.</a:t>
+            </a:r>
+            <a:endParaRPr lang="es-ES" dirty="0"/>
+          </a:p>
+        </p:txBody>
+      </p:sp>
+      <p:sp>
+        <p:nvSpPr>
+          <p:cNvPr id="5" name="4 CuadroTexto"/>
+          <p:cNvSpPr txBox="1"/>
+          <p:nvPr/>
+        </p:nvSpPr>
+        <p:spPr>
+          <a:xfrm>
+            <a:off x="8388424" y="6382052"/>
+            <a:ext cx="625492" cy="369332"/>
+          </a:xfrm>
+          <a:prstGeom prst="rect">
+            <a:avLst/>
+          </a:prstGeom>
+          <a:noFill/>
+        </p:spPr>
+        <p:txBody>
+          <a:bodyPr wrap="none" rtlCol="0">
+            <a:spAutoFit/>
           </a:bodyPr>
           <a:lstStyle/>
           <a:p>
             <a:r>
               <a:rPr lang="es-ES" dirty="0" smtClean="0"/>
-              <a:t>Reproducción diferencial, aleatoria o </a:t>
-            </a:r>
-            <a:r>
-              <a:rPr lang="es-ES" dirty="0" err="1" smtClean="0"/>
-              <a:t>semi</a:t>
-            </a:r>
-            <a:r>
-              <a:rPr lang="es-ES" dirty="0" smtClean="0"/>
-              <a:t>-aleatoria.</a:t>
-            </a:r>
-          </a:p>
-          <a:p>
-            <a:r>
-              <a:rPr lang="es-ES" dirty="0" smtClean="0"/>
-              <a:t>Genera una población nueva para la siguiente generación.</a:t>
-            </a:r>
-          </a:p>
-          <a:p>
-            <a:r>
-              <a:rPr lang="es-ES" dirty="0" smtClean="0"/>
-              <a:t>2 fases:</a:t>
-            </a:r>
-          </a:p>
-          <a:p>
-            <a:pPr lvl="1"/>
-            <a:r>
-              <a:rPr lang="es-ES" dirty="0" smtClean="0"/>
-              <a:t>Cruzamiento</a:t>
-            </a:r>
-          </a:p>
-          <a:p>
-            <a:pPr lvl="1"/>
-            <a:r>
-              <a:rPr lang="es-ES" dirty="0" smtClean="0"/>
-              <a:t>Mutación </a:t>
-            </a:r>
-          </a:p>
-          <a:p>
-            <a:r>
-              <a:rPr lang="es-ES" dirty="0" smtClean="0"/>
-              <a:t>Si se conservan pocos de la generación anterior: Elite Clones</a:t>
-            </a:r>
+              <a:t>9/18</a:t>
+            </a:r>
+            <a:endParaRPr lang="es-ES" dirty="0"/>
           </a:p>
         </p:txBody>
       </p:sp>
     </p:spTree>
     <p:extLst>
       <p:ext uri="{BB962C8B-B14F-4D97-AF65-F5344CB8AC3E}">
-        <p14:creationId xmlns:p14="http://schemas.microsoft.com/office/powerpoint/2010/main" val="990687312"/>
+        <p14:creationId xmlns:p14="http://schemas.microsoft.com/office/powerpoint/2010/main" val="3141783368"/>
       </p:ext>
     </p:extLst>
   </p:cSld>
   <p:clrMapOvr>
     <a:masterClrMapping/>
   </p:clrMapOvr>
+  <p:timing>
+    <p:tnLst>
+      <p:par>
+        <p:cTn id="1" dur="indefinite" restart="never" nodeType="tmRoot"/>
+      </p:par>
+    </p:tnLst>
+  </p:timing>
 </p:sld>
 </file>
 
@@ -7563,4 +11881,574 @@
   <a:objectDefaults/>
   <a:extraClrSchemeLst/>
 </a:theme>
+</file>
+
+<file path=ppt/theme/theme2.xml><?xml version="1.0" encoding="utf-8"?>
+<a:theme xmlns:a="http://schemas.openxmlformats.org/drawingml/2006/main" name="Tema de Office">
+  <a:themeElements>
+    <a:clrScheme name="Office">
+      <a:dk1>
+        <a:sysClr val="windowText" lastClr="000000"/>
+      </a:dk1>
+      <a:lt1>
+        <a:sysClr val="window" lastClr="FFFFFF"/>
+      </a:lt1>
+      <a:dk2>
+        <a:srgbClr val="1F497D"/>
+      </a:dk2>
+      <a:lt2>
+        <a:srgbClr val="EEECE1"/>
+      </a:lt2>
+      <a:accent1>
+        <a:srgbClr val="4F81BD"/>
+      </a:accent1>
+      <a:accent2>
+        <a:srgbClr val="C0504D"/>
+      </a:accent2>
+      <a:accent3>
+        <a:srgbClr val="9BBB59"/>
+      </a:accent3>
+      <a:accent4>
+        <a:srgbClr val="8064A2"/>
+      </a:accent4>
+      <a:accent5>
+        <a:srgbClr val="4BACC6"/>
+      </a:accent5>
+      <a:accent6>
+        <a:srgbClr val="F79646"/>
+      </a:accent6>
+      <a:hlink>
+        <a:srgbClr val="0000FF"/>
+      </a:hlink>
+      <a:folHlink>
+        <a:srgbClr val="800080"/>
+      </a:folHlink>
+    </a:clrScheme>
+    <a:fontScheme name="Office">
+      <a:majorFont>
+        <a:latin typeface="Calibri"/>
+        <a:ea typeface=""/>
+        <a:cs typeface=""/>
+        <a:font script="Jpan" typeface="ＭＳ Ｐゴシック"/>
+        <a:font script="Hang" typeface="맑은 고딕"/>
+        <a:font script="Hans" typeface="宋体"/>
+        <a:font script="Hant" typeface="新細明體"/>
+        <a:font script="Arab" typeface="Times New Roman"/>
+        <a:font script="Hebr" typeface="Times New Roman"/>
+        <a:font script="Thai" typeface="Angsana New"/>
+        <a:font script="Ethi" typeface="Nyala"/>
+        <a:font script="Beng" typeface="Vrinda"/>
+        <a:font script="Gujr" typeface="Shruti"/>
+        <a:font script="Khmr" typeface="MoolBoran"/>
+        <a:font script="Knda" typeface="Tunga"/>
+        <a:font script="Guru" typeface="Raavi"/>
+        <a:font script="Cans" typeface="Euphemia"/>
+        <a:font script="Cher" typeface="Plantagenet Cherokee"/>
+        <a:font script="Yiii" typeface="Microsoft Yi Baiti"/>
+        <a:font script="Tibt" typeface="Microsoft Himalaya"/>
+        <a:font script="Thaa" typeface="MV Boli"/>
+        <a:font script="Deva" typeface="Mangal"/>
+        <a:font script="Telu" typeface="Gautami"/>
+        <a:font script="Taml" typeface="Latha"/>
+        <a:font script="Syrc" typeface="Estrangelo Edessa"/>
+        <a:font script="Orya" typeface="Kalinga"/>
+        <a:font script="Mlym" typeface="Kartika"/>
+        <a:font script="Laoo" typeface="DokChampa"/>
+        <a:font script="Sinh" typeface="Iskoola Pota"/>
+        <a:font script="Mong" typeface="Mongolian Baiti"/>
+        <a:font script="Viet" typeface="Times New Roman"/>
+        <a:font script="Uigh" typeface="Microsoft Uighur"/>
+        <a:font script="Geor" typeface="Sylfaen"/>
+      </a:majorFont>
+      <a:minorFont>
+        <a:latin typeface="Calibri"/>
+        <a:ea typeface=""/>
+        <a:cs typeface=""/>
+        <a:font script="Jpan" typeface="ＭＳ Ｐゴシック"/>
+        <a:font script="Hang" typeface="맑은 고딕"/>
+        <a:font script="Hans" typeface="宋体"/>
+        <a:font script="Hant" typeface="新細明體"/>
+        <a:font script="Arab" typeface="Arial"/>
+        <a:font script="Hebr" typeface="Arial"/>
+        <a:font script="Thai" typeface="Cordia New"/>
+        <a:font script="Ethi" typeface="Nyala"/>
+        <a:font script="Beng" typeface="Vrinda"/>
+        <a:font script="Gujr" typeface="Shruti"/>
+        <a:font script="Khmr" typeface="DaunPenh"/>
+        <a:font script="Knda" typeface="Tunga"/>
+        <a:font script="Guru" typeface="Raavi"/>
+        <a:font script="Cans" typeface="Euphemia"/>
+        <a:font script="Cher" typeface="Plantagenet Cherokee"/>
+        <a:font script="Yiii" typeface="Microsoft Yi Baiti"/>
+        <a:font script="Tibt" typeface="Microsoft Himalaya"/>
+        <a:font script="Thaa" typeface="MV Boli"/>
+        <a:font script="Deva" typeface="Mangal"/>
+        <a:font script="Telu" typeface="Gautami"/>
+        <a:font script="Taml" typeface="Latha"/>
+        <a:font script="Syrc" typeface="Estrangelo Edessa"/>
+        <a:font script="Orya" typeface="Kalinga"/>
+        <a:font script="Mlym" typeface="Kartika"/>
+        <a:font script="Laoo" typeface="DokChampa"/>
+        <a:font script="Sinh" typeface="Iskoola Pota"/>
+        <a:font script="Mong" typeface="Mongolian Baiti"/>
+        <a:font script="Viet" typeface="Arial"/>
+        <a:font script="Uigh" typeface="Microsoft Uighur"/>
+        <a:font script="Geor" typeface="Sylfaen"/>
+      </a:minorFont>
+    </a:fontScheme>
+    <a:fmtScheme name="Office">
+      <a:fillStyleLst>
+        <a:solidFill>
+          <a:schemeClr val="phClr"/>
+        </a:solidFill>
+        <a:gradFill rotWithShape="1">
+          <a:gsLst>
+            <a:gs pos="0">
+              <a:schemeClr val="phClr">
+                <a:tint val="50000"/>
+                <a:satMod val="300000"/>
+              </a:schemeClr>
+            </a:gs>
+            <a:gs pos="35000">
+              <a:schemeClr val="phClr">
+                <a:tint val="37000"/>
+                <a:satMod val="300000"/>
+              </a:schemeClr>
+            </a:gs>
+            <a:gs pos="100000">
+              <a:schemeClr val="phClr">
+                <a:tint val="15000"/>
+                <a:satMod val="350000"/>
+              </a:schemeClr>
+            </a:gs>
+          </a:gsLst>
+          <a:lin ang="16200000" scaled="1"/>
+        </a:gradFill>
+        <a:gradFill rotWithShape="1">
+          <a:gsLst>
+            <a:gs pos="0">
+              <a:schemeClr val="phClr">
+                <a:shade val="51000"/>
+                <a:satMod val="130000"/>
+              </a:schemeClr>
+            </a:gs>
+            <a:gs pos="80000">
+              <a:schemeClr val="phClr">
+                <a:shade val="93000"/>
+                <a:satMod val="130000"/>
+              </a:schemeClr>
+            </a:gs>
+            <a:gs pos="100000">
+              <a:schemeClr val="phClr">
+                <a:shade val="94000"/>
+                <a:satMod val="135000"/>
+              </a:schemeClr>
+            </a:gs>
+          </a:gsLst>
+          <a:lin ang="16200000" scaled="0"/>
+        </a:gradFill>
+      </a:fillStyleLst>
+      <a:lnStyleLst>
+        <a:ln w="9525" cap="flat" cmpd="sng" algn="ctr">
+          <a:solidFill>
+            <a:schemeClr val="phClr">
+              <a:shade val="95000"/>
+              <a:satMod val="105000"/>
+            </a:schemeClr>
+          </a:solidFill>
+          <a:prstDash val="solid"/>
+        </a:ln>
+        <a:ln w="25400" cap="flat" cmpd="sng" algn="ctr">
+          <a:solidFill>
+            <a:schemeClr val="phClr"/>
+          </a:solidFill>
+          <a:prstDash val="solid"/>
+        </a:ln>
+        <a:ln w="38100" cap="flat" cmpd="sng" algn="ctr">
+          <a:solidFill>
+            <a:schemeClr val="phClr"/>
+          </a:solidFill>
+          <a:prstDash val="solid"/>
+        </a:ln>
+      </a:lnStyleLst>
+      <a:effectStyleLst>
+        <a:effectStyle>
+          <a:effectLst>
+            <a:outerShdw blurRad="40000" dist="20000" dir="5400000" rotWithShape="0">
+              <a:srgbClr val="000000">
+                <a:alpha val="38000"/>
+              </a:srgbClr>
+            </a:outerShdw>
+          </a:effectLst>
+        </a:effectStyle>
+        <a:effectStyle>
+          <a:effectLst>
+            <a:outerShdw blurRad="40000" dist="23000" dir="5400000" rotWithShape="0">
+              <a:srgbClr val="000000">
+                <a:alpha val="35000"/>
+              </a:srgbClr>
+            </a:outerShdw>
+          </a:effectLst>
+        </a:effectStyle>
+        <a:effectStyle>
+          <a:effectLst>
+            <a:outerShdw blurRad="40000" dist="23000" dir="5400000" rotWithShape="0">
+              <a:srgbClr val="000000">
+                <a:alpha val="35000"/>
+              </a:srgbClr>
+            </a:outerShdw>
+          </a:effectLst>
+          <a:scene3d>
+            <a:camera prst="orthographicFront">
+              <a:rot lat="0" lon="0" rev="0"/>
+            </a:camera>
+            <a:lightRig rig="threePt" dir="t">
+              <a:rot lat="0" lon="0" rev="1200000"/>
+            </a:lightRig>
+          </a:scene3d>
+          <a:sp3d>
+            <a:bevelT w="63500" h="25400"/>
+          </a:sp3d>
+        </a:effectStyle>
+      </a:effectStyleLst>
+      <a:bgFillStyleLst>
+        <a:solidFill>
+          <a:schemeClr val="phClr"/>
+        </a:solidFill>
+        <a:gradFill rotWithShape="1">
+          <a:gsLst>
+            <a:gs pos="0">
+              <a:schemeClr val="phClr">
+                <a:tint val="40000"/>
+                <a:satMod val="350000"/>
+              </a:schemeClr>
+            </a:gs>
+            <a:gs pos="40000">
+              <a:schemeClr val="phClr">
+                <a:tint val="45000"/>
+                <a:shade val="99000"/>
+                <a:satMod val="350000"/>
+              </a:schemeClr>
+            </a:gs>
+            <a:gs pos="100000">
+              <a:schemeClr val="phClr">
+                <a:shade val="20000"/>
+                <a:satMod val="255000"/>
+              </a:schemeClr>
+            </a:gs>
+          </a:gsLst>
+          <a:path path="circle">
+            <a:fillToRect l="50000" t="-80000" r="50000" b="180000"/>
+          </a:path>
+        </a:gradFill>
+        <a:gradFill rotWithShape="1">
+          <a:gsLst>
+            <a:gs pos="0">
+              <a:schemeClr val="phClr">
+                <a:tint val="80000"/>
+                <a:satMod val="300000"/>
+              </a:schemeClr>
+            </a:gs>
+            <a:gs pos="100000">
+              <a:schemeClr val="phClr">
+                <a:shade val="30000"/>
+                <a:satMod val="200000"/>
+              </a:schemeClr>
+            </a:gs>
+          </a:gsLst>
+          <a:path path="circle">
+            <a:fillToRect l="50000" t="50000" r="50000" b="50000"/>
+          </a:path>
+        </a:gradFill>
+      </a:bgFillStyleLst>
+    </a:fmtScheme>
+  </a:themeElements>
+  <a:objectDefaults/>
+  <a:extraClrSchemeLst/>
+</a:theme>
+</file>
+
+<file path=ppt/theme/theme3.xml><?xml version="1.0" encoding="utf-8"?>
+<a:theme xmlns:a="http://schemas.openxmlformats.org/drawingml/2006/main" name="Tema de Office">
+  <a:themeElements>
+    <a:clrScheme name="Office">
+      <a:dk1>
+        <a:sysClr val="windowText" lastClr="000000"/>
+      </a:dk1>
+      <a:lt1>
+        <a:sysClr val="window" lastClr="FFFFFF"/>
+      </a:lt1>
+      <a:dk2>
+        <a:srgbClr val="1F497D"/>
+      </a:dk2>
+      <a:lt2>
+        <a:srgbClr val="EEECE1"/>
+      </a:lt2>
+      <a:accent1>
+        <a:srgbClr val="4F81BD"/>
+      </a:accent1>
+      <a:accent2>
+        <a:srgbClr val="C0504D"/>
+      </a:accent2>
+      <a:accent3>
+        <a:srgbClr val="9BBB59"/>
+      </a:accent3>
+      <a:accent4>
+        <a:srgbClr val="8064A2"/>
+      </a:accent4>
+      <a:accent5>
+        <a:srgbClr val="4BACC6"/>
+      </a:accent5>
+      <a:accent6>
+        <a:srgbClr val="F79646"/>
+      </a:accent6>
+      <a:hlink>
+        <a:srgbClr val="0000FF"/>
+      </a:hlink>
+      <a:folHlink>
+        <a:srgbClr val="800080"/>
+      </a:folHlink>
+    </a:clrScheme>
+    <a:fontScheme name="Office">
+      <a:majorFont>
+        <a:latin typeface="Calibri"/>
+        <a:ea typeface=""/>
+        <a:cs typeface=""/>
+        <a:font script="Jpan" typeface="ＭＳ Ｐゴシック"/>
+        <a:font script="Hang" typeface="맑은 고딕"/>
+        <a:font script="Hans" typeface="宋体"/>
+        <a:font script="Hant" typeface="新細明體"/>
+        <a:font script="Arab" typeface="Times New Roman"/>
+        <a:font script="Hebr" typeface="Times New Roman"/>
+        <a:font script="Thai" typeface="Angsana New"/>
+        <a:font script="Ethi" typeface="Nyala"/>
+        <a:font script="Beng" typeface="Vrinda"/>
+        <a:font script="Gujr" typeface="Shruti"/>
+        <a:font script="Khmr" typeface="MoolBoran"/>
+        <a:font script="Knda" typeface="Tunga"/>
+        <a:font script="Guru" typeface="Raavi"/>
+        <a:font script="Cans" typeface="Euphemia"/>
+        <a:font script="Cher" typeface="Plantagenet Cherokee"/>
+        <a:font script="Yiii" typeface="Microsoft Yi Baiti"/>
+        <a:font script="Tibt" typeface="Microsoft Himalaya"/>
+        <a:font script="Thaa" typeface="MV Boli"/>
+        <a:font script="Deva" typeface="Mangal"/>
+        <a:font script="Telu" typeface="Gautami"/>
+        <a:font script="Taml" typeface="Latha"/>
+        <a:font script="Syrc" typeface="Estrangelo Edessa"/>
+        <a:font script="Orya" typeface="Kalinga"/>
+        <a:font script="Mlym" typeface="Kartika"/>
+        <a:font script="Laoo" typeface="DokChampa"/>
+        <a:font script="Sinh" typeface="Iskoola Pota"/>
+        <a:font script="Mong" typeface="Mongolian Baiti"/>
+        <a:font script="Viet" typeface="Times New Roman"/>
+        <a:font script="Uigh" typeface="Microsoft Uighur"/>
+        <a:font script="Geor" typeface="Sylfaen"/>
+      </a:majorFont>
+      <a:minorFont>
+        <a:latin typeface="Calibri"/>
+        <a:ea typeface=""/>
+        <a:cs typeface=""/>
+        <a:font script="Jpan" typeface="ＭＳ Ｐゴシック"/>
+        <a:font script="Hang" typeface="맑은 고딕"/>
+        <a:font script="Hans" typeface="宋体"/>
+        <a:font script="Hant" typeface="新細明體"/>
+        <a:font script="Arab" typeface="Arial"/>
+        <a:font script="Hebr" typeface="Arial"/>
+        <a:font script="Thai" typeface="Cordia New"/>
+        <a:font script="Ethi" typeface="Nyala"/>
+        <a:font script="Beng" typeface="Vrinda"/>
+        <a:font script="Gujr" typeface="Shruti"/>
+        <a:font script="Khmr" typeface="DaunPenh"/>
+        <a:font script="Knda" typeface="Tunga"/>
+        <a:font script="Guru" typeface="Raavi"/>
+        <a:font script="Cans" typeface="Euphemia"/>
+        <a:font script="Cher" typeface="Plantagenet Cherokee"/>
+        <a:font script="Yiii" typeface="Microsoft Yi Baiti"/>
+        <a:font script="Tibt" typeface="Microsoft Himalaya"/>
+        <a:font script="Thaa" typeface="MV Boli"/>
+        <a:font script="Deva" typeface="Mangal"/>
+        <a:font script="Telu" typeface="Gautami"/>
+        <a:font script="Taml" typeface="Latha"/>
+        <a:font script="Syrc" typeface="Estrangelo Edessa"/>
+        <a:font script="Orya" typeface="Kalinga"/>
+        <a:font script="Mlym" typeface="Kartika"/>
+        <a:font script="Laoo" typeface="DokChampa"/>
+        <a:font script="Sinh" typeface="Iskoola Pota"/>
+        <a:font script="Mong" typeface="Mongolian Baiti"/>
+        <a:font script="Viet" typeface="Arial"/>
+        <a:font script="Uigh" typeface="Microsoft Uighur"/>
+        <a:font script="Geor" typeface="Sylfaen"/>
+      </a:minorFont>
+    </a:fontScheme>
+    <a:fmtScheme name="Office">
+      <a:fillStyleLst>
+        <a:solidFill>
+          <a:schemeClr val="phClr"/>
+        </a:solidFill>
+        <a:gradFill rotWithShape="1">
+          <a:gsLst>
+            <a:gs pos="0">
+              <a:schemeClr val="phClr">
+                <a:tint val="50000"/>
+                <a:satMod val="300000"/>
+              </a:schemeClr>
+            </a:gs>
+            <a:gs pos="35000">
+              <a:schemeClr val="phClr">
+                <a:tint val="37000"/>
+                <a:satMod val="300000"/>
+              </a:schemeClr>
+            </a:gs>
+            <a:gs pos="100000">
+              <a:schemeClr val="phClr">
+                <a:tint val="15000"/>
+                <a:satMod val="350000"/>
+              </a:schemeClr>
+            </a:gs>
+          </a:gsLst>
+          <a:lin ang="16200000" scaled="1"/>
+        </a:gradFill>
+        <a:gradFill rotWithShape="1">
+          <a:gsLst>
+            <a:gs pos="0">
+              <a:schemeClr val="phClr">
+                <a:shade val="51000"/>
+                <a:satMod val="130000"/>
+              </a:schemeClr>
+            </a:gs>
+            <a:gs pos="80000">
+              <a:schemeClr val="phClr">
+                <a:shade val="93000"/>
+                <a:satMod val="130000"/>
+              </a:schemeClr>
+            </a:gs>
+            <a:gs pos="100000">
+              <a:schemeClr val="phClr">
+                <a:shade val="94000"/>
+                <a:satMod val="135000"/>
+              </a:schemeClr>
+            </a:gs>
+          </a:gsLst>
+          <a:lin ang="16200000" scaled="0"/>
+        </a:gradFill>
+      </a:fillStyleLst>
+      <a:lnStyleLst>
+        <a:ln w="9525" cap="flat" cmpd="sng" algn="ctr">
+          <a:solidFill>
+            <a:schemeClr val="phClr">
+              <a:shade val="95000"/>
+              <a:satMod val="105000"/>
+            </a:schemeClr>
+          </a:solidFill>
+          <a:prstDash val="solid"/>
+        </a:ln>
+        <a:ln w="25400" cap="flat" cmpd="sng" algn="ctr">
+          <a:solidFill>
+            <a:schemeClr val="phClr"/>
+          </a:solidFill>
+          <a:prstDash val="solid"/>
+        </a:ln>
+        <a:ln w="38100" cap="flat" cmpd="sng" algn="ctr">
+          <a:solidFill>
+            <a:schemeClr val="phClr"/>
+          </a:solidFill>
+          <a:prstDash val="solid"/>
+        </a:ln>
+      </a:lnStyleLst>
+      <a:effectStyleLst>
+        <a:effectStyle>
+          <a:effectLst>
+            <a:outerShdw blurRad="40000" dist="20000" dir="5400000" rotWithShape="0">
+              <a:srgbClr val="000000">
+                <a:alpha val="38000"/>
+              </a:srgbClr>
+            </a:outerShdw>
+          </a:effectLst>
+        </a:effectStyle>
+        <a:effectStyle>
+          <a:effectLst>
+            <a:outerShdw blurRad="40000" dist="23000" dir="5400000" rotWithShape="0">
+              <a:srgbClr val="000000">
+                <a:alpha val="35000"/>
+              </a:srgbClr>
+            </a:outerShdw>
+          </a:effectLst>
+        </a:effectStyle>
+        <a:effectStyle>
+          <a:effectLst>
+            <a:outerShdw blurRad="40000" dist="23000" dir="5400000" rotWithShape="0">
+              <a:srgbClr val="000000">
+                <a:alpha val="35000"/>
+              </a:srgbClr>
+            </a:outerShdw>
+          </a:effectLst>
+          <a:scene3d>
+            <a:camera prst="orthographicFront">
+              <a:rot lat="0" lon="0" rev="0"/>
+            </a:camera>
+            <a:lightRig rig="threePt" dir="t">
+              <a:rot lat="0" lon="0" rev="1200000"/>
+            </a:lightRig>
+          </a:scene3d>
+          <a:sp3d>
+            <a:bevelT w="63500" h="25400"/>
+          </a:sp3d>
+        </a:effectStyle>
+      </a:effectStyleLst>
+      <a:bgFillStyleLst>
+        <a:solidFill>
+          <a:schemeClr val="phClr"/>
+        </a:solidFill>
+        <a:gradFill rotWithShape="1">
+          <a:gsLst>
+            <a:gs pos="0">
+              <a:schemeClr val="phClr">
+                <a:tint val="40000"/>
+                <a:satMod val="350000"/>
+              </a:schemeClr>
+            </a:gs>
+            <a:gs pos="40000">
+              <a:schemeClr val="phClr">
+                <a:tint val="45000"/>
+                <a:shade val="99000"/>
+                <a:satMod val="350000"/>
+              </a:schemeClr>
+            </a:gs>
+            <a:gs pos="100000">
+              <a:schemeClr val="phClr">
+                <a:shade val="20000"/>
+                <a:satMod val="255000"/>
+              </a:schemeClr>
+            </a:gs>
+          </a:gsLst>
+          <a:path path="circle">
+            <a:fillToRect l="50000" t="-80000" r="50000" b="180000"/>
+          </a:path>
+        </a:gradFill>
+        <a:gradFill rotWithShape="1">
+          <a:gsLst>
+            <a:gs pos="0">
+              <a:schemeClr val="phClr">
+                <a:tint val="80000"/>
+                <a:satMod val="300000"/>
+              </a:schemeClr>
+            </a:gs>
+            <a:gs pos="100000">
+              <a:schemeClr val="phClr">
+                <a:shade val="30000"/>
+                <a:satMod val="200000"/>
+              </a:schemeClr>
+            </a:gs>
+          </a:gsLst>
+          <a:path path="circle">
+            <a:fillToRect l="50000" t="50000" r="50000" b="50000"/>
+          </a:path>
+        </a:gradFill>
+      </a:bgFillStyleLst>
+    </a:fmtScheme>
+  </a:themeElements>
+  <a:objectDefaults/>
+  <a:extraClrSchemeLst/>
+</a:theme>
 </file>